--- a/Introduction to ASP.NET MVC - Denver Dev Days/Introduction to ASP.NET MVC.pptx
+++ b/Introduction to ASP.NET MVC - Denver Dev Days/Introduction to ASP.NET MVC.pptx
@@ -5,10 +5,10 @@
     <p:sldMasterId id="2147483972" r:id="rId1"/>
   </p:sldMasterIdLst>
   <p:notesMasterIdLst>
-    <p:notesMasterId r:id="rId33"/>
+    <p:notesMasterId r:id="rId34"/>
   </p:notesMasterIdLst>
   <p:handoutMasterIdLst>
-    <p:handoutMasterId r:id="rId34"/>
+    <p:handoutMasterId r:id="rId35"/>
   </p:handoutMasterIdLst>
   <p:sldIdLst>
     <p:sldId id="256" r:id="rId2"/>
@@ -38,10 +38,11 @@
     <p:sldId id="286" r:id="rId26"/>
     <p:sldId id="287" r:id="rId27"/>
     <p:sldId id="288" r:id="rId28"/>
-    <p:sldId id="289" r:id="rId29"/>
-    <p:sldId id="264" r:id="rId30"/>
-    <p:sldId id="295" r:id="rId31"/>
-    <p:sldId id="258" r:id="rId32"/>
+    <p:sldId id="302" r:id="rId29"/>
+    <p:sldId id="289" r:id="rId30"/>
+    <p:sldId id="264" r:id="rId31"/>
+    <p:sldId id="295" r:id="rId32"/>
+    <p:sldId id="258" r:id="rId33"/>
   </p:sldIdLst>
   <p:sldSz cx="9144000" cy="6858000" type="screen4x3"/>
   <p:notesSz cx="6858000" cy="9144000"/>
@@ -1481,6 +1482,93 @@
               <a:rPr lang="en-US" smtClean="0"/>
               <a:pPr/>
               <a:t>28</a:t>
+            </a:fld>
+            <a:endParaRPr lang="en-US" dirty="0"/>
+          </a:p>
+        </p:txBody>
+      </p:sp>
+    </p:spTree>
+    <p:extLst>
+      <p:ext uri="{BB962C8B-B14F-4D97-AF65-F5344CB8AC3E}">
+        <p14:creationId xmlns:p14="http://schemas.microsoft.com/office/powerpoint/2010/main" val="2345806148"/>
+      </p:ext>
+    </p:extLst>
+  </p:cSld>
+  <p:clrMapOvr>
+    <a:masterClrMapping/>
+  </p:clrMapOvr>
+</p:notes>
+</file>
+
+<file path=ppt/notesSlides/notesSlide18.xml><?xml version="1.0" encoding="utf-8"?>
+<p:notes xmlns:a="http://schemas.openxmlformats.org/drawingml/2006/main" xmlns:r="http://schemas.openxmlformats.org/officeDocument/2006/relationships" xmlns:p="http://schemas.openxmlformats.org/presentationml/2006/main">
+  <p:cSld>
+    <p:spTree>
+      <p:nvGrpSpPr>
+        <p:cNvPr id="1" name=""/>
+        <p:cNvGrpSpPr/>
+        <p:nvPr/>
+      </p:nvGrpSpPr>
+      <p:grpSpPr>
+        <a:xfrm>
+          <a:off x="0" y="0"/>
+          <a:ext cx="0" cy="0"/>
+          <a:chOff x="0" y="0"/>
+          <a:chExt cx="0" cy="0"/>
+        </a:xfrm>
+      </p:grpSpPr>
+      <p:sp>
+        <p:nvSpPr>
+          <p:cNvPr id="2" name="Slide Image Placeholder 1"/>
+          <p:cNvSpPr>
+            <a:spLocks noGrp="1" noRot="1" noChangeAspect="1"/>
+          </p:cNvSpPr>
+          <p:nvPr>
+            <p:ph type="sldImg"/>
+          </p:nvPr>
+        </p:nvSpPr>
+        <p:spPr/>
+      </p:sp>
+      <p:sp>
+        <p:nvSpPr>
+          <p:cNvPr id="3" name="Notes Placeholder 2"/>
+          <p:cNvSpPr>
+            <a:spLocks noGrp="1"/>
+          </p:cNvSpPr>
+          <p:nvPr>
+            <p:ph type="body" idx="1"/>
+          </p:nvPr>
+        </p:nvSpPr>
+        <p:spPr/>
+        <p:txBody>
+          <a:bodyPr>
+            <a:normAutofit/>
+          </a:bodyPr>
+          <a:lstStyle/>
+          <a:p>
+            <a:endParaRPr lang="en-US" dirty="0"/>
+          </a:p>
+        </p:txBody>
+      </p:sp>
+      <p:sp>
+        <p:nvSpPr>
+          <p:cNvPr id="4" name="Slide Number Placeholder 3"/>
+          <p:cNvSpPr>
+            <a:spLocks noGrp="1"/>
+          </p:cNvSpPr>
+          <p:nvPr>
+            <p:ph type="sldNum" sz="quarter" idx="10"/>
+          </p:nvPr>
+        </p:nvSpPr>
+        <p:spPr/>
+        <p:txBody>
+          <a:bodyPr/>
+          <a:lstStyle/>
+          <a:p>
+            <a:fld id="{A53BD44F-18A8-46C3-8E60-05A8A5D6CFFD}" type="slidenum">
+              <a:rPr lang="en-US" smtClean="0"/>
+              <a:pPr/>
+              <a:t>29</a:t>
             </a:fld>
             <a:endParaRPr lang="en-US" dirty="0"/>
           </a:p>
@@ -5650,20 +5738,25 @@
             </a:r>
             <a:r>
               <a:rPr lang="en-US" sz="2400" dirty="0"/>
-              <a:t>@Model </a:t>
+              <a:t>@</a:t>
+            </a:r>
+            <a:r>
+              <a:rPr lang="en-US" sz="2400" dirty="0" err="1" smtClean="0"/>
+              <a:t>Model.Something</a:t>
             </a:r>
             <a:r>
               <a:rPr lang="en-US" sz="2400" dirty="0" smtClean="0"/>
-              <a:t>.something or @</a:t>
+              <a:t> </a:t>
+            </a:r>
+            <a:r>
+              <a:rPr lang="en-US" sz="2400" dirty="0" smtClean="0"/>
+              <a:t>or @</a:t>
             </a:r>
             <a:r>
               <a:rPr lang="en-US" sz="2400" dirty="0" err="1" smtClean="0"/>
-              <a:t>ViewBag</a:t>
-            </a:r>
-            <a:r>
-              <a:rPr lang="en-US" sz="2400" dirty="0" smtClean="0"/>
-              <a:t>&lt;something</a:t>
-            </a:r>
+              <a:t>ViewBag.Something</a:t>
+            </a:r>
+            <a:endParaRPr lang="en-US" sz="2400" dirty="0" smtClean="0"/>
           </a:p>
           <a:p>
             <a:endParaRPr lang="en-US" sz="2400" dirty="0" smtClean="0"/>
@@ -10983,7 +11076,15 @@
           <a:p>
             <a:r>
               <a:rPr lang="en-US" sz="2400" dirty="0" smtClean="0"/>
-              <a:t>Easier to navigate with JavaScript and jQuery</a:t>
+              <a:t>Easier to </a:t>
+            </a:r>
+            <a:r>
+              <a:rPr lang="en-US" sz="2400" dirty="0" smtClean="0"/>
+              <a:t>manipulate DOM with </a:t>
+            </a:r>
+            <a:r>
+              <a:rPr lang="en-US" sz="2400" dirty="0" smtClean="0"/>
+              <a:t>JavaScript and jQuery</a:t>
             </a:r>
           </a:p>
           <a:p>
@@ -10992,7 +11093,15 @@
           <a:p>
             <a:r>
               <a:rPr lang="en-US" sz="2400" dirty="0" smtClean="0"/>
-              <a:t>Easier to build Section 508 compliant sites</a:t>
+              <a:t>Easier to build </a:t>
+            </a:r>
+            <a:r>
+              <a:rPr lang="en-US" sz="2400" dirty="0" smtClean="0"/>
+              <a:t>accessible, Section </a:t>
+            </a:r>
+            <a:r>
+              <a:rPr lang="en-US" sz="2400" dirty="0" smtClean="0"/>
+              <a:t>508 compliant sites</a:t>
             </a:r>
           </a:p>
         </p:txBody>
@@ -12446,7 +12555,7 @@
 </file>
 
 <file path=ppt/slides/slide26.xml><?xml version="1.0" encoding="utf-8"?>
-<p:sld xmlns:a="http://schemas.openxmlformats.org/drawingml/2006/main" xmlns:r="http://schemas.openxmlformats.org/officeDocument/2006/relationships" xmlns:p="http://schemas.openxmlformats.org/presentationml/2006/main">
+<p:sld xmlns:a="http://schemas.openxmlformats.org/drawingml/2006/main" xmlns:r="http://schemas.openxmlformats.org/officeDocument/2006/relationships" xmlns:p="http://schemas.openxmlformats.org/presentationml/2006/main" show="0">
   <p:cSld>
     <p:spTree>
       <p:nvGrpSpPr>
@@ -12567,7 +12676,7 @@
 </file>
 
 <file path=ppt/slides/slide27.xml><?xml version="1.0" encoding="utf-8"?>
-<p:sld xmlns:a="http://schemas.openxmlformats.org/drawingml/2006/main" xmlns:r="http://schemas.openxmlformats.org/officeDocument/2006/relationships" xmlns:p="http://schemas.openxmlformats.org/presentationml/2006/main">
+<p:sld xmlns:a="http://schemas.openxmlformats.org/drawingml/2006/main" xmlns:r="http://schemas.openxmlformats.org/officeDocument/2006/relationships" xmlns:p="http://schemas.openxmlformats.org/presentationml/2006/main" show="0">
   <p:cSld>
     <p:spTree>
       <p:nvGrpSpPr>
@@ -13648,69 +13757,181 @@
                   <a:srgbClr val="0070C0"/>
                 </a:solidFill>
               </a:rPr>
-              <a:t>Headroom</a:t>
-            </a:r>
-          </a:p>
-          <a:p>
-            <a:endParaRPr lang="en-US" sz="2400" dirty="0" smtClean="0"/>
-          </a:p>
-          <a:p>
-            <a:r>
-              <a:rPr lang="en-US" sz="2400" dirty="0" smtClean="0"/>
-              <a:t>Extensible</a:t>
-            </a:r>
-          </a:p>
-          <a:p>
-            <a:pPr lvl="1"/>
-            <a:r>
-              <a:rPr lang="en-US" sz="2000" dirty="0" smtClean="0"/>
-              <a:t>Custom Routing</a:t>
-            </a:r>
-          </a:p>
-          <a:p>
-            <a:pPr lvl="1"/>
-            <a:r>
-              <a:rPr lang="en-US" sz="2000" dirty="0" smtClean="0"/>
-              <a:t>Custom View Engine</a:t>
-            </a:r>
-          </a:p>
-          <a:p>
-            <a:pPr lvl="1"/>
-            <a:r>
-              <a:rPr lang="en-US" sz="2000" dirty="0" smtClean="0"/>
-              <a:t>Custom Model/Parameter Binders</a:t>
-            </a:r>
-          </a:p>
-          <a:p>
-            <a:pPr lvl="1"/>
-            <a:r>
-              <a:rPr lang="en-US" sz="2000" dirty="0" smtClean="0"/>
-              <a:t>Custom Action Filters</a:t>
-            </a:r>
-          </a:p>
-          <a:p>
-            <a:pPr lvl="1"/>
-            <a:r>
-              <a:rPr lang="en-US" sz="2000" dirty="0" smtClean="0"/>
-              <a:t>Custom Formatters</a:t>
-            </a:r>
-          </a:p>
-          <a:p>
-            <a:pPr lvl="1"/>
-            <a:endParaRPr lang="en-US" sz="2000" dirty="0" smtClean="0"/>
-          </a:p>
-          <a:p>
-            <a:r>
-              <a:rPr lang="en-US" sz="2400" dirty="0" smtClean="0"/>
-              <a:t>All code is released as open source</a:t>
-            </a:r>
+              <a:t>Security</a:t>
+            </a:r>
+          </a:p>
+          <a:p>
+            <a:endParaRPr lang="en-US" dirty="0" smtClean="0"/>
+          </a:p>
+          <a:p>
+            <a:r>
+              <a:rPr lang="en-US" dirty="0" smtClean="0"/>
+              <a:t>Attributes on controller and/or action</a:t>
+            </a:r>
+          </a:p>
+          <a:p>
+            <a:endParaRPr lang="en-US" dirty="0"/>
+          </a:p>
+          <a:p>
+            <a:r>
+              <a:rPr lang="en-US" dirty="0" smtClean="0"/>
+              <a:t>Allow Anonymous is the default</a:t>
+            </a:r>
+          </a:p>
+          <a:p>
+            <a:pPr marL="0" indent="0">
+              <a:buNone/>
+            </a:pPr>
+            <a:endParaRPr lang="en-US" dirty="0" smtClean="0"/>
+          </a:p>
+          <a:p>
+            <a:pPr marL="0" indent="0">
+              <a:buNone/>
+            </a:pPr>
+            <a:endParaRPr lang="en-US" dirty="0" smtClean="0"/>
+          </a:p>
+        </p:txBody>
+      </p:sp>
+      <p:pic>
+        <p:nvPicPr>
+          <p:cNvPr id="4" name="Picture 3"/>
+          <p:cNvPicPr>
+            <a:picLocks noChangeAspect="1"/>
+          </p:cNvPicPr>
+          <p:nvPr/>
+        </p:nvPicPr>
+        <p:blipFill>
+          <a:blip r:embed="rId3"/>
+          <a:stretch>
+            <a:fillRect/>
+          </a:stretch>
+        </p:blipFill>
+        <p:spPr>
+          <a:xfrm>
+            <a:off x="628650" y="4001294"/>
+            <a:ext cx="5819048" cy="876190"/>
+          </a:xfrm>
+          <a:prstGeom prst="rect">
+            <a:avLst/>
+          </a:prstGeom>
+        </p:spPr>
+      </p:pic>
+      <p:pic>
+        <p:nvPicPr>
+          <p:cNvPr id="5" name="Picture 4"/>
+          <p:cNvPicPr>
+            <a:picLocks noChangeAspect="1"/>
+          </p:cNvPicPr>
+          <p:nvPr/>
+        </p:nvPicPr>
+        <p:blipFill>
+          <a:blip r:embed="rId4"/>
+          <a:stretch>
+            <a:fillRect/>
+          </a:stretch>
+        </p:blipFill>
+        <p:spPr>
+          <a:xfrm>
+            <a:off x="628650" y="5181600"/>
+            <a:ext cx="6409524" cy="885714"/>
+          </a:xfrm>
+          <a:prstGeom prst="rect">
+            <a:avLst/>
+          </a:prstGeom>
+        </p:spPr>
+      </p:pic>
+      <p:sp>
+        <p:nvSpPr>
+          <p:cNvPr id="6" name="Right Arrow 5"/>
+          <p:cNvSpPr/>
+          <p:nvPr/>
+        </p:nvSpPr>
+        <p:spPr>
+          <a:xfrm rot="10800000">
+            <a:off x="3360420" y="3970814"/>
+            <a:ext cx="406483" cy="381000"/>
+          </a:xfrm>
+          <a:prstGeom prst="rightArrow">
+            <a:avLst/>
+          </a:prstGeom>
+        </p:spPr>
+        <p:style>
+          <a:lnRef idx="2">
+            <a:schemeClr val="accent1">
+              <a:shade val="50000"/>
+            </a:schemeClr>
+          </a:lnRef>
+          <a:fillRef idx="1">
+            <a:schemeClr val="accent1"/>
+          </a:fillRef>
+          <a:effectRef idx="0">
+            <a:schemeClr val="accent1"/>
+          </a:effectRef>
+          <a:fontRef idx="minor">
+            <a:schemeClr val="lt1"/>
+          </a:fontRef>
+        </p:style>
+        <p:txBody>
+          <a:bodyPr rtlCol="0" anchor="ctr"/>
+          <a:lstStyle/>
+          <a:p>
+            <a:pPr algn="ctr"/>
+            <a:endParaRPr lang="en-US">
+              <a:solidFill>
+                <a:schemeClr val="tx1"/>
+              </a:solidFill>
+            </a:endParaRPr>
+          </a:p>
+        </p:txBody>
+      </p:sp>
+      <p:sp>
+        <p:nvSpPr>
+          <p:cNvPr id="7" name="Right Arrow 6"/>
+          <p:cNvSpPr/>
+          <p:nvPr/>
+        </p:nvSpPr>
+        <p:spPr>
+          <a:xfrm rot="10800000">
+            <a:off x="6654551" y="5143500"/>
+            <a:ext cx="406483" cy="381000"/>
+          </a:xfrm>
+          <a:prstGeom prst="rightArrow">
+            <a:avLst/>
+          </a:prstGeom>
+        </p:spPr>
+        <p:style>
+          <a:lnRef idx="2">
+            <a:schemeClr val="accent1">
+              <a:shade val="50000"/>
+            </a:schemeClr>
+          </a:lnRef>
+          <a:fillRef idx="1">
+            <a:schemeClr val="accent1"/>
+          </a:fillRef>
+          <a:effectRef idx="0">
+            <a:schemeClr val="accent1"/>
+          </a:effectRef>
+          <a:fontRef idx="minor">
+            <a:schemeClr val="lt1"/>
+          </a:fontRef>
+        </p:style>
+        <p:txBody>
+          <a:bodyPr rtlCol="0" anchor="ctr"/>
+          <a:lstStyle/>
+          <a:p>
+            <a:pPr algn="ctr"/>
+            <a:endParaRPr lang="en-US">
+              <a:solidFill>
+                <a:schemeClr val="tx1"/>
+              </a:solidFill>
+            </a:endParaRPr>
           </a:p>
         </p:txBody>
       </p:sp>
     </p:spTree>
     <p:extLst>
       <p:ext uri="{BB962C8B-B14F-4D97-AF65-F5344CB8AC3E}">
-        <p14:creationId xmlns:p14="http://schemas.microsoft.com/office/powerpoint/2010/main" val="573997567"/>
+        <p14:creationId xmlns:p14="http://schemas.microsoft.com/office/powerpoint/2010/main" val="4014255629"/>
       </p:ext>
     </p:extLst>
   </p:cSld>
@@ -13723,9 +13944,124 @@
   <p:timing>
     <p:tnLst>
       <p:par>
-        <p:cTn id="1" dur="indefinite" restart="never" nodeType="tmRoot"/>
+        <p:cTn id="1" dur="indefinite" restart="never" nodeType="tmRoot">
+          <p:childTnLst>
+            <p:seq concurrent="1" nextAc="seek">
+              <p:cTn id="2" dur="indefinite" nodeType="mainSeq">
+                <p:childTnLst>
+                  <p:par>
+                    <p:cTn id="3" fill="hold">
+                      <p:stCondLst>
+                        <p:cond delay="indefinite"/>
+                      </p:stCondLst>
+                      <p:childTnLst>
+                        <p:par>
+                          <p:cTn id="4" fill="hold">
+                            <p:stCondLst>
+                              <p:cond delay="0"/>
+                            </p:stCondLst>
+                            <p:childTnLst>
+                              <p:par>
+                                <p:cTn id="5" presetID="4" presetClass="entr" presetSubtype="16" fill="hold" grpId="0" nodeType="clickEffect">
+                                  <p:stCondLst>
+                                    <p:cond delay="0"/>
+                                  </p:stCondLst>
+                                  <p:childTnLst>
+                                    <p:set>
+                                      <p:cBhvr>
+                                        <p:cTn id="6" dur="1" fill="hold">
+                                          <p:stCondLst>
+                                            <p:cond delay="0"/>
+                                          </p:stCondLst>
+                                        </p:cTn>
+                                        <p:tgtEl>
+                                          <p:spTgt spid="6"/>
+                                        </p:tgtEl>
+                                        <p:attrNameLst>
+                                          <p:attrName>style.visibility</p:attrName>
+                                        </p:attrNameLst>
+                                      </p:cBhvr>
+                                      <p:to>
+                                        <p:strVal val="visible"/>
+                                      </p:to>
+                                    </p:set>
+                                    <p:animEffect transition="in" filter="box(in)">
+                                      <p:cBhvr>
+                                        <p:cTn id="7" dur="500"/>
+                                        <p:tgtEl>
+                                          <p:spTgt spid="6"/>
+                                        </p:tgtEl>
+                                      </p:cBhvr>
+                                    </p:animEffect>
+                                  </p:childTnLst>
+                                </p:cTn>
+                              </p:par>
+                              <p:par>
+                                <p:cTn id="8" presetID="4" presetClass="entr" presetSubtype="16" fill="hold" grpId="0" nodeType="withEffect">
+                                  <p:stCondLst>
+                                    <p:cond delay="0"/>
+                                  </p:stCondLst>
+                                  <p:childTnLst>
+                                    <p:set>
+                                      <p:cBhvr>
+                                        <p:cTn id="9" dur="1" fill="hold">
+                                          <p:stCondLst>
+                                            <p:cond delay="0"/>
+                                          </p:stCondLst>
+                                        </p:cTn>
+                                        <p:tgtEl>
+                                          <p:spTgt spid="7"/>
+                                        </p:tgtEl>
+                                        <p:attrNameLst>
+                                          <p:attrName>style.visibility</p:attrName>
+                                        </p:attrNameLst>
+                                      </p:cBhvr>
+                                      <p:to>
+                                        <p:strVal val="visible"/>
+                                      </p:to>
+                                    </p:set>
+                                    <p:animEffect transition="in" filter="box(in)">
+                                      <p:cBhvr>
+                                        <p:cTn id="10" dur="500"/>
+                                        <p:tgtEl>
+                                          <p:spTgt spid="7"/>
+                                        </p:tgtEl>
+                                      </p:cBhvr>
+                                    </p:animEffect>
+                                  </p:childTnLst>
+                                </p:cTn>
+                              </p:par>
+                            </p:childTnLst>
+                          </p:cTn>
+                        </p:par>
+                      </p:childTnLst>
+                    </p:cTn>
+                  </p:par>
+                </p:childTnLst>
+              </p:cTn>
+              <p:prevCondLst>
+                <p:cond evt="onPrev" delay="0">
+                  <p:tgtEl>
+                    <p:sldTgt/>
+                  </p:tgtEl>
+                </p:cond>
+              </p:prevCondLst>
+              <p:nextCondLst>
+                <p:cond evt="onNext" delay="0">
+                  <p:tgtEl>
+                    <p:sldTgt/>
+                  </p:tgtEl>
+                </p:cond>
+              </p:nextCondLst>
+            </p:seq>
+          </p:childTnLst>
+        </p:cTn>
       </p:par>
     </p:tnLst>
+    <p:bldLst>
+      <p:bldP spid="6" grpId="0" animBg="1"/>
+      <p:bldP spid="7" grpId="0" animBg="1"/>
+    </p:bldLst>
   </p:timing>
 </p:sld>
 </file>
@@ -13787,32 +14123,80 @@
           </a:bodyPr>
           <a:lstStyle/>
           <a:p>
+            <a:pPr marL="0" indent="0">
+              <a:buNone/>
+            </a:pPr>
+            <a:r>
+              <a:rPr lang="en-US" sz="2400" dirty="0" smtClean="0">
+                <a:solidFill>
+                  <a:srgbClr val="0070C0"/>
+                </a:solidFill>
+              </a:rPr>
+              <a:t>Headroom</a:t>
+            </a:r>
+          </a:p>
+          <a:p>
+            <a:endParaRPr lang="en-US" sz="2400" dirty="0" smtClean="0"/>
+          </a:p>
+          <a:p>
             <a:r>
               <a:rPr lang="en-US" sz="2400" dirty="0" smtClean="0"/>
-              <a:t>Part of ASP.NET, same security model</a:t>
-            </a:r>
-          </a:p>
-          <a:p>
-            <a:endParaRPr lang="en-US" sz="2400" dirty="0" smtClean="0"/>
+              <a:t>Extensible</a:t>
+            </a:r>
+          </a:p>
+          <a:p>
+            <a:pPr lvl="1"/>
+            <a:r>
+              <a:rPr lang="en-US" sz="2000" dirty="0" smtClean="0"/>
+              <a:t>Custom Routing</a:t>
+            </a:r>
+          </a:p>
+          <a:p>
+            <a:pPr lvl="1"/>
+            <a:r>
+              <a:rPr lang="en-US" sz="2000" dirty="0" smtClean="0"/>
+              <a:t>Custom View Engine</a:t>
+            </a:r>
+          </a:p>
+          <a:p>
+            <a:pPr lvl="1"/>
+            <a:r>
+              <a:rPr lang="en-US" sz="2000" dirty="0" smtClean="0"/>
+              <a:t>Custom Model/Parameter Binders</a:t>
+            </a:r>
+          </a:p>
+          <a:p>
+            <a:pPr lvl="1"/>
+            <a:r>
+              <a:rPr lang="en-US" sz="2000" dirty="0" smtClean="0"/>
+              <a:t>Custom Action Filters</a:t>
+            </a:r>
+          </a:p>
+          <a:p>
+            <a:pPr lvl="1"/>
+            <a:r>
+              <a:rPr lang="en-US" sz="2000" dirty="0" smtClean="0"/>
+              <a:t>Custom Formatters</a:t>
+            </a:r>
+          </a:p>
+          <a:p>
+            <a:pPr lvl="1"/>
+            <a:endParaRPr lang="en-US" sz="2000" dirty="0" smtClean="0"/>
           </a:p>
           <a:p>
             <a:r>
               <a:rPr lang="en-US" sz="2400" dirty="0" smtClean="0"/>
-              <a:t>Can run side-by-side with Web Forms, SignalR, etc.</a:t>
-            </a:r>
-          </a:p>
-          <a:p>
-            <a:endParaRPr lang="en-US" sz="2400" dirty="0" smtClean="0"/>
-          </a:p>
-          <a:p>
-            <a:r>
-              <a:rPr lang="en-US" sz="2400" dirty="0" smtClean="0"/>
-              <a:t>Cookies, Session, Caching, etc. still work the same</a:t>
+              <a:t>All code is released as open source</a:t>
             </a:r>
           </a:p>
         </p:txBody>
       </p:sp>
     </p:spTree>
+    <p:extLst>
+      <p:ext uri="{BB962C8B-B14F-4D97-AF65-F5344CB8AC3E}">
+        <p14:creationId xmlns:p14="http://schemas.microsoft.com/office/powerpoint/2010/main" val="573997567"/>
+      </p:ext>
+    </p:extLst>
   </p:cSld>
   <p:clrMapOvr>
     <a:masterClrMapping/>
@@ -14613,6 +14997,106 @@
       </p:grpSpPr>
       <p:sp>
         <p:nvSpPr>
+          <p:cNvPr id="2" name="Title 1"/>
+          <p:cNvSpPr>
+            <a:spLocks noGrp="1"/>
+          </p:cNvSpPr>
+          <p:nvPr>
+            <p:ph type="title"/>
+          </p:nvPr>
+        </p:nvSpPr>
+        <p:spPr/>
+        <p:txBody>
+          <a:bodyPr/>
+          <a:lstStyle/>
+          <a:p>
+            <a:r>
+              <a:rPr lang="en-US" sz="3200" dirty="0"/>
+              <a:t>MVC: The good parts</a:t>
+            </a:r>
+            <a:endParaRPr lang="en-US" dirty="0"/>
+          </a:p>
+        </p:txBody>
+      </p:sp>
+      <p:sp>
+        <p:nvSpPr>
+          <p:cNvPr id="3" name="Subtitle 2"/>
+          <p:cNvSpPr>
+            <a:spLocks noGrp="1"/>
+          </p:cNvSpPr>
+          <p:nvPr>
+            <p:ph idx="1"/>
+          </p:nvPr>
+        </p:nvSpPr>
+        <p:spPr/>
+        <p:txBody>
+          <a:bodyPr>
+            <a:normAutofit/>
+          </a:bodyPr>
+          <a:lstStyle/>
+          <a:p>
+            <a:r>
+              <a:rPr lang="en-US" sz="2400" dirty="0" smtClean="0"/>
+              <a:t>Part of ASP.NET, same security model</a:t>
+            </a:r>
+          </a:p>
+          <a:p>
+            <a:endParaRPr lang="en-US" sz="2400" dirty="0" smtClean="0"/>
+          </a:p>
+          <a:p>
+            <a:r>
+              <a:rPr lang="en-US" sz="2400" dirty="0" smtClean="0"/>
+              <a:t>Can run side-by-side with Web Forms, SignalR, etc.</a:t>
+            </a:r>
+          </a:p>
+          <a:p>
+            <a:endParaRPr lang="en-US" sz="2400" dirty="0" smtClean="0"/>
+          </a:p>
+          <a:p>
+            <a:r>
+              <a:rPr lang="en-US" sz="2400" dirty="0" smtClean="0"/>
+              <a:t>Cookies, Session, Caching, etc. still work the same</a:t>
+            </a:r>
+          </a:p>
+        </p:txBody>
+      </p:sp>
+    </p:spTree>
+  </p:cSld>
+  <p:clrMapOvr>
+    <a:masterClrMapping/>
+  </p:clrMapOvr>
+  <p:transition>
+    <p:fade/>
+  </p:transition>
+  <p:timing>
+    <p:tnLst>
+      <p:par>
+        <p:cTn id="1" dur="indefinite" restart="never" nodeType="tmRoot"/>
+      </p:par>
+    </p:tnLst>
+  </p:timing>
+</p:sld>
+</file>
+
+<file path=ppt/slides/slide31.xml><?xml version="1.0" encoding="utf-8"?>
+<p:sld xmlns:a="http://schemas.openxmlformats.org/drawingml/2006/main" xmlns:r="http://schemas.openxmlformats.org/officeDocument/2006/relationships" xmlns:p="http://schemas.openxmlformats.org/presentationml/2006/main">
+  <p:cSld>
+    <p:spTree>
+      <p:nvGrpSpPr>
+        <p:cNvPr id="1" name=""/>
+        <p:cNvGrpSpPr/>
+        <p:nvPr/>
+      </p:nvGrpSpPr>
+      <p:grpSpPr>
+        <a:xfrm>
+          <a:off x="0" y="0"/>
+          <a:ext cx="0" cy="0"/>
+          <a:chOff x="0" y="0"/>
+          <a:chExt cx="0" cy="0"/>
+        </a:xfrm>
+      </p:grpSpPr>
+      <p:sp>
+        <p:nvSpPr>
           <p:cNvPr id="3" name="Title 2"/>
           <p:cNvSpPr>
             <a:spLocks noGrp="1"/>
@@ -14706,7 +15190,7 @@
 </p:sld>
 </file>
 
-<file path=ppt/slides/slide31.xml><?xml version="1.0" encoding="utf-8"?>
+<file path=ppt/slides/slide32.xml><?xml version="1.0" encoding="utf-8"?>
 <p:sld xmlns:a="http://schemas.openxmlformats.org/drawingml/2006/main" xmlns:r="http://schemas.openxmlformats.org/officeDocument/2006/relationships" xmlns:p="http://schemas.openxmlformats.org/presentationml/2006/main">
   <p:cSld>
     <p:spTree>
@@ -20222,6 +20706,76 @@
                                   </p:childTnLst>
                                 </p:cTn>
                               </p:par>
+                              <p:par>
+                                <p:cTn id="14" presetID="10" presetClass="entr" presetSubtype="0" fill="hold" grpId="0" nodeType="withEffect">
+                                  <p:stCondLst>
+                                    <p:cond delay="0"/>
+                                  </p:stCondLst>
+                                  <p:childTnLst>
+                                    <p:set>
+                                      <p:cBhvr>
+                                        <p:cTn id="15" dur="1" fill="hold">
+                                          <p:stCondLst>
+                                            <p:cond delay="0"/>
+                                          </p:stCondLst>
+                                        </p:cTn>
+                                        <p:tgtEl>
+                                          <p:spTgt spid="22"/>
+                                        </p:tgtEl>
+                                        <p:attrNameLst>
+                                          <p:attrName>style.visibility</p:attrName>
+                                        </p:attrNameLst>
+                                      </p:cBhvr>
+                                      <p:to>
+                                        <p:strVal val="visible"/>
+                                      </p:to>
+                                    </p:set>
+                                    <p:animEffect transition="in" filter="fade">
+                                      <p:cBhvr>
+                                        <p:cTn id="16" dur="500"/>
+                                        <p:tgtEl>
+                                          <p:spTgt spid="22"/>
+                                        </p:tgtEl>
+                                      </p:cBhvr>
+                                    </p:animEffect>
+                                  </p:childTnLst>
+                                </p:cTn>
+                              </p:par>
+                              <p:par>
+                                <p:cTn id="17" presetID="10" presetClass="entr" presetSubtype="0" fill="hold" nodeType="withEffect">
+                                  <p:stCondLst>
+                                    <p:cond delay="0"/>
+                                  </p:stCondLst>
+                                  <p:childTnLst>
+                                    <p:set>
+                                      <p:cBhvr>
+                                        <p:cTn id="18" dur="1" fill="hold">
+                                          <p:stCondLst>
+                                            <p:cond delay="0"/>
+                                          </p:stCondLst>
+                                        </p:cTn>
+                                        <p:tgtEl>
+                                          <p:spTgt spid="24"/>
+                                        </p:tgtEl>
+                                        <p:attrNameLst>
+                                          <p:attrName>style.visibility</p:attrName>
+                                        </p:attrNameLst>
+                                      </p:cBhvr>
+                                      <p:to>
+                                        <p:strVal val="visible"/>
+                                      </p:to>
+                                    </p:set>
+                                    <p:animEffect transition="in" filter="fade">
+                                      <p:cBhvr>
+                                        <p:cTn id="19" dur="500"/>
+                                        <p:tgtEl>
+                                          <p:spTgt spid="24"/>
+                                        </p:tgtEl>
+                                      </p:cBhvr>
+                                    </p:animEffect>
+                                  </p:childTnLst>
+                                </p:cTn>
+                              </p:par>
                             </p:childTnLst>
                           </p:cTn>
                         </p:par>
@@ -20229,89 +20783,19 @@
                     </p:cTn>
                   </p:par>
                   <p:par>
-                    <p:cTn id="14" fill="hold">
+                    <p:cTn id="20" fill="hold">
                       <p:stCondLst>
                         <p:cond delay="indefinite"/>
                       </p:stCondLst>
                       <p:childTnLst>
                         <p:par>
-                          <p:cTn id="15" fill="hold">
+                          <p:cTn id="21" fill="hold">
                             <p:stCondLst>
                               <p:cond delay="0"/>
                             </p:stCondLst>
                             <p:childTnLst>
                               <p:par>
-                                <p:cTn id="16" presetID="10" presetClass="entr" presetSubtype="0" fill="hold" nodeType="clickEffect">
-                                  <p:stCondLst>
-                                    <p:cond delay="0"/>
-                                  </p:stCondLst>
-                                  <p:childTnLst>
-                                    <p:set>
-                                      <p:cBhvr>
-                                        <p:cTn id="17" dur="1" fill="hold">
-                                          <p:stCondLst>
-                                            <p:cond delay="0"/>
-                                          </p:stCondLst>
-                                        </p:cTn>
-                                        <p:tgtEl>
-                                          <p:spTgt spid="29"/>
-                                        </p:tgtEl>
-                                        <p:attrNameLst>
-                                          <p:attrName>style.visibility</p:attrName>
-                                        </p:attrNameLst>
-                                      </p:cBhvr>
-                                      <p:to>
-                                        <p:strVal val="visible"/>
-                                      </p:to>
-                                    </p:set>
-                                    <p:animEffect transition="in" filter="fade">
-                                      <p:cBhvr>
-                                        <p:cTn id="18" dur="500"/>
-                                        <p:tgtEl>
-                                          <p:spTgt spid="29"/>
-                                        </p:tgtEl>
-                                      </p:cBhvr>
-                                    </p:animEffect>
-                                  </p:childTnLst>
-                                </p:cTn>
-                              </p:par>
-                              <p:par>
-                                <p:cTn id="19" presetID="10" presetClass="entr" presetSubtype="0" fill="hold" grpId="0" nodeType="withEffect">
-                                  <p:stCondLst>
-                                    <p:cond delay="0"/>
-                                  </p:stCondLst>
-                                  <p:childTnLst>
-                                    <p:set>
-                                      <p:cBhvr>
-                                        <p:cTn id="20" dur="1" fill="hold">
-                                          <p:stCondLst>
-                                            <p:cond delay="0"/>
-                                          </p:stCondLst>
-                                        </p:cTn>
-                                        <p:tgtEl>
-                                          <p:spTgt spid="40"/>
-                                        </p:tgtEl>
-                                        <p:attrNameLst>
-                                          <p:attrName>style.visibility</p:attrName>
-                                        </p:attrNameLst>
-                                      </p:cBhvr>
-                                      <p:to>
-                                        <p:strVal val="visible"/>
-                                      </p:to>
-                                    </p:set>
-                                    <p:animEffect transition="in" filter="fade">
-                                      <p:cBhvr>
-                                        <p:cTn id="21" dur="500"/>
-                                        <p:tgtEl>
-                                          <p:spTgt spid="40"/>
-                                        </p:tgtEl>
-                                      </p:cBhvr>
-                                    </p:animEffect>
-                                  </p:childTnLst>
-                                </p:cTn>
-                              </p:par>
-                              <p:par>
-                                <p:cTn id="22" presetID="10" presetClass="entr" presetSubtype="0" fill="hold" grpId="0" nodeType="withEffect">
+                                <p:cTn id="22" presetID="10" presetClass="entr" presetSubtype="0" fill="hold" nodeType="clickEffect">
                                   <p:stCondLst>
                                     <p:cond delay="0"/>
                                   </p:stCondLst>
@@ -20324,7 +20808,7 @@
                                           </p:stCondLst>
                                         </p:cTn>
                                         <p:tgtEl>
-                                          <p:spTgt spid="37"/>
+                                          <p:spTgt spid="29"/>
                                         </p:tgtEl>
                                         <p:attrNameLst>
                                           <p:attrName>style.visibility</p:attrName>
@@ -20338,7 +20822,7 @@
                                       <p:cBhvr>
                                         <p:cTn id="24" dur="500"/>
                                         <p:tgtEl>
-                                          <p:spTgt spid="37"/>
+                                          <p:spTgt spid="29"/>
                                         </p:tgtEl>
                                       </p:cBhvr>
                                     </p:animEffect>
@@ -20359,7 +20843,7 @@
                                           </p:stCondLst>
                                         </p:cTn>
                                         <p:tgtEl>
-                                          <p:spTgt spid="22"/>
+                                          <p:spTgt spid="40"/>
                                         </p:tgtEl>
                                         <p:attrNameLst>
                                           <p:attrName>style.visibility</p:attrName>
@@ -20373,7 +20857,7 @@
                                       <p:cBhvr>
                                         <p:cTn id="27" dur="500"/>
                                         <p:tgtEl>
-                                          <p:spTgt spid="22"/>
+                                          <p:spTgt spid="40"/>
                                         </p:tgtEl>
                                       </p:cBhvr>
                                     </p:animEffect>
@@ -20381,7 +20865,7 @@
                                 </p:cTn>
                               </p:par>
                               <p:par>
-                                <p:cTn id="28" presetID="10" presetClass="entr" presetSubtype="0" fill="hold" nodeType="withEffect">
+                                <p:cTn id="28" presetID="10" presetClass="entr" presetSubtype="0" fill="hold" grpId="0" nodeType="withEffect">
                                   <p:stCondLst>
                                     <p:cond delay="0"/>
                                   </p:stCondLst>
@@ -20394,7 +20878,7 @@
                                           </p:stCondLst>
                                         </p:cTn>
                                         <p:tgtEl>
-                                          <p:spTgt spid="24"/>
+                                          <p:spTgt spid="37"/>
                                         </p:tgtEl>
                                         <p:attrNameLst>
                                           <p:attrName>style.visibility</p:attrName>
@@ -20408,7 +20892,77 @@
                                       <p:cBhvr>
                                         <p:cTn id="30" dur="500"/>
                                         <p:tgtEl>
-                                          <p:spTgt spid="24"/>
+                                          <p:spTgt spid="37"/>
+                                        </p:tgtEl>
+                                      </p:cBhvr>
+                                    </p:animEffect>
+                                  </p:childTnLst>
+                                </p:cTn>
+                              </p:par>
+                              <p:par>
+                                <p:cTn id="31" presetID="10" presetClass="entr" presetSubtype="0" fill="hold" nodeType="withEffect">
+                                  <p:stCondLst>
+                                    <p:cond delay="0"/>
+                                  </p:stCondLst>
+                                  <p:childTnLst>
+                                    <p:set>
+                                      <p:cBhvr>
+                                        <p:cTn id="32" dur="1" fill="hold">
+                                          <p:stCondLst>
+                                            <p:cond delay="0"/>
+                                          </p:stCondLst>
+                                        </p:cTn>
+                                        <p:tgtEl>
+                                          <p:spTgt spid="25"/>
+                                        </p:tgtEl>
+                                        <p:attrNameLst>
+                                          <p:attrName>style.visibility</p:attrName>
+                                        </p:attrNameLst>
+                                      </p:cBhvr>
+                                      <p:to>
+                                        <p:strVal val="visible"/>
+                                      </p:to>
+                                    </p:set>
+                                    <p:animEffect transition="in" filter="fade">
+                                      <p:cBhvr>
+                                        <p:cTn id="33" dur="500"/>
+                                        <p:tgtEl>
+                                          <p:spTgt spid="25"/>
+                                        </p:tgtEl>
+                                      </p:cBhvr>
+                                    </p:animEffect>
+                                  </p:childTnLst>
+                                </p:cTn>
+                              </p:par>
+                              <p:par>
+                                <p:cTn id="34" presetID="10" presetClass="entr" presetSubtype="0" fill="hold" grpId="0" nodeType="withEffect">
+                                  <p:stCondLst>
+                                    <p:cond delay="0"/>
+                                  </p:stCondLst>
+                                  <p:childTnLst>
+                                    <p:set>
+                                      <p:cBhvr>
+                                        <p:cTn id="35" dur="1" fill="hold">
+                                          <p:stCondLst>
+                                            <p:cond delay="0"/>
+                                          </p:stCondLst>
+                                        </p:cTn>
+                                        <p:tgtEl>
+                                          <p:spTgt spid="26"/>
+                                        </p:tgtEl>
+                                        <p:attrNameLst>
+                                          <p:attrName>style.visibility</p:attrName>
+                                        </p:attrNameLst>
+                                      </p:cBhvr>
+                                      <p:to>
+                                        <p:strVal val="visible"/>
+                                      </p:to>
+                                    </p:set>
+                                    <p:animEffect transition="in" filter="fade">
+                                      <p:cBhvr>
+                                        <p:cTn id="36" dur="500"/>
+                                        <p:tgtEl>
+                                          <p:spTgt spid="26"/>
                                         </p:tgtEl>
                                       </p:cBhvr>
                                     </p:animEffect>
@@ -20422,32 +20976,32 @@
                     </p:cTn>
                   </p:par>
                   <p:par>
-                    <p:cTn id="31" fill="hold">
+                    <p:cTn id="37" fill="hold">
                       <p:stCondLst>
                         <p:cond delay="indefinite"/>
                       </p:stCondLst>
                       <p:childTnLst>
                         <p:par>
-                          <p:cTn id="32" fill="hold">
+                          <p:cTn id="38" fill="hold">
                             <p:stCondLst>
                               <p:cond delay="0"/>
                             </p:stCondLst>
                             <p:childTnLst>
                               <p:par>
-                                <p:cTn id="33" presetID="10" presetClass="entr" presetSubtype="0" fill="hold" nodeType="clickEffect">
+                                <p:cTn id="39" presetID="10" presetClass="entr" presetSubtype="0" fill="hold" grpId="0" nodeType="clickEffect">
                                   <p:stCondLst>
                                     <p:cond delay="0"/>
                                   </p:stCondLst>
                                   <p:childTnLst>
                                     <p:set>
                                       <p:cBhvr>
-                                        <p:cTn id="34" dur="1" fill="hold">
+                                        <p:cTn id="40" dur="1" fill="hold">
                                           <p:stCondLst>
                                             <p:cond delay="0"/>
                                           </p:stCondLst>
                                         </p:cTn>
                                         <p:tgtEl>
-                                          <p:spTgt spid="25"/>
+                                          <p:spTgt spid="32"/>
                                         </p:tgtEl>
                                         <p:attrNameLst>
                                           <p:attrName>style.visibility</p:attrName>
@@ -20459,9 +21013,9 @@
                                     </p:set>
                                     <p:animEffect transition="in" filter="fade">
                                       <p:cBhvr>
-                                        <p:cTn id="35" dur="500"/>
-                                        <p:tgtEl>
-                                          <p:spTgt spid="25"/>
+                                        <p:cTn id="41" dur="500"/>
+                                        <p:tgtEl>
+                                          <p:spTgt spid="32"/>
                                         </p:tgtEl>
                                       </p:cBhvr>
                                     </p:animEffect>
@@ -20469,20 +21023,20 @@
                                 </p:cTn>
                               </p:par>
                               <p:par>
-                                <p:cTn id="36" presetID="10" presetClass="entr" presetSubtype="0" fill="hold" grpId="0" nodeType="withEffect">
+                                <p:cTn id="42" presetID="10" presetClass="entr" presetSubtype="0" fill="hold" grpId="0" nodeType="withEffect">
                                   <p:stCondLst>
                                     <p:cond delay="0"/>
                                   </p:stCondLst>
                                   <p:childTnLst>
                                     <p:set>
                                       <p:cBhvr>
-                                        <p:cTn id="37" dur="1" fill="hold">
+                                        <p:cTn id="43" dur="1" fill="hold">
                                           <p:stCondLst>
                                             <p:cond delay="0"/>
                                           </p:stCondLst>
                                         </p:cTn>
                                         <p:tgtEl>
-                                          <p:spTgt spid="26"/>
+                                          <p:spTgt spid="31"/>
                                         </p:tgtEl>
                                         <p:attrNameLst>
                                           <p:attrName>style.visibility</p:attrName>
@@ -20494,9 +21048,9 @@
                                     </p:set>
                                     <p:animEffect transition="in" filter="fade">
                                       <p:cBhvr>
-                                        <p:cTn id="38" dur="500"/>
-                                        <p:tgtEl>
-                                          <p:spTgt spid="26"/>
+                                        <p:cTn id="44" dur="500"/>
+                                        <p:tgtEl>
+                                          <p:spTgt spid="31"/>
                                         </p:tgtEl>
                                       </p:cBhvr>
                                     </p:animEffect>
@@ -20510,32 +21064,32 @@
                     </p:cTn>
                   </p:par>
                   <p:par>
-                    <p:cTn id="39" fill="hold">
+                    <p:cTn id="45" fill="hold">
                       <p:stCondLst>
                         <p:cond delay="indefinite"/>
                       </p:stCondLst>
                       <p:childTnLst>
                         <p:par>
-                          <p:cTn id="40" fill="hold">
+                          <p:cTn id="46" fill="hold">
                             <p:stCondLst>
                               <p:cond delay="0"/>
                             </p:stCondLst>
                             <p:childTnLst>
                               <p:par>
-                                <p:cTn id="41" presetID="10" presetClass="entr" presetSubtype="0" fill="hold" grpId="0" nodeType="clickEffect">
+                                <p:cTn id="47" presetID="10" presetClass="entr" presetSubtype="0" fill="hold" grpId="0" nodeType="clickEffect">
                                   <p:stCondLst>
                                     <p:cond delay="0"/>
                                   </p:stCondLst>
                                   <p:childTnLst>
                                     <p:set>
                                       <p:cBhvr>
-                                        <p:cTn id="42" dur="1" fill="hold">
+                                        <p:cTn id="48" dur="1" fill="hold">
                                           <p:stCondLst>
                                             <p:cond delay="0"/>
                                           </p:stCondLst>
                                         </p:cTn>
                                         <p:tgtEl>
-                                          <p:spTgt spid="32"/>
+                                          <p:spTgt spid="33"/>
                                         </p:tgtEl>
                                         <p:attrNameLst>
                                           <p:attrName>style.visibility</p:attrName>
@@ -20547,9 +21101,9 @@
                                     </p:set>
                                     <p:animEffect transition="in" filter="fade">
                                       <p:cBhvr>
-                                        <p:cTn id="43" dur="500"/>
-                                        <p:tgtEl>
-                                          <p:spTgt spid="32"/>
+                                        <p:cTn id="49" dur="500"/>
+                                        <p:tgtEl>
+                                          <p:spTgt spid="33"/>
                                         </p:tgtEl>
                                       </p:cBhvr>
                                     </p:animEffect>
@@ -20557,20 +21111,20 @@
                                 </p:cTn>
                               </p:par>
                               <p:par>
-                                <p:cTn id="44" presetID="10" presetClass="entr" presetSubtype="0" fill="hold" grpId="0" nodeType="withEffect">
+                                <p:cTn id="50" presetID="10" presetClass="entr" presetSubtype="0" fill="hold" grpId="0" nodeType="withEffect">
                                   <p:stCondLst>
                                     <p:cond delay="0"/>
                                   </p:stCondLst>
                                   <p:childTnLst>
                                     <p:set>
                                       <p:cBhvr>
-                                        <p:cTn id="45" dur="1" fill="hold">
+                                        <p:cTn id="51" dur="1" fill="hold">
                                           <p:stCondLst>
                                             <p:cond delay="0"/>
                                           </p:stCondLst>
                                         </p:cTn>
                                         <p:tgtEl>
-                                          <p:spTgt spid="31"/>
+                                          <p:spTgt spid="30"/>
                                         </p:tgtEl>
                                         <p:attrNameLst>
                                           <p:attrName>style.visibility</p:attrName>
@@ -20582,48 +21136,30 @@
                                     </p:set>
                                     <p:animEffect transition="in" filter="fade">
                                       <p:cBhvr>
-                                        <p:cTn id="46" dur="500"/>
-                                        <p:tgtEl>
-                                          <p:spTgt spid="31"/>
+                                        <p:cTn id="52" dur="500"/>
+                                        <p:tgtEl>
+                                          <p:spTgt spid="30"/>
                                         </p:tgtEl>
                                       </p:cBhvr>
                                     </p:animEffect>
                                   </p:childTnLst>
                                 </p:cTn>
                               </p:par>
-                            </p:childTnLst>
-                          </p:cTn>
-                        </p:par>
-                      </p:childTnLst>
-                    </p:cTn>
-                  </p:par>
-                  <p:par>
-                    <p:cTn id="47" fill="hold">
-                      <p:stCondLst>
-                        <p:cond delay="indefinite"/>
-                      </p:stCondLst>
-                      <p:childTnLst>
-                        <p:par>
-                          <p:cTn id="48" fill="hold">
-                            <p:stCondLst>
-                              <p:cond delay="0"/>
-                            </p:stCondLst>
-                            <p:childTnLst>
                               <p:par>
-                                <p:cTn id="49" presetID="10" presetClass="entr" presetSubtype="0" fill="hold" grpId="0" nodeType="clickEffect">
+                                <p:cTn id="53" presetID="10" presetClass="entr" presetSubtype="0" fill="hold" grpId="0" nodeType="withEffect">
                                   <p:stCondLst>
                                     <p:cond delay="0"/>
                                   </p:stCondLst>
                                   <p:childTnLst>
                                     <p:set>
                                       <p:cBhvr>
-                                        <p:cTn id="50" dur="1" fill="hold">
+                                        <p:cTn id="54" dur="1" fill="hold">
                                           <p:stCondLst>
                                             <p:cond delay="0"/>
                                           </p:stCondLst>
                                         </p:cTn>
                                         <p:tgtEl>
-                                          <p:spTgt spid="33"/>
+                                          <p:spTgt spid="28"/>
                                         </p:tgtEl>
                                         <p:attrNameLst>
                                           <p:attrName>style.visibility</p:attrName>
@@ -20635,9 +21171,9 @@
                                     </p:set>
                                     <p:animEffect transition="in" filter="fade">
                                       <p:cBhvr>
-                                        <p:cTn id="51" dur="500"/>
-                                        <p:tgtEl>
-                                          <p:spTgt spid="33"/>
+                                        <p:cTn id="55" dur="500"/>
+                                        <p:tgtEl>
+                                          <p:spTgt spid="28"/>
                                         </p:tgtEl>
                                       </p:cBhvr>
                                     </p:animEffect>
@@ -20645,20 +21181,20 @@
                                 </p:cTn>
                               </p:par>
                               <p:par>
-                                <p:cTn id="52" presetID="10" presetClass="entr" presetSubtype="0" fill="hold" grpId="0" nodeType="withEffect">
+                                <p:cTn id="56" presetID="10" presetClass="entr" presetSubtype="0" fill="hold" grpId="0" nodeType="withEffect">
                                   <p:stCondLst>
                                     <p:cond delay="0"/>
                                   </p:stCondLst>
                                   <p:childTnLst>
                                     <p:set>
                                       <p:cBhvr>
-                                        <p:cTn id="53" dur="1" fill="hold">
+                                        <p:cTn id="57" dur="1" fill="hold">
                                           <p:stCondLst>
                                             <p:cond delay="0"/>
                                           </p:stCondLst>
                                         </p:cTn>
                                         <p:tgtEl>
-                                          <p:spTgt spid="30"/>
+                                          <p:spTgt spid="27"/>
                                         </p:tgtEl>
                                         <p:attrNameLst>
                                           <p:attrName>style.visibility</p:attrName>
@@ -20670,77 +21206,7 @@
                                     </p:set>
                                     <p:animEffect transition="in" filter="fade">
                                       <p:cBhvr>
-                                        <p:cTn id="54" dur="500"/>
-                                        <p:tgtEl>
-                                          <p:spTgt spid="30"/>
-                                        </p:tgtEl>
-                                      </p:cBhvr>
-                                    </p:animEffect>
-                                  </p:childTnLst>
-                                </p:cTn>
-                              </p:par>
-                              <p:par>
-                                <p:cTn id="55" presetID="10" presetClass="entr" presetSubtype="0" fill="hold" grpId="0" nodeType="withEffect">
-                                  <p:stCondLst>
-                                    <p:cond delay="0"/>
-                                  </p:stCondLst>
-                                  <p:childTnLst>
-                                    <p:set>
-                                      <p:cBhvr>
-                                        <p:cTn id="56" dur="1" fill="hold">
-                                          <p:stCondLst>
-                                            <p:cond delay="0"/>
-                                          </p:stCondLst>
-                                        </p:cTn>
-                                        <p:tgtEl>
-                                          <p:spTgt spid="28"/>
-                                        </p:tgtEl>
-                                        <p:attrNameLst>
-                                          <p:attrName>style.visibility</p:attrName>
-                                        </p:attrNameLst>
-                                      </p:cBhvr>
-                                      <p:to>
-                                        <p:strVal val="visible"/>
-                                      </p:to>
-                                    </p:set>
-                                    <p:animEffect transition="in" filter="fade">
-                                      <p:cBhvr>
-                                        <p:cTn id="57" dur="500"/>
-                                        <p:tgtEl>
-                                          <p:spTgt spid="28"/>
-                                        </p:tgtEl>
-                                      </p:cBhvr>
-                                    </p:animEffect>
-                                  </p:childTnLst>
-                                </p:cTn>
-                              </p:par>
-                              <p:par>
-                                <p:cTn id="58" presetID="10" presetClass="entr" presetSubtype="0" fill="hold" grpId="0" nodeType="withEffect">
-                                  <p:stCondLst>
-                                    <p:cond delay="0"/>
-                                  </p:stCondLst>
-                                  <p:childTnLst>
-                                    <p:set>
-                                      <p:cBhvr>
-                                        <p:cTn id="59" dur="1" fill="hold">
-                                          <p:stCondLst>
-                                            <p:cond delay="0"/>
-                                          </p:stCondLst>
-                                        </p:cTn>
-                                        <p:tgtEl>
-                                          <p:spTgt spid="27"/>
-                                        </p:tgtEl>
-                                        <p:attrNameLst>
-                                          <p:attrName>style.visibility</p:attrName>
-                                        </p:attrNameLst>
-                                      </p:cBhvr>
-                                      <p:to>
-                                        <p:strVal val="visible"/>
-                                      </p:to>
-                                    </p:set>
-                                    <p:animEffect transition="in" filter="fade">
-                                      <p:cBhvr>
-                                        <p:cTn id="60" dur="500"/>
+                                        <p:cTn id="58" dur="500"/>
                                         <p:tgtEl>
                                           <p:spTgt spid="27"/>
                                         </p:tgtEl>

--- a/Introduction to ASP.NET MVC - Denver Dev Days/Introduction to ASP.NET MVC.pptx
+++ b/Introduction to ASP.NET MVC - Denver Dev Days/Introduction to ASP.NET MVC.pptx
@@ -5,10 +5,10 @@
     <p:sldMasterId id="2147483972" r:id="rId1"/>
   </p:sldMasterIdLst>
   <p:notesMasterIdLst>
-    <p:notesMasterId r:id="rId34"/>
+    <p:notesMasterId r:id="rId35"/>
   </p:notesMasterIdLst>
   <p:handoutMasterIdLst>
-    <p:handoutMasterId r:id="rId35"/>
+    <p:handoutMasterId r:id="rId36"/>
   </p:handoutMasterIdLst>
   <p:sldIdLst>
     <p:sldId id="256" r:id="rId2"/>
@@ -31,18 +31,19 @@
     <p:sldId id="292" r:id="rId19"/>
     <p:sldId id="296" r:id="rId20"/>
     <p:sldId id="301" r:id="rId21"/>
-    <p:sldId id="262" r:id="rId22"/>
-    <p:sldId id="276" r:id="rId23"/>
-    <p:sldId id="277" r:id="rId24"/>
-    <p:sldId id="285" r:id="rId25"/>
-    <p:sldId id="286" r:id="rId26"/>
-    <p:sldId id="287" r:id="rId27"/>
-    <p:sldId id="288" r:id="rId28"/>
-    <p:sldId id="302" r:id="rId29"/>
-    <p:sldId id="289" r:id="rId30"/>
-    <p:sldId id="264" r:id="rId31"/>
-    <p:sldId id="295" r:id="rId32"/>
-    <p:sldId id="258" r:id="rId33"/>
+    <p:sldId id="302" r:id="rId22"/>
+    <p:sldId id="303" r:id="rId23"/>
+    <p:sldId id="262" r:id="rId24"/>
+    <p:sldId id="276" r:id="rId25"/>
+    <p:sldId id="277" r:id="rId26"/>
+    <p:sldId id="285" r:id="rId27"/>
+    <p:sldId id="286" r:id="rId28"/>
+    <p:sldId id="287" r:id="rId29"/>
+    <p:sldId id="288" r:id="rId30"/>
+    <p:sldId id="289" r:id="rId31"/>
+    <p:sldId id="264" r:id="rId32"/>
+    <p:sldId id="295" r:id="rId33"/>
+    <p:sldId id="258" r:id="rId34"/>
   </p:sldIdLst>
   <p:sldSz cx="9144000" cy="6858000" type="screen4x3"/>
   <p:notesSz cx="6858000" cy="9144000"/>
@@ -1133,7 +1134,7 @@
             <a:fld id="{A53BD44F-18A8-46C3-8E60-05A8A5D6CFFD}" type="slidenum">
               <a:rPr lang="en-US" smtClean="0"/>
               <a:pPr/>
-              <a:t>24</a:t>
+              <a:t>21</a:t>
             </a:fld>
             <a:endParaRPr lang="en-US" dirty="0"/>
           </a:p>
@@ -1142,7 +1143,7 @@
     </p:spTree>
     <p:extLst>
       <p:ext uri="{BB962C8B-B14F-4D97-AF65-F5344CB8AC3E}">
-        <p14:creationId xmlns:p14="http://schemas.microsoft.com/office/powerpoint/2010/main" val="278376522"/>
+        <p14:creationId xmlns:p14="http://schemas.microsoft.com/office/powerpoint/2010/main" val="2345806148"/>
       </p:ext>
     </p:extLst>
   </p:cSld>
@@ -1220,7 +1221,7 @@
             <a:fld id="{A53BD44F-18A8-46C3-8E60-05A8A5D6CFFD}" type="slidenum">
               <a:rPr lang="en-US" smtClean="0"/>
               <a:pPr/>
-              <a:t>25</a:t>
+              <a:t>26</a:t>
             </a:fld>
             <a:endParaRPr lang="en-US" dirty="0"/>
           </a:p>
@@ -1229,7 +1230,7 @@
     </p:spTree>
     <p:extLst>
       <p:ext uri="{BB962C8B-B14F-4D97-AF65-F5344CB8AC3E}">
-        <p14:creationId xmlns:p14="http://schemas.microsoft.com/office/powerpoint/2010/main" val="441779259"/>
+        <p14:creationId xmlns:p14="http://schemas.microsoft.com/office/powerpoint/2010/main" val="278376522"/>
       </p:ext>
     </p:extLst>
   </p:cSld>
@@ -1307,7 +1308,7 @@
             <a:fld id="{A53BD44F-18A8-46C3-8E60-05A8A5D6CFFD}" type="slidenum">
               <a:rPr lang="en-US" smtClean="0"/>
               <a:pPr/>
-              <a:t>26</a:t>
+              <a:t>27</a:t>
             </a:fld>
             <a:endParaRPr lang="en-US" dirty="0"/>
           </a:p>
@@ -1316,7 +1317,7 @@
     </p:spTree>
     <p:extLst>
       <p:ext uri="{BB962C8B-B14F-4D97-AF65-F5344CB8AC3E}">
-        <p14:creationId xmlns:p14="http://schemas.microsoft.com/office/powerpoint/2010/main" val="4106085742"/>
+        <p14:creationId xmlns:p14="http://schemas.microsoft.com/office/powerpoint/2010/main" val="441779259"/>
       </p:ext>
     </p:extLst>
   </p:cSld>
@@ -1394,7 +1395,7 @@
             <a:fld id="{A53BD44F-18A8-46C3-8E60-05A8A5D6CFFD}" type="slidenum">
               <a:rPr lang="en-US" smtClean="0"/>
               <a:pPr/>
-              <a:t>27</a:t>
+              <a:t>28</a:t>
             </a:fld>
             <a:endParaRPr lang="en-US" dirty="0"/>
           </a:p>
@@ -1403,7 +1404,7 @@
     </p:spTree>
     <p:extLst>
       <p:ext uri="{BB962C8B-B14F-4D97-AF65-F5344CB8AC3E}">
-        <p14:creationId xmlns:p14="http://schemas.microsoft.com/office/powerpoint/2010/main" val="769309100"/>
+        <p14:creationId xmlns:p14="http://schemas.microsoft.com/office/powerpoint/2010/main" val="4106085742"/>
       </p:ext>
     </p:extLst>
   </p:cSld>
@@ -1481,7 +1482,7 @@
             <a:fld id="{A53BD44F-18A8-46C3-8E60-05A8A5D6CFFD}" type="slidenum">
               <a:rPr lang="en-US" smtClean="0"/>
               <a:pPr/>
-              <a:t>28</a:t>
+              <a:t>29</a:t>
             </a:fld>
             <a:endParaRPr lang="en-US" dirty="0"/>
           </a:p>
@@ -1490,7 +1491,7 @@
     </p:spTree>
     <p:extLst>
       <p:ext uri="{BB962C8B-B14F-4D97-AF65-F5344CB8AC3E}">
-        <p14:creationId xmlns:p14="http://schemas.microsoft.com/office/powerpoint/2010/main" val="2345806148"/>
+        <p14:creationId xmlns:p14="http://schemas.microsoft.com/office/powerpoint/2010/main" val="769309100"/>
       </p:ext>
     </p:extLst>
   </p:cSld>
@@ -1568,7 +1569,7 @@
             <a:fld id="{A53BD44F-18A8-46C3-8E60-05A8A5D6CFFD}" type="slidenum">
               <a:rPr lang="en-US" smtClean="0"/>
               <a:pPr/>
-              <a:t>29</a:t>
+              <a:t>30</a:t>
             </a:fld>
             <a:endParaRPr lang="en-US" dirty="0"/>
           </a:p>
@@ -6182,6 +6183,9 @@
                     <p:cTn id="3" fill="hold">
                       <p:stCondLst>
                         <p:cond delay="indefinite"/>
+                        <p:cond evt="onBegin" delay="0">
+                          <p:tn val="2"/>
+                        </p:cond>
                       </p:stCondLst>
                       <p:childTnLst>
                         <p:par>
@@ -6191,7 +6195,7 @@
                             </p:stCondLst>
                             <p:childTnLst>
                               <p:par>
-                                <p:cTn id="5" presetID="4" presetClass="entr" presetSubtype="16" fill="hold" grpId="1" nodeType="clickEffect">
+                                <p:cTn id="5" presetID="4" presetClass="entr" presetSubtype="16" fill="hold" grpId="1" nodeType="afterEffect">
                                   <p:stCondLst>
                                     <p:cond delay="0"/>
                                   </p:stCondLst>
@@ -6928,6 +6932,9 @@
                     <p:cTn id="3" fill="hold">
                       <p:stCondLst>
                         <p:cond delay="indefinite"/>
+                        <p:cond evt="onBegin" delay="0">
+                          <p:tn val="2"/>
+                        </p:cond>
                       </p:stCondLst>
                       <p:childTnLst>
                         <p:par>
@@ -6937,7 +6944,7 @@
                             </p:stCondLst>
                             <p:childTnLst>
                               <p:par>
-                                <p:cTn id="5" presetID="4" presetClass="entr" presetSubtype="16" fill="hold" grpId="1" nodeType="clickEffect">
+                                <p:cTn id="5" presetID="4" presetClass="entr" presetSubtype="16" fill="hold" grpId="1" nodeType="withEffect">
                                   <p:stCondLst>
                                     <p:cond delay="0"/>
                                   </p:stCondLst>
@@ -7636,25 +7643,46 @@
             </a:r>
             <a:r>
               <a:rPr lang="en-US" dirty="0" smtClean="0"/>
-              <a:t>, which is a dynamic type</a:t>
-            </a:r>
-          </a:p>
-          <a:p>
+              <a:t>, which is a dynamic </a:t>
+            </a:r>
+            <a:r>
+              <a:rPr lang="en-US" dirty="0" smtClean="0"/>
+              <a:t>type</a:t>
+            </a:r>
+          </a:p>
+          <a:p>
+            <a:endParaRPr lang="en-US" dirty="0"/>
+          </a:p>
+          <a:p>
+            <a:r>
+              <a:rPr lang="en-US" dirty="0" smtClean="0"/>
+              <a:t>Can be </a:t>
+            </a:r>
+            <a:r>
+              <a:rPr lang="en-US" dirty="0" err="1" smtClean="0"/>
+              <a:t>TempData</a:t>
+            </a:r>
+            <a:r>
+              <a:rPr lang="en-US" dirty="0" smtClean="0"/>
+              <a:t>[“something”] for single-use values</a:t>
+            </a:r>
             <a:endParaRPr lang="en-US" dirty="0" smtClean="0"/>
           </a:p>
           <a:p>
+            <a:endParaRPr lang="en-US" dirty="0" smtClean="0"/>
+          </a:p>
+          <a:p>
             <a:r>
               <a:rPr lang="en-US" dirty="0" smtClean="0"/>
-              <a:t>Data to display in the View</a:t>
-            </a:r>
-          </a:p>
-          <a:p>
-            <a:endParaRPr lang="en-US" dirty="0" smtClean="0"/>
-          </a:p>
-          <a:p>
+              <a:t>Data to display in the </a:t>
+            </a:r>
             <a:r>
               <a:rPr lang="en-US" dirty="0" smtClean="0"/>
-              <a:t>Data posted from the View back to the Controller</a:t>
+              <a:t>View and data </a:t>
+            </a:r>
+            <a:r>
+              <a:rPr lang="en-US" dirty="0" smtClean="0"/>
+              <a:t>posted from the View back to the Controller</a:t>
             </a:r>
           </a:p>
           <a:p>
@@ -8017,6 +8045,9 @@
                     <p:cTn id="3" fill="hold">
                       <p:stCondLst>
                         <p:cond delay="indefinite"/>
+                        <p:cond evt="onBegin" delay="0">
+                          <p:tn val="2"/>
+                        </p:cond>
                       </p:stCondLst>
                       <p:childTnLst>
                         <p:par>
@@ -8026,7 +8057,7 @@
                             </p:stCondLst>
                             <p:childTnLst>
                               <p:par>
-                                <p:cTn id="5" presetID="4" presetClass="entr" presetSubtype="16" fill="hold" grpId="0" nodeType="clickEffect">
+                                <p:cTn id="5" presetID="4" presetClass="entr" presetSubtype="16" fill="hold" grpId="0" nodeType="withEffect">
                                   <p:stCondLst>
                                     <p:cond delay="0"/>
                                   </p:stCondLst>
@@ -8098,30 +8129,21 @@
                             </p:childTnLst>
                           </p:cTn>
                         </p:par>
-                      </p:childTnLst>
-                    </p:cTn>
-                  </p:par>
-                  <p:par>
-                    <p:cTn id="11" fill="hold">
-                      <p:stCondLst>
-                        <p:cond delay="indefinite"/>
-                      </p:stCondLst>
-                      <p:childTnLst>
                         <p:par>
-                          <p:cTn id="12" fill="hold">
+                          <p:cTn id="11" fill="hold">
                             <p:stCondLst>
-                              <p:cond delay="0"/>
+                              <p:cond delay="500"/>
                             </p:stCondLst>
                             <p:childTnLst>
                               <p:par>
-                                <p:cTn id="13" presetID="4" presetClass="entr" presetSubtype="16" fill="hold" grpId="0" nodeType="clickEffect">
+                                <p:cTn id="12" presetID="4" presetClass="entr" presetSubtype="16" fill="hold" grpId="0" nodeType="afterEffect">
                                   <p:stCondLst>
                                     <p:cond delay="0"/>
                                   </p:stCondLst>
                                   <p:childTnLst>
                                     <p:set>
                                       <p:cBhvr>
-                                        <p:cTn id="14" dur="1" fill="hold">
+                                        <p:cTn id="13" dur="1" fill="hold">
                                           <p:stCondLst>
                                             <p:cond delay="0"/>
                                           </p:stCondLst>
@@ -8139,7 +8161,7 @@
                                     </p:set>
                                     <p:animEffect transition="in" filter="box(in)">
                                       <p:cBhvr>
-                                        <p:cTn id="15" dur="500"/>
+                                        <p:cTn id="14" dur="500"/>
                                         <p:tgtEl>
                                           <p:spTgt spid="15"/>
                                         </p:tgtEl>
@@ -8149,14 +8171,14 @@
                                 </p:cTn>
                               </p:par>
                               <p:par>
-                                <p:cTn id="16" presetID="4" presetClass="entr" presetSubtype="16" fill="hold" grpId="0" nodeType="withEffect">
+                                <p:cTn id="15" presetID="4" presetClass="entr" presetSubtype="16" fill="hold" grpId="0" nodeType="withEffect">
                                   <p:stCondLst>
                                     <p:cond delay="0"/>
                                   </p:stCondLst>
                                   <p:childTnLst>
                                     <p:set>
                                       <p:cBhvr>
-                                        <p:cTn id="17" dur="1" fill="hold">
+                                        <p:cTn id="16" dur="1" fill="hold">
                                           <p:stCondLst>
                                             <p:cond delay="0"/>
                                           </p:stCondLst>
@@ -8174,7 +8196,7 @@
                                     </p:set>
                                     <p:animEffect transition="in" filter="box(in)">
                                       <p:cBhvr>
-                                        <p:cTn id="18" dur="500"/>
+                                        <p:cTn id="17" dur="500"/>
                                         <p:tgtEl>
                                           <p:spTgt spid="17"/>
                                         </p:tgtEl>
@@ -8979,6 +9001,468 @@
         </p:nvSpPr>
         <p:spPr/>
         <p:txBody>
+          <a:bodyPr/>
+          <a:lstStyle/>
+          <a:p>
+            <a:r>
+              <a:rPr lang="en-US" sz="3200" dirty="0"/>
+              <a:t>Basics of MVC – </a:t>
+            </a:r>
+            <a:r>
+              <a:rPr lang="en-US" sz="3200" dirty="0" smtClean="0"/>
+              <a:t>Security</a:t>
+            </a:r>
+            <a:endParaRPr lang="en-US" dirty="0"/>
+          </a:p>
+        </p:txBody>
+      </p:sp>
+      <p:sp>
+        <p:nvSpPr>
+          <p:cNvPr id="3" name="Subtitle 2"/>
+          <p:cNvSpPr>
+            <a:spLocks noGrp="1"/>
+          </p:cNvSpPr>
+          <p:nvPr>
+            <p:ph idx="1"/>
+          </p:nvPr>
+        </p:nvSpPr>
+        <p:spPr/>
+        <p:txBody>
+          <a:bodyPr>
+            <a:normAutofit/>
+          </a:bodyPr>
+          <a:lstStyle/>
+          <a:p>
+            <a:pPr marL="0" indent="0">
+              <a:buNone/>
+            </a:pPr>
+            <a:r>
+              <a:rPr lang="en-US" sz="2400" dirty="0" smtClean="0">
+                <a:solidFill>
+                  <a:srgbClr val="0070C0"/>
+                </a:solidFill>
+              </a:rPr>
+              <a:t>Security</a:t>
+            </a:r>
+          </a:p>
+          <a:p>
+            <a:endParaRPr lang="en-US" dirty="0" smtClean="0"/>
+          </a:p>
+          <a:p>
+            <a:r>
+              <a:rPr lang="en-US" dirty="0" smtClean="0"/>
+              <a:t>Attributes on controller and/or action</a:t>
+            </a:r>
+          </a:p>
+          <a:p>
+            <a:endParaRPr lang="en-US" dirty="0"/>
+          </a:p>
+          <a:p>
+            <a:r>
+              <a:rPr lang="en-US" dirty="0" smtClean="0"/>
+              <a:t>Allow Anonymous is the default</a:t>
+            </a:r>
+          </a:p>
+          <a:p>
+            <a:pPr marL="0" indent="0">
+              <a:buNone/>
+            </a:pPr>
+            <a:endParaRPr lang="en-US" dirty="0" smtClean="0"/>
+          </a:p>
+          <a:p>
+            <a:pPr marL="0" indent="0">
+              <a:buNone/>
+            </a:pPr>
+            <a:endParaRPr lang="en-US" dirty="0" smtClean="0"/>
+          </a:p>
+        </p:txBody>
+      </p:sp>
+      <p:pic>
+        <p:nvPicPr>
+          <p:cNvPr id="4" name="Picture 3"/>
+          <p:cNvPicPr>
+            <a:picLocks noChangeAspect="1"/>
+          </p:cNvPicPr>
+          <p:nvPr/>
+        </p:nvPicPr>
+        <p:blipFill>
+          <a:blip r:embed="rId3"/>
+          <a:stretch>
+            <a:fillRect/>
+          </a:stretch>
+        </p:blipFill>
+        <p:spPr>
+          <a:xfrm>
+            <a:off x="628650" y="4001294"/>
+            <a:ext cx="5819048" cy="876190"/>
+          </a:xfrm>
+          <a:prstGeom prst="rect">
+            <a:avLst/>
+          </a:prstGeom>
+        </p:spPr>
+      </p:pic>
+      <p:pic>
+        <p:nvPicPr>
+          <p:cNvPr id="5" name="Picture 4"/>
+          <p:cNvPicPr>
+            <a:picLocks noChangeAspect="1"/>
+          </p:cNvPicPr>
+          <p:nvPr/>
+        </p:nvPicPr>
+        <p:blipFill>
+          <a:blip r:embed="rId4"/>
+          <a:stretch>
+            <a:fillRect/>
+          </a:stretch>
+        </p:blipFill>
+        <p:spPr>
+          <a:xfrm>
+            <a:off x="628650" y="5181600"/>
+            <a:ext cx="6409524" cy="885714"/>
+          </a:xfrm>
+          <a:prstGeom prst="rect">
+            <a:avLst/>
+          </a:prstGeom>
+        </p:spPr>
+      </p:pic>
+      <p:sp>
+        <p:nvSpPr>
+          <p:cNvPr id="6" name="Right Arrow 5"/>
+          <p:cNvSpPr/>
+          <p:nvPr/>
+        </p:nvSpPr>
+        <p:spPr>
+          <a:xfrm rot="10800000">
+            <a:off x="3360420" y="3970814"/>
+            <a:ext cx="406483" cy="381000"/>
+          </a:xfrm>
+          <a:prstGeom prst="rightArrow">
+            <a:avLst/>
+          </a:prstGeom>
+        </p:spPr>
+        <p:style>
+          <a:lnRef idx="2">
+            <a:schemeClr val="accent1">
+              <a:shade val="50000"/>
+            </a:schemeClr>
+          </a:lnRef>
+          <a:fillRef idx="1">
+            <a:schemeClr val="accent1"/>
+          </a:fillRef>
+          <a:effectRef idx="0">
+            <a:schemeClr val="accent1"/>
+          </a:effectRef>
+          <a:fontRef idx="minor">
+            <a:schemeClr val="lt1"/>
+          </a:fontRef>
+        </p:style>
+        <p:txBody>
+          <a:bodyPr rtlCol="0" anchor="ctr"/>
+          <a:lstStyle/>
+          <a:p>
+            <a:pPr algn="ctr"/>
+            <a:endParaRPr lang="en-US">
+              <a:solidFill>
+                <a:schemeClr val="tx1"/>
+              </a:solidFill>
+            </a:endParaRPr>
+          </a:p>
+        </p:txBody>
+      </p:sp>
+      <p:sp>
+        <p:nvSpPr>
+          <p:cNvPr id="7" name="Right Arrow 6"/>
+          <p:cNvSpPr/>
+          <p:nvPr/>
+        </p:nvSpPr>
+        <p:spPr>
+          <a:xfrm rot="10800000">
+            <a:off x="6654551" y="5143500"/>
+            <a:ext cx="406483" cy="381000"/>
+          </a:xfrm>
+          <a:prstGeom prst="rightArrow">
+            <a:avLst/>
+          </a:prstGeom>
+        </p:spPr>
+        <p:style>
+          <a:lnRef idx="2">
+            <a:schemeClr val="accent1">
+              <a:shade val="50000"/>
+            </a:schemeClr>
+          </a:lnRef>
+          <a:fillRef idx="1">
+            <a:schemeClr val="accent1"/>
+          </a:fillRef>
+          <a:effectRef idx="0">
+            <a:schemeClr val="accent1"/>
+          </a:effectRef>
+          <a:fontRef idx="minor">
+            <a:schemeClr val="lt1"/>
+          </a:fontRef>
+        </p:style>
+        <p:txBody>
+          <a:bodyPr rtlCol="0" anchor="ctr"/>
+          <a:lstStyle/>
+          <a:p>
+            <a:pPr algn="ctr"/>
+            <a:endParaRPr lang="en-US">
+              <a:solidFill>
+                <a:schemeClr val="tx1"/>
+              </a:solidFill>
+            </a:endParaRPr>
+          </a:p>
+        </p:txBody>
+      </p:sp>
+    </p:spTree>
+    <p:extLst>
+      <p:ext uri="{BB962C8B-B14F-4D97-AF65-F5344CB8AC3E}">
+        <p14:creationId xmlns:p14="http://schemas.microsoft.com/office/powerpoint/2010/main" val="4014255629"/>
+      </p:ext>
+    </p:extLst>
+  </p:cSld>
+  <p:clrMapOvr>
+    <a:masterClrMapping/>
+  </p:clrMapOvr>
+  <p:transition>
+    <p:fade/>
+  </p:transition>
+  <p:timing>
+    <p:tnLst>
+      <p:par>
+        <p:cTn id="1" dur="indefinite" restart="never" nodeType="tmRoot">
+          <p:childTnLst>
+            <p:seq concurrent="1" nextAc="seek">
+              <p:cTn id="2" dur="indefinite" nodeType="mainSeq">
+                <p:childTnLst>
+                  <p:par>
+                    <p:cTn id="3" fill="hold">
+                      <p:stCondLst>
+                        <p:cond delay="indefinite"/>
+                        <p:cond evt="onBegin" delay="0">
+                          <p:tn val="2"/>
+                        </p:cond>
+                      </p:stCondLst>
+                      <p:childTnLst>
+                        <p:par>
+                          <p:cTn id="4" fill="hold">
+                            <p:stCondLst>
+                              <p:cond delay="0"/>
+                            </p:stCondLst>
+                            <p:childTnLst>
+                              <p:par>
+                                <p:cTn id="5" presetID="4" presetClass="entr" presetSubtype="16" fill="hold" grpId="0" nodeType="withEffect">
+                                  <p:stCondLst>
+                                    <p:cond delay="0"/>
+                                  </p:stCondLst>
+                                  <p:childTnLst>
+                                    <p:set>
+                                      <p:cBhvr>
+                                        <p:cTn id="6" dur="1" fill="hold">
+                                          <p:stCondLst>
+                                            <p:cond delay="0"/>
+                                          </p:stCondLst>
+                                        </p:cTn>
+                                        <p:tgtEl>
+                                          <p:spTgt spid="6"/>
+                                        </p:tgtEl>
+                                        <p:attrNameLst>
+                                          <p:attrName>style.visibility</p:attrName>
+                                        </p:attrNameLst>
+                                      </p:cBhvr>
+                                      <p:to>
+                                        <p:strVal val="visible"/>
+                                      </p:to>
+                                    </p:set>
+                                    <p:animEffect transition="in" filter="box(in)">
+                                      <p:cBhvr>
+                                        <p:cTn id="7" dur="500"/>
+                                        <p:tgtEl>
+                                          <p:spTgt spid="6"/>
+                                        </p:tgtEl>
+                                      </p:cBhvr>
+                                    </p:animEffect>
+                                  </p:childTnLst>
+                                </p:cTn>
+                              </p:par>
+                              <p:par>
+                                <p:cTn id="8" presetID="4" presetClass="entr" presetSubtype="16" fill="hold" grpId="0" nodeType="withEffect">
+                                  <p:stCondLst>
+                                    <p:cond delay="0"/>
+                                  </p:stCondLst>
+                                  <p:childTnLst>
+                                    <p:set>
+                                      <p:cBhvr>
+                                        <p:cTn id="9" dur="1" fill="hold">
+                                          <p:stCondLst>
+                                            <p:cond delay="0"/>
+                                          </p:stCondLst>
+                                        </p:cTn>
+                                        <p:tgtEl>
+                                          <p:spTgt spid="7"/>
+                                        </p:tgtEl>
+                                        <p:attrNameLst>
+                                          <p:attrName>style.visibility</p:attrName>
+                                        </p:attrNameLst>
+                                      </p:cBhvr>
+                                      <p:to>
+                                        <p:strVal val="visible"/>
+                                      </p:to>
+                                    </p:set>
+                                    <p:animEffect transition="in" filter="box(in)">
+                                      <p:cBhvr>
+                                        <p:cTn id="10" dur="500"/>
+                                        <p:tgtEl>
+                                          <p:spTgt spid="7"/>
+                                        </p:tgtEl>
+                                      </p:cBhvr>
+                                    </p:animEffect>
+                                  </p:childTnLst>
+                                </p:cTn>
+                              </p:par>
+                            </p:childTnLst>
+                          </p:cTn>
+                        </p:par>
+                      </p:childTnLst>
+                    </p:cTn>
+                  </p:par>
+                </p:childTnLst>
+              </p:cTn>
+              <p:prevCondLst>
+                <p:cond evt="onPrev" delay="0">
+                  <p:tgtEl>
+                    <p:sldTgt/>
+                  </p:tgtEl>
+                </p:cond>
+              </p:prevCondLst>
+              <p:nextCondLst>
+                <p:cond evt="onNext" delay="0">
+                  <p:tgtEl>
+                    <p:sldTgt/>
+                  </p:tgtEl>
+                </p:cond>
+              </p:nextCondLst>
+            </p:seq>
+          </p:childTnLst>
+        </p:cTn>
+      </p:par>
+    </p:tnLst>
+    <p:bldLst>
+      <p:bldP spid="6" grpId="0" animBg="1"/>
+      <p:bldP spid="7" grpId="0" animBg="1"/>
+    </p:bldLst>
+  </p:timing>
+</p:sld>
+</file>
+
+<file path=ppt/slides/slide22.xml><?xml version="1.0" encoding="utf-8"?>
+<p:sld xmlns:a="http://schemas.openxmlformats.org/drawingml/2006/main" xmlns:r="http://schemas.openxmlformats.org/officeDocument/2006/relationships" xmlns:p="http://schemas.openxmlformats.org/presentationml/2006/main">
+  <p:cSld>
+    <p:spTree>
+      <p:nvGrpSpPr>
+        <p:cNvPr id="1" name=""/>
+        <p:cNvGrpSpPr/>
+        <p:nvPr/>
+      </p:nvGrpSpPr>
+      <p:grpSpPr>
+        <a:xfrm>
+          <a:off x="0" y="0"/>
+          <a:ext cx="0" cy="0"/>
+          <a:chOff x="0" y="0"/>
+          <a:chExt cx="0" cy="0"/>
+        </a:xfrm>
+      </p:grpSpPr>
+      <p:sp>
+        <p:nvSpPr>
+          <p:cNvPr id="2" name="Title 1"/>
+          <p:cNvSpPr>
+            <a:spLocks noGrp="1"/>
+          </p:cNvSpPr>
+          <p:nvPr>
+            <p:ph type="title"/>
+          </p:nvPr>
+        </p:nvSpPr>
+        <p:spPr>
+          <a:xfrm>
+            <a:off x="685800" y="2743200"/>
+            <a:ext cx="7886700" cy="1325563"/>
+          </a:xfrm>
+          <a:ln>
+            <a:noFill/>
+          </a:ln>
+        </p:spPr>
+        <p:txBody>
+          <a:bodyPr>
+            <a:normAutofit/>
+          </a:bodyPr>
+          <a:lstStyle/>
+          <a:p>
+            <a:pPr algn="ctr"/>
+            <a:r>
+              <a:rPr lang="en-US" sz="4000" dirty="0" smtClean="0"/>
+              <a:t>Demo – </a:t>
+            </a:r>
+            <a:r>
+              <a:rPr lang="en-US" sz="4000" dirty="0" smtClean="0"/>
+              <a:t>Security</a:t>
+            </a:r>
+            <a:endParaRPr lang="en-US" sz="4000" dirty="0">
+              <a:latin typeface="Trebuchet MS" pitchFamily="34" charset="0"/>
+            </a:endParaRPr>
+          </a:p>
+        </p:txBody>
+      </p:sp>
+    </p:spTree>
+    <p:extLst>
+      <p:ext uri="{BB962C8B-B14F-4D97-AF65-F5344CB8AC3E}">
+        <p14:creationId xmlns:p14="http://schemas.microsoft.com/office/powerpoint/2010/main" val="2110179551"/>
+      </p:ext>
+    </p:extLst>
+  </p:cSld>
+  <p:clrMapOvr>
+    <a:masterClrMapping/>
+  </p:clrMapOvr>
+  <p:transition>
+    <p:fade/>
+  </p:transition>
+  <p:timing>
+    <p:tnLst>
+      <p:par>
+        <p:cTn id="1" dur="indefinite" restart="never" nodeType="tmRoot"/>
+      </p:par>
+    </p:tnLst>
+  </p:timing>
+</p:sld>
+</file>
+
+<file path=ppt/slides/slide23.xml><?xml version="1.0" encoding="utf-8"?>
+<p:sld xmlns:a="http://schemas.openxmlformats.org/drawingml/2006/main" xmlns:r="http://schemas.openxmlformats.org/officeDocument/2006/relationships" xmlns:p="http://schemas.openxmlformats.org/presentationml/2006/main">
+  <p:cSld>
+    <p:spTree>
+      <p:nvGrpSpPr>
+        <p:cNvPr id="1" name=""/>
+        <p:cNvGrpSpPr/>
+        <p:nvPr/>
+      </p:nvGrpSpPr>
+      <p:grpSpPr>
+        <a:xfrm>
+          <a:off x="0" y="0"/>
+          <a:ext cx="0" cy="0"/>
+          <a:chOff x="0" y="0"/>
+          <a:chExt cx="0" cy="0"/>
+        </a:xfrm>
+      </p:grpSpPr>
+      <p:sp>
+        <p:nvSpPr>
+          <p:cNvPr id="2" name="Title 1"/>
+          <p:cNvSpPr>
+            <a:spLocks noGrp="1"/>
+          </p:cNvSpPr>
+          <p:nvPr>
+            <p:ph type="title"/>
+          </p:nvPr>
+        </p:nvSpPr>
+        <p:spPr/>
+        <p:txBody>
           <a:bodyPr>
             <a:normAutofit/>
           </a:bodyPr>
@@ -9067,7 +9551,7 @@
 </p:sld>
 </file>
 
-<file path=ppt/slides/slide22.xml><?xml version="1.0" encoding="utf-8"?>
+<file path=ppt/slides/slide24.xml><?xml version="1.0" encoding="utf-8"?>
 <p:sld xmlns:a="http://schemas.openxmlformats.org/drawingml/2006/main" xmlns:r="http://schemas.openxmlformats.org/officeDocument/2006/relationships" xmlns:p="http://schemas.openxmlformats.org/presentationml/2006/main">
   <p:cSld>
     <p:spTree>
@@ -10859,7 +11343,7 @@
 </p:sld>
 </file>
 
-<file path=ppt/slides/slide23.xml><?xml version="1.0" encoding="utf-8"?>
+<file path=ppt/slides/slide25.xml><?xml version="1.0" encoding="utf-8"?>
 <p:sld xmlns:a="http://schemas.openxmlformats.org/drawingml/2006/main" xmlns:r="http://schemas.openxmlformats.org/officeDocument/2006/relationships" xmlns:p="http://schemas.openxmlformats.org/presentationml/2006/main">
   <p:cSld>
     <p:spTree>
@@ -10987,7 +11471,7 @@
 </p:sld>
 </file>
 
-<file path=ppt/slides/slide24.xml><?xml version="1.0" encoding="utf-8"?>
+<file path=ppt/slides/slide26.xml><?xml version="1.0" encoding="utf-8"?>
 <p:sld xmlns:a="http://schemas.openxmlformats.org/drawingml/2006/main" xmlns:r="http://schemas.openxmlformats.org/officeDocument/2006/relationships" xmlns:p="http://schemas.openxmlformats.org/presentationml/2006/main">
   <p:cSld>
     <p:spTree>
@@ -11129,7 +11613,7 @@
 </p:sld>
 </file>
 
-<file path=ppt/slides/slide25.xml><?xml version="1.0" encoding="utf-8"?>
+<file path=ppt/slides/slide27.xml><?xml version="1.0" encoding="utf-8"?>
 <p:sld xmlns:a="http://schemas.openxmlformats.org/drawingml/2006/main" xmlns:r="http://schemas.openxmlformats.org/officeDocument/2006/relationships" xmlns:p="http://schemas.openxmlformats.org/presentationml/2006/main">
   <p:cSld>
     <p:spTree>
@@ -12554,7 +13038,7 @@
 </p:sld>
 </file>
 
-<file path=ppt/slides/slide26.xml><?xml version="1.0" encoding="utf-8"?>
+<file path=ppt/slides/slide28.xml><?xml version="1.0" encoding="utf-8"?>
 <p:sld xmlns:a="http://schemas.openxmlformats.org/drawingml/2006/main" xmlns:r="http://schemas.openxmlformats.org/officeDocument/2006/relationships" xmlns:p="http://schemas.openxmlformats.org/presentationml/2006/main" show="0">
   <p:cSld>
     <p:spTree>
@@ -12675,7 +13159,7 @@
 </p:sld>
 </file>
 
-<file path=ppt/slides/slide27.xml><?xml version="1.0" encoding="utf-8"?>
+<file path=ppt/slides/slide29.xml><?xml version="1.0" encoding="utf-8"?>
 <p:sld xmlns:a="http://schemas.openxmlformats.org/drawingml/2006/main" xmlns:r="http://schemas.openxmlformats.org/officeDocument/2006/relationships" xmlns:p="http://schemas.openxmlformats.org/presentationml/2006/main" show="0">
   <p:cSld>
     <p:spTree>
@@ -13691,529 +14175,6 @@
 </p:sld>
 </file>
 
-<file path=ppt/slides/slide28.xml><?xml version="1.0" encoding="utf-8"?>
-<p:sld xmlns:a="http://schemas.openxmlformats.org/drawingml/2006/main" xmlns:r="http://schemas.openxmlformats.org/officeDocument/2006/relationships" xmlns:p="http://schemas.openxmlformats.org/presentationml/2006/main">
-  <p:cSld>
-    <p:spTree>
-      <p:nvGrpSpPr>
-        <p:cNvPr id="1" name=""/>
-        <p:cNvGrpSpPr/>
-        <p:nvPr/>
-      </p:nvGrpSpPr>
-      <p:grpSpPr>
-        <a:xfrm>
-          <a:off x="0" y="0"/>
-          <a:ext cx="0" cy="0"/>
-          <a:chOff x="0" y="0"/>
-          <a:chExt cx="0" cy="0"/>
-        </a:xfrm>
-      </p:grpSpPr>
-      <p:sp>
-        <p:nvSpPr>
-          <p:cNvPr id="2" name="Title 1"/>
-          <p:cNvSpPr>
-            <a:spLocks noGrp="1"/>
-          </p:cNvSpPr>
-          <p:nvPr>
-            <p:ph type="title"/>
-          </p:nvPr>
-        </p:nvSpPr>
-        <p:spPr/>
-        <p:txBody>
-          <a:bodyPr/>
-          <a:lstStyle/>
-          <a:p>
-            <a:r>
-              <a:rPr lang="en-US" sz="3200" dirty="0"/>
-              <a:t>MVC: The good parts</a:t>
-            </a:r>
-            <a:endParaRPr lang="en-US" dirty="0"/>
-          </a:p>
-        </p:txBody>
-      </p:sp>
-      <p:sp>
-        <p:nvSpPr>
-          <p:cNvPr id="3" name="Subtitle 2"/>
-          <p:cNvSpPr>
-            <a:spLocks noGrp="1"/>
-          </p:cNvSpPr>
-          <p:nvPr>
-            <p:ph idx="1"/>
-          </p:nvPr>
-        </p:nvSpPr>
-        <p:spPr/>
-        <p:txBody>
-          <a:bodyPr>
-            <a:normAutofit/>
-          </a:bodyPr>
-          <a:lstStyle/>
-          <a:p>
-            <a:pPr marL="0" indent="0">
-              <a:buNone/>
-            </a:pPr>
-            <a:r>
-              <a:rPr lang="en-US" sz="2400" dirty="0" smtClean="0">
-                <a:solidFill>
-                  <a:srgbClr val="0070C0"/>
-                </a:solidFill>
-              </a:rPr>
-              <a:t>Security</a:t>
-            </a:r>
-          </a:p>
-          <a:p>
-            <a:endParaRPr lang="en-US" dirty="0" smtClean="0"/>
-          </a:p>
-          <a:p>
-            <a:r>
-              <a:rPr lang="en-US" dirty="0" smtClean="0"/>
-              <a:t>Attributes on controller and/or action</a:t>
-            </a:r>
-          </a:p>
-          <a:p>
-            <a:endParaRPr lang="en-US" dirty="0"/>
-          </a:p>
-          <a:p>
-            <a:r>
-              <a:rPr lang="en-US" dirty="0" smtClean="0"/>
-              <a:t>Allow Anonymous is the default</a:t>
-            </a:r>
-          </a:p>
-          <a:p>
-            <a:pPr marL="0" indent="0">
-              <a:buNone/>
-            </a:pPr>
-            <a:endParaRPr lang="en-US" dirty="0" smtClean="0"/>
-          </a:p>
-          <a:p>
-            <a:pPr marL="0" indent="0">
-              <a:buNone/>
-            </a:pPr>
-            <a:endParaRPr lang="en-US" dirty="0" smtClean="0"/>
-          </a:p>
-        </p:txBody>
-      </p:sp>
-      <p:pic>
-        <p:nvPicPr>
-          <p:cNvPr id="4" name="Picture 3"/>
-          <p:cNvPicPr>
-            <a:picLocks noChangeAspect="1"/>
-          </p:cNvPicPr>
-          <p:nvPr/>
-        </p:nvPicPr>
-        <p:blipFill>
-          <a:blip r:embed="rId3"/>
-          <a:stretch>
-            <a:fillRect/>
-          </a:stretch>
-        </p:blipFill>
-        <p:spPr>
-          <a:xfrm>
-            <a:off x="628650" y="4001294"/>
-            <a:ext cx="5819048" cy="876190"/>
-          </a:xfrm>
-          <a:prstGeom prst="rect">
-            <a:avLst/>
-          </a:prstGeom>
-        </p:spPr>
-      </p:pic>
-      <p:pic>
-        <p:nvPicPr>
-          <p:cNvPr id="5" name="Picture 4"/>
-          <p:cNvPicPr>
-            <a:picLocks noChangeAspect="1"/>
-          </p:cNvPicPr>
-          <p:nvPr/>
-        </p:nvPicPr>
-        <p:blipFill>
-          <a:blip r:embed="rId4"/>
-          <a:stretch>
-            <a:fillRect/>
-          </a:stretch>
-        </p:blipFill>
-        <p:spPr>
-          <a:xfrm>
-            <a:off x="628650" y="5181600"/>
-            <a:ext cx="6409524" cy="885714"/>
-          </a:xfrm>
-          <a:prstGeom prst="rect">
-            <a:avLst/>
-          </a:prstGeom>
-        </p:spPr>
-      </p:pic>
-      <p:sp>
-        <p:nvSpPr>
-          <p:cNvPr id="6" name="Right Arrow 5"/>
-          <p:cNvSpPr/>
-          <p:nvPr/>
-        </p:nvSpPr>
-        <p:spPr>
-          <a:xfrm rot="10800000">
-            <a:off x="3360420" y="3970814"/>
-            <a:ext cx="406483" cy="381000"/>
-          </a:xfrm>
-          <a:prstGeom prst="rightArrow">
-            <a:avLst/>
-          </a:prstGeom>
-        </p:spPr>
-        <p:style>
-          <a:lnRef idx="2">
-            <a:schemeClr val="accent1">
-              <a:shade val="50000"/>
-            </a:schemeClr>
-          </a:lnRef>
-          <a:fillRef idx="1">
-            <a:schemeClr val="accent1"/>
-          </a:fillRef>
-          <a:effectRef idx="0">
-            <a:schemeClr val="accent1"/>
-          </a:effectRef>
-          <a:fontRef idx="minor">
-            <a:schemeClr val="lt1"/>
-          </a:fontRef>
-        </p:style>
-        <p:txBody>
-          <a:bodyPr rtlCol="0" anchor="ctr"/>
-          <a:lstStyle/>
-          <a:p>
-            <a:pPr algn="ctr"/>
-            <a:endParaRPr lang="en-US">
-              <a:solidFill>
-                <a:schemeClr val="tx1"/>
-              </a:solidFill>
-            </a:endParaRPr>
-          </a:p>
-        </p:txBody>
-      </p:sp>
-      <p:sp>
-        <p:nvSpPr>
-          <p:cNvPr id="7" name="Right Arrow 6"/>
-          <p:cNvSpPr/>
-          <p:nvPr/>
-        </p:nvSpPr>
-        <p:spPr>
-          <a:xfrm rot="10800000">
-            <a:off x="6654551" y="5143500"/>
-            <a:ext cx="406483" cy="381000"/>
-          </a:xfrm>
-          <a:prstGeom prst="rightArrow">
-            <a:avLst/>
-          </a:prstGeom>
-        </p:spPr>
-        <p:style>
-          <a:lnRef idx="2">
-            <a:schemeClr val="accent1">
-              <a:shade val="50000"/>
-            </a:schemeClr>
-          </a:lnRef>
-          <a:fillRef idx="1">
-            <a:schemeClr val="accent1"/>
-          </a:fillRef>
-          <a:effectRef idx="0">
-            <a:schemeClr val="accent1"/>
-          </a:effectRef>
-          <a:fontRef idx="minor">
-            <a:schemeClr val="lt1"/>
-          </a:fontRef>
-        </p:style>
-        <p:txBody>
-          <a:bodyPr rtlCol="0" anchor="ctr"/>
-          <a:lstStyle/>
-          <a:p>
-            <a:pPr algn="ctr"/>
-            <a:endParaRPr lang="en-US">
-              <a:solidFill>
-                <a:schemeClr val="tx1"/>
-              </a:solidFill>
-            </a:endParaRPr>
-          </a:p>
-        </p:txBody>
-      </p:sp>
-    </p:spTree>
-    <p:extLst>
-      <p:ext uri="{BB962C8B-B14F-4D97-AF65-F5344CB8AC3E}">
-        <p14:creationId xmlns:p14="http://schemas.microsoft.com/office/powerpoint/2010/main" val="4014255629"/>
-      </p:ext>
-    </p:extLst>
-  </p:cSld>
-  <p:clrMapOvr>
-    <a:masterClrMapping/>
-  </p:clrMapOvr>
-  <p:transition>
-    <p:fade/>
-  </p:transition>
-  <p:timing>
-    <p:tnLst>
-      <p:par>
-        <p:cTn id="1" dur="indefinite" restart="never" nodeType="tmRoot">
-          <p:childTnLst>
-            <p:seq concurrent="1" nextAc="seek">
-              <p:cTn id="2" dur="indefinite" nodeType="mainSeq">
-                <p:childTnLst>
-                  <p:par>
-                    <p:cTn id="3" fill="hold">
-                      <p:stCondLst>
-                        <p:cond delay="indefinite"/>
-                      </p:stCondLst>
-                      <p:childTnLst>
-                        <p:par>
-                          <p:cTn id="4" fill="hold">
-                            <p:stCondLst>
-                              <p:cond delay="0"/>
-                            </p:stCondLst>
-                            <p:childTnLst>
-                              <p:par>
-                                <p:cTn id="5" presetID="4" presetClass="entr" presetSubtype="16" fill="hold" grpId="0" nodeType="clickEffect">
-                                  <p:stCondLst>
-                                    <p:cond delay="0"/>
-                                  </p:stCondLst>
-                                  <p:childTnLst>
-                                    <p:set>
-                                      <p:cBhvr>
-                                        <p:cTn id="6" dur="1" fill="hold">
-                                          <p:stCondLst>
-                                            <p:cond delay="0"/>
-                                          </p:stCondLst>
-                                        </p:cTn>
-                                        <p:tgtEl>
-                                          <p:spTgt spid="6"/>
-                                        </p:tgtEl>
-                                        <p:attrNameLst>
-                                          <p:attrName>style.visibility</p:attrName>
-                                        </p:attrNameLst>
-                                      </p:cBhvr>
-                                      <p:to>
-                                        <p:strVal val="visible"/>
-                                      </p:to>
-                                    </p:set>
-                                    <p:animEffect transition="in" filter="box(in)">
-                                      <p:cBhvr>
-                                        <p:cTn id="7" dur="500"/>
-                                        <p:tgtEl>
-                                          <p:spTgt spid="6"/>
-                                        </p:tgtEl>
-                                      </p:cBhvr>
-                                    </p:animEffect>
-                                  </p:childTnLst>
-                                </p:cTn>
-                              </p:par>
-                              <p:par>
-                                <p:cTn id="8" presetID="4" presetClass="entr" presetSubtype="16" fill="hold" grpId="0" nodeType="withEffect">
-                                  <p:stCondLst>
-                                    <p:cond delay="0"/>
-                                  </p:stCondLst>
-                                  <p:childTnLst>
-                                    <p:set>
-                                      <p:cBhvr>
-                                        <p:cTn id="9" dur="1" fill="hold">
-                                          <p:stCondLst>
-                                            <p:cond delay="0"/>
-                                          </p:stCondLst>
-                                        </p:cTn>
-                                        <p:tgtEl>
-                                          <p:spTgt spid="7"/>
-                                        </p:tgtEl>
-                                        <p:attrNameLst>
-                                          <p:attrName>style.visibility</p:attrName>
-                                        </p:attrNameLst>
-                                      </p:cBhvr>
-                                      <p:to>
-                                        <p:strVal val="visible"/>
-                                      </p:to>
-                                    </p:set>
-                                    <p:animEffect transition="in" filter="box(in)">
-                                      <p:cBhvr>
-                                        <p:cTn id="10" dur="500"/>
-                                        <p:tgtEl>
-                                          <p:spTgt spid="7"/>
-                                        </p:tgtEl>
-                                      </p:cBhvr>
-                                    </p:animEffect>
-                                  </p:childTnLst>
-                                </p:cTn>
-                              </p:par>
-                            </p:childTnLst>
-                          </p:cTn>
-                        </p:par>
-                      </p:childTnLst>
-                    </p:cTn>
-                  </p:par>
-                </p:childTnLst>
-              </p:cTn>
-              <p:prevCondLst>
-                <p:cond evt="onPrev" delay="0">
-                  <p:tgtEl>
-                    <p:sldTgt/>
-                  </p:tgtEl>
-                </p:cond>
-              </p:prevCondLst>
-              <p:nextCondLst>
-                <p:cond evt="onNext" delay="0">
-                  <p:tgtEl>
-                    <p:sldTgt/>
-                  </p:tgtEl>
-                </p:cond>
-              </p:nextCondLst>
-            </p:seq>
-          </p:childTnLst>
-        </p:cTn>
-      </p:par>
-    </p:tnLst>
-    <p:bldLst>
-      <p:bldP spid="6" grpId="0" animBg="1"/>
-      <p:bldP spid="7" grpId="0" animBg="1"/>
-    </p:bldLst>
-  </p:timing>
-</p:sld>
-</file>
-
-<file path=ppt/slides/slide29.xml><?xml version="1.0" encoding="utf-8"?>
-<p:sld xmlns:a="http://schemas.openxmlformats.org/drawingml/2006/main" xmlns:r="http://schemas.openxmlformats.org/officeDocument/2006/relationships" xmlns:p="http://schemas.openxmlformats.org/presentationml/2006/main">
-  <p:cSld>
-    <p:spTree>
-      <p:nvGrpSpPr>
-        <p:cNvPr id="1" name=""/>
-        <p:cNvGrpSpPr/>
-        <p:nvPr/>
-      </p:nvGrpSpPr>
-      <p:grpSpPr>
-        <a:xfrm>
-          <a:off x="0" y="0"/>
-          <a:ext cx="0" cy="0"/>
-          <a:chOff x="0" y="0"/>
-          <a:chExt cx="0" cy="0"/>
-        </a:xfrm>
-      </p:grpSpPr>
-      <p:sp>
-        <p:nvSpPr>
-          <p:cNvPr id="2" name="Title 1"/>
-          <p:cNvSpPr>
-            <a:spLocks noGrp="1"/>
-          </p:cNvSpPr>
-          <p:nvPr>
-            <p:ph type="title"/>
-          </p:nvPr>
-        </p:nvSpPr>
-        <p:spPr/>
-        <p:txBody>
-          <a:bodyPr/>
-          <a:lstStyle/>
-          <a:p>
-            <a:r>
-              <a:rPr lang="en-US" sz="3200" dirty="0"/>
-              <a:t>MVC: The good parts</a:t>
-            </a:r>
-            <a:endParaRPr lang="en-US" dirty="0"/>
-          </a:p>
-        </p:txBody>
-      </p:sp>
-      <p:sp>
-        <p:nvSpPr>
-          <p:cNvPr id="3" name="Subtitle 2"/>
-          <p:cNvSpPr>
-            <a:spLocks noGrp="1"/>
-          </p:cNvSpPr>
-          <p:nvPr>
-            <p:ph idx="1"/>
-          </p:nvPr>
-        </p:nvSpPr>
-        <p:spPr/>
-        <p:txBody>
-          <a:bodyPr>
-            <a:normAutofit/>
-          </a:bodyPr>
-          <a:lstStyle/>
-          <a:p>
-            <a:pPr marL="0" indent="0">
-              <a:buNone/>
-            </a:pPr>
-            <a:r>
-              <a:rPr lang="en-US" sz="2400" dirty="0" smtClean="0">
-                <a:solidFill>
-                  <a:srgbClr val="0070C0"/>
-                </a:solidFill>
-              </a:rPr>
-              <a:t>Headroom</a:t>
-            </a:r>
-          </a:p>
-          <a:p>
-            <a:endParaRPr lang="en-US" sz="2400" dirty="0" smtClean="0"/>
-          </a:p>
-          <a:p>
-            <a:r>
-              <a:rPr lang="en-US" sz="2400" dirty="0" smtClean="0"/>
-              <a:t>Extensible</a:t>
-            </a:r>
-          </a:p>
-          <a:p>
-            <a:pPr lvl="1"/>
-            <a:r>
-              <a:rPr lang="en-US" sz="2000" dirty="0" smtClean="0"/>
-              <a:t>Custom Routing</a:t>
-            </a:r>
-          </a:p>
-          <a:p>
-            <a:pPr lvl="1"/>
-            <a:r>
-              <a:rPr lang="en-US" sz="2000" dirty="0" smtClean="0"/>
-              <a:t>Custom View Engine</a:t>
-            </a:r>
-          </a:p>
-          <a:p>
-            <a:pPr lvl="1"/>
-            <a:r>
-              <a:rPr lang="en-US" sz="2000" dirty="0" smtClean="0"/>
-              <a:t>Custom Model/Parameter Binders</a:t>
-            </a:r>
-          </a:p>
-          <a:p>
-            <a:pPr lvl="1"/>
-            <a:r>
-              <a:rPr lang="en-US" sz="2000" dirty="0" smtClean="0"/>
-              <a:t>Custom Action Filters</a:t>
-            </a:r>
-          </a:p>
-          <a:p>
-            <a:pPr lvl="1"/>
-            <a:r>
-              <a:rPr lang="en-US" sz="2000" dirty="0" smtClean="0"/>
-              <a:t>Custom Formatters</a:t>
-            </a:r>
-          </a:p>
-          <a:p>
-            <a:pPr lvl="1"/>
-            <a:endParaRPr lang="en-US" sz="2000" dirty="0" smtClean="0"/>
-          </a:p>
-          <a:p>
-            <a:r>
-              <a:rPr lang="en-US" sz="2400" dirty="0" smtClean="0"/>
-              <a:t>All code is released as open source</a:t>
-            </a:r>
-          </a:p>
-        </p:txBody>
-      </p:sp>
-    </p:spTree>
-    <p:extLst>
-      <p:ext uri="{BB962C8B-B14F-4D97-AF65-F5344CB8AC3E}">
-        <p14:creationId xmlns:p14="http://schemas.microsoft.com/office/powerpoint/2010/main" val="573997567"/>
-      </p:ext>
-    </p:extLst>
-  </p:cSld>
-  <p:clrMapOvr>
-    <a:masterClrMapping/>
-  </p:clrMapOvr>
-  <p:transition>
-    <p:fade/>
-  </p:transition>
-  <p:timing>
-    <p:tnLst>
-      <p:par>
-        <p:cTn id="1" dur="indefinite" restart="never" nodeType="tmRoot"/>
-      </p:par>
-    </p:tnLst>
-  </p:timing>
-</p:sld>
-</file>
-
 <file path=ppt/slides/slide3.xml><?xml version="1.0" encoding="utf-8"?>
 <p:sld xmlns:a="http://schemas.openxmlformats.org/drawingml/2006/main" xmlns:r="http://schemas.openxmlformats.org/officeDocument/2006/relationships" xmlns:p="http://schemas.openxmlformats.org/presentationml/2006/main">
   <p:cSld>
@@ -15035,32 +14996,80 @@
           </a:bodyPr>
           <a:lstStyle/>
           <a:p>
+            <a:pPr marL="0" indent="0">
+              <a:buNone/>
+            </a:pPr>
+            <a:r>
+              <a:rPr lang="en-US" sz="2400" dirty="0" smtClean="0">
+                <a:solidFill>
+                  <a:srgbClr val="0070C0"/>
+                </a:solidFill>
+              </a:rPr>
+              <a:t>Headroom</a:t>
+            </a:r>
+          </a:p>
+          <a:p>
+            <a:endParaRPr lang="en-US" sz="2400" dirty="0" smtClean="0"/>
+          </a:p>
+          <a:p>
             <a:r>
               <a:rPr lang="en-US" sz="2400" dirty="0" smtClean="0"/>
-              <a:t>Part of ASP.NET, same security model</a:t>
-            </a:r>
-          </a:p>
-          <a:p>
-            <a:endParaRPr lang="en-US" sz="2400" dirty="0" smtClean="0"/>
+              <a:t>Extensible</a:t>
+            </a:r>
+          </a:p>
+          <a:p>
+            <a:pPr lvl="1"/>
+            <a:r>
+              <a:rPr lang="en-US" sz="2000" dirty="0" smtClean="0"/>
+              <a:t>Custom Routing</a:t>
+            </a:r>
+          </a:p>
+          <a:p>
+            <a:pPr lvl="1"/>
+            <a:r>
+              <a:rPr lang="en-US" sz="2000" dirty="0" smtClean="0"/>
+              <a:t>Custom View Engine</a:t>
+            </a:r>
+          </a:p>
+          <a:p>
+            <a:pPr lvl="1"/>
+            <a:r>
+              <a:rPr lang="en-US" sz="2000" dirty="0" smtClean="0"/>
+              <a:t>Custom Model/Parameter Binders</a:t>
+            </a:r>
+          </a:p>
+          <a:p>
+            <a:pPr lvl="1"/>
+            <a:r>
+              <a:rPr lang="en-US" sz="2000" dirty="0" smtClean="0"/>
+              <a:t>Custom Action Filters</a:t>
+            </a:r>
+          </a:p>
+          <a:p>
+            <a:pPr lvl="1"/>
+            <a:r>
+              <a:rPr lang="en-US" sz="2000" dirty="0" smtClean="0"/>
+              <a:t>Custom Formatters</a:t>
+            </a:r>
+          </a:p>
+          <a:p>
+            <a:pPr lvl="1"/>
+            <a:endParaRPr lang="en-US" sz="2000" dirty="0" smtClean="0"/>
           </a:p>
           <a:p>
             <a:r>
               <a:rPr lang="en-US" sz="2400" dirty="0" smtClean="0"/>
-              <a:t>Can run side-by-side with Web Forms, SignalR, etc.</a:t>
-            </a:r>
-          </a:p>
-          <a:p>
-            <a:endParaRPr lang="en-US" sz="2400" dirty="0" smtClean="0"/>
-          </a:p>
-          <a:p>
-            <a:r>
-              <a:rPr lang="en-US" sz="2400" dirty="0" smtClean="0"/>
-              <a:t>Cookies, Session, Caching, etc. still work the same</a:t>
+              <a:t>All code is released as open source</a:t>
             </a:r>
           </a:p>
         </p:txBody>
       </p:sp>
     </p:spTree>
+    <p:extLst>
+      <p:ext uri="{BB962C8B-B14F-4D97-AF65-F5344CB8AC3E}">
+        <p14:creationId xmlns:p14="http://schemas.microsoft.com/office/powerpoint/2010/main" val="573997567"/>
+      </p:ext>
+    </p:extLst>
   </p:cSld>
   <p:clrMapOvr>
     <a:masterClrMapping/>
@@ -15097,6 +15106,106 @@
       </p:grpSpPr>
       <p:sp>
         <p:nvSpPr>
+          <p:cNvPr id="2" name="Title 1"/>
+          <p:cNvSpPr>
+            <a:spLocks noGrp="1"/>
+          </p:cNvSpPr>
+          <p:nvPr>
+            <p:ph type="title"/>
+          </p:nvPr>
+        </p:nvSpPr>
+        <p:spPr/>
+        <p:txBody>
+          <a:bodyPr/>
+          <a:lstStyle/>
+          <a:p>
+            <a:r>
+              <a:rPr lang="en-US" sz="3200" dirty="0"/>
+              <a:t>MVC: The good parts</a:t>
+            </a:r>
+            <a:endParaRPr lang="en-US" dirty="0"/>
+          </a:p>
+        </p:txBody>
+      </p:sp>
+      <p:sp>
+        <p:nvSpPr>
+          <p:cNvPr id="3" name="Subtitle 2"/>
+          <p:cNvSpPr>
+            <a:spLocks noGrp="1"/>
+          </p:cNvSpPr>
+          <p:nvPr>
+            <p:ph idx="1"/>
+          </p:nvPr>
+        </p:nvSpPr>
+        <p:spPr/>
+        <p:txBody>
+          <a:bodyPr>
+            <a:normAutofit/>
+          </a:bodyPr>
+          <a:lstStyle/>
+          <a:p>
+            <a:r>
+              <a:rPr lang="en-US" sz="2400" dirty="0" smtClean="0"/>
+              <a:t>Part of ASP.NET, same security model</a:t>
+            </a:r>
+          </a:p>
+          <a:p>
+            <a:endParaRPr lang="en-US" sz="2400" dirty="0" smtClean="0"/>
+          </a:p>
+          <a:p>
+            <a:r>
+              <a:rPr lang="en-US" sz="2400" dirty="0" smtClean="0"/>
+              <a:t>Can run side-by-side with Web Forms, SignalR, etc.</a:t>
+            </a:r>
+          </a:p>
+          <a:p>
+            <a:endParaRPr lang="en-US" sz="2400" dirty="0" smtClean="0"/>
+          </a:p>
+          <a:p>
+            <a:r>
+              <a:rPr lang="en-US" sz="2400" dirty="0" smtClean="0"/>
+              <a:t>Cookies, Session, Caching, etc. still work the same</a:t>
+            </a:r>
+          </a:p>
+        </p:txBody>
+      </p:sp>
+    </p:spTree>
+  </p:cSld>
+  <p:clrMapOvr>
+    <a:masterClrMapping/>
+  </p:clrMapOvr>
+  <p:transition>
+    <p:fade/>
+  </p:transition>
+  <p:timing>
+    <p:tnLst>
+      <p:par>
+        <p:cTn id="1" dur="indefinite" restart="never" nodeType="tmRoot"/>
+      </p:par>
+    </p:tnLst>
+  </p:timing>
+</p:sld>
+</file>
+
+<file path=ppt/slides/slide32.xml><?xml version="1.0" encoding="utf-8"?>
+<p:sld xmlns:a="http://schemas.openxmlformats.org/drawingml/2006/main" xmlns:r="http://schemas.openxmlformats.org/officeDocument/2006/relationships" xmlns:p="http://schemas.openxmlformats.org/presentationml/2006/main">
+  <p:cSld>
+    <p:spTree>
+      <p:nvGrpSpPr>
+        <p:cNvPr id="1" name=""/>
+        <p:cNvGrpSpPr/>
+        <p:nvPr/>
+      </p:nvGrpSpPr>
+      <p:grpSpPr>
+        <a:xfrm>
+          <a:off x="0" y="0"/>
+          <a:ext cx="0" cy="0"/>
+          <a:chOff x="0" y="0"/>
+          <a:chExt cx="0" cy="0"/>
+        </a:xfrm>
+      </p:grpSpPr>
+      <p:sp>
+        <p:nvSpPr>
           <p:cNvPr id="3" name="Title 2"/>
           <p:cNvSpPr>
             <a:spLocks noGrp="1"/>
@@ -15190,7 +15299,7 @@
 </p:sld>
 </file>
 
-<file path=ppt/slides/slide32.xml><?xml version="1.0" encoding="utf-8"?>
+<file path=ppt/slides/slide33.xml><?xml version="1.0" encoding="utf-8"?>
 <p:sld xmlns:a="http://schemas.openxmlformats.org/drawingml/2006/main" xmlns:r="http://schemas.openxmlformats.org/officeDocument/2006/relationships" xmlns:p="http://schemas.openxmlformats.org/presentationml/2006/main">
   <p:cSld>
     <p:spTree>
@@ -17857,6 +17966,9 @@
                     <p:cTn id="3" fill="hold">
                       <p:stCondLst>
                         <p:cond delay="indefinite"/>
+                        <p:cond evt="onBegin" delay="0">
+                          <p:tn val="2"/>
+                        </p:cond>
                       </p:stCondLst>
                       <p:childTnLst>
                         <p:par>
@@ -17866,7 +17978,7 @@
                             </p:stCondLst>
                             <p:childTnLst>
                               <p:par>
-                                <p:cTn id="5" presetID="4" presetClass="entr" presetSubtype="16" fill="hold" grpId="0" nodeType="clickEffect">
+                                <p:cTn id="5" presetID="4" presetClass="entr" presetSubtype="16" fill="hold" grpId="0" nodeType="withEffect">
                                   <p:stCondLst>
                                     <p:cond delay="0"/>
                                   </p:stCondLst>
@@ -17935,33 +18047,15 @@
                                   </p:childTnLst>
                                 </p:cTn>
                               </p:par>
-                            </p:childTnLst>
-                          </p:cTn>
-                        </p:par>
-                      </p:childTnLst>
-                    </p:cTn>
-                  </p:par>
-                  <p:par>
-                    <p:cTn id="11" fill="hold">
-                      <p:stCondLst>
-                        <p:cond delay="indefinite"/>
-                      </p:stCondLst>
-                      <p:childTnLst>
-                        <p:par>
-                          <p:cTn id="12" fill="hold">
-                            <p:stCondLst>
-                              <p:cond delay="0"/>
-                            </p:stCondLst>
-                            <p:childTnLst>
                               <p:par>
-                                <p:cTn id="13" presetID="4" presetClass="entr" presetSubtype="16" fill="hold" grpId="0" nodeType="clickEffect">
+                                <p:cTn id="11" presetID="4" presetClass="entr" presetSubtype="16" fill="hold" grpId="0" nodeType="withEffect">
                                   <p:stCondLst>
                                     <p:cond delay="0"/>
                                   </p:stCondLst>
                                   <p:childTnLst>
                                     <p:set>
                                       <p:cBhvr>
-                                        <p:cTn id="14" dur="1" fill="hold">
+                                        <p:cTn id="12" dur="1" fill="hold">
                                           <p:stCondLst>
                                             <p:cond delay="0"/>
                                           </p:stCondLst>
@@ -17979,7 +18073,7 @@
                                     </p:set>
                                     <p:animEffect transition="in" filter="box(in)">
                                       <p:cBhvr>
-                                        <p:cTn id="15" dur="500"/>
+                                        <p:cTn id="13" dur="500"/>
                                         <p:tgtEl>
                                           <p:spTgt spid="23"/>
                                         </p:tgtEl>
@@ -17989,14 +18083,14 @@
                                 </p:cTn>
                               </p:par>
                               <p:par>
-                                <p:cTn id="16" presetID="4" presetClass="entr" presetSubtype="16" fill="hold" grpId="0" nodeType="withEffect">
+                                <p:cTn id="14" presetID="4" presetClass="entr" presetSubtype="16" fill="hold" grpId="0" nodeType="withEffect">
                                   <p:stCondLst>
                                     <p:cond delay="0"/>
                                   </p:stCondLst>
                                   <p:childTnLst>
                                     <p:set>
                                       <p:cBhvr>
-                                        <p:cTn id="17" dur="1" fill="hold">
+                                        <p:cTn id="15" dur="1" fill="hold">
                                           <p:stCondLst>
                                             <p:cond delay="0"/>
                                           </p:stCondLst>
@@ -18014,9 +18108,44 @@
                                     </p:set>
                                     <p:animEffect transition="in" filter="box(in)">
                                       <p:cBhvr>
-                                        <p:cTn id="18" dur="500"/>
+                                        <p:cTn id="16" dur="500"/>
                                         <p:tgtEl>
                                           <p:spTgt spid="4"/>
+                                        </p:tgtEl>
+                                      </p:cBhvr>
+                                    </p:animEffect>
+                                  </p:childTnLst>
+                                </p:cTn>
+                              </p:par>
+                              <p:par>
+                                <p:cTn id="17" presetID="4" presetClass="entr" presetSubtype="16" fill="hold" grpId="0" nodeType="withEffect">
+                                  <p:stCondLst>
+                                    <p:cond delay="0"/>
+                                  </p:stCondLst>
+                                  <p:childTnLst>
+                                    <p:set>
+                                      <p:cBhvr>
+                                        <p:cTn id="18" dur="1" fill="hold">
+                                          <p:stCondLst>
+                                            <p:cond delay="0"/>
+                                          </p:stCondLst>
+                                        </p:cTn>
+                                        <p:tgtEl>
+                                          <p:spTgt spid="35"/>
+                                        </p:tgtEl>
+                                        <p:attrNameLst>
+                                          <p:attrName>style.visibility</p:attrName>
+                                        </p:attrNameLst>
+                                      </p:cBhvr>
+                                      <p:to>
+                                        <p:strVal val="visible"/>
+                                      </p:to>
+                                    </p:set>
+                                    <p:animEffect transition="in" filter="box(in)">
+                                      <p:cBhvr>
+                                        <p:cTn id="19" dur="500"/>
+                                        <p:tgtEl>
+                                          <p:spTgt spid="35"/>
                                         </p:tgtEl>
                                       </p:cBhvr>
                                     </p:animEffect>
@@ -18030,32 +18159,32 @@
                     </p:cTn>
                   </p:par>
                   <p:par>
-                    <p:cTn id="19" fill="hold">
+                    <p:cTn id="20" fill="hold">
                       <p:stCondLst>
                         <p:cond delay="indefinite"/>
                       </p:stCondLst>
                       <p:childTnLst>
                         <p:par>
-                          <p:cTn id="20" fill="hold">
+                          <p:cTn id="21" fill="hold">
                             <p:stCondLst>
                               <p:cond delay="0"/>
                             </p:stCondLst>
                             <p:childTnLst>
                               <p:par>
-                                <p:cTn id="21" presetID="4" presetClass="entr" presetSubtype="16" fill="hold" grpId="0" nodeType="clickEffect">
+                                <p:cTn id="22" presetID="4" presetClass="entr" presetSubtype="16" fill="hold" nodeType="clickEffect">
                                   <p:stCondLst>
                                     <p:cond delay="0"/>
                                   </p:stCondLst>
                                   <p:childTnLst>
                                     <p:set>
                                       <p:cBhvr>
-                                        <p:cTn id="22" dur="1" fill="hold">
+                                        <p:cTn id="23" dur="1" fill="hold">
                                           <p:stCondLst>
                                             <p:cond delay="0"/>
                                           </p:stCondLst>
                                         </p:cTn>
                                         <p:tgtEl>
-                                          <p:spTgt spid="35"/>
+                                          <p:spTgt spid="7"/>
                                         </p:tgtEl>
                                         <p:attrNameLst>
                                           <p:attrName>style.visibility</p:attrName>
@@ -18067,9 +18196,79 @@
                                     </p:set>
                                     <p:animEffect transition="in" filter="box(in)">
                                       <p:cBhvr>
-                                        <p:cTn id="23" dur="500"/>
-                                        <p:tgtEl>
-                                          <p:spTgt spid="35"/>
+                                        <p:cTn id="24" dur="500"/>
+                                        <p:tgtEl>
+                                          <p:spTgt spid="7"/>
+                                        </p:tgtEl>
+                                      </p:cBhvr>
+                                    </p:animEffect>
+                                  </p:childTnLst>
+                                </p:cTn>
+                              </p:par>
+                              <p:par>
+                                <p:cTn id="25" presetID="4" presetClass="entr" presetSubtype="16" fill="hold" grpId="0" nodeType="withEffect">
+                                  <p:stCondLst>
+                                    <p:cond delay="0"/>
+                                  </p:stCondLst>
+                                  <p:childTnLst>
+                                    <p:set>
+                                      <p:cBhvr>
+                                        <p:cTn id="26" dur="1" fill="hold">
+                                          <p:stCondLst>
+                                            <p:cond delay="0"/>
+                                          </p:stCondLst>
+                                        </p:cTn>
+                                        <p:tgtEl>
+                                          <p:spTgt spid="17"/>
+                                        </p:tgtEl>
+                                        <p:attrNameLst>
+                                          <p:attrName>style.visibility</p:attrName>
+                                        </p:attrNameLst>
+                                      </p:cBhvr>
+                                      <p:to>
+                                        <p:strVal val="visible"/>
+                                      </p:to>
+                                    </p:set>
+                                    <p:animEffect transition="in" filter="box(in)">
+                                      <p:cBhvr>
+                                        <p:cTn id="27" dur="500"/>
+                                        <p:tgtEl>
+                                          <p:spTgt spid="17"/>
+                                        </p:tgtEl>
+                                      </p:cBhvr>
+                                    </p:animEffect>
+                                  </p:childTnLst>
+                                </p:cTn>
+                              </p:par>
+                              <p:par>
+                                <p:cTn id="28" presetID="4" presetClass="entr" presetSubtype="16" fill="hold" grpId="0" nodeType="withEffect">
+                                  <p:stCondLst>
+                                    <p:cond delay="0"/>
+                                  </p:stCondLst>
+                                  <p:childTnLst>
+                                    <p:set>
+                                      <p:cBhvr>
+                                        <p:cTn id="29" dur="1" fill="hold">
+                                          <p:stCondLst>
+                                            <p:cond delay="0"/>
+                                          </p:stCondLst>
+                                        </p:cTn>
+                                        <p:tgtEl>
+                                          <p:spTgt spid="39"/>
+                                        </p:tgtEl>
+                                        <p:attrNameLst>
+                                          <p:attrName>style.visibility</p:attrName>
+                                        </p:attrNameLst>
+                                      </p:cBhvr>
+                                      <p:to>
+                                        <p:strVal val="visible"/>
+                                      </p:to>
+                                    </p:set>
+                                    <p:animEffect transition="in" filter="box(in)">
+                                      <p:cBhvr>
+                                        <p:cTn id="30" dur="500"/>
+                                        <p:tgtEl>
+                                          <p:spTgt spid="39"/>
                                         </p:tgtEl>
                                       </p:cBhvr>
                                     </p:animEffect>
@@ -18083,32 +18282,32 @@
                     </p:cTn>
                   </p:par>
                   <p:par>
-                    <p:cTn id="24" fill="hold">
+                    <p:cTn id="31" fill="hold">
                       <p:stCondLst>
                         <p:cond delay="indefinite"/>
                       </p:stCondLst>
                       <p:childTnLst>
                         <p:par>
-                          <p:cTn id="25" fill="hold">
+                          <p:cTn id="32" fill="hold">
                             <p:stCondLst>
                               <p:cond delay="0"/>
                             </p:stCondLst>
                             <p:childTnLst>
                               <p:par>
-                                <p:cTn id="26" presetID="4" presetClass="entr" presetSubtype="16" fill="hold" nodeType="clickEffect">
+                                <p:cTn id="33" presetID="4" presetClass="entr" presetSubtype="16" fill="hold" nodeType="clickEffect">
                                   <p:stCondLst>
                                     <p:cond delay="0"/>
                                   </p:stCondLst>
                                   <p:childTnLst>
                                     <p:set>
                                       <p:cBhvr>
-                                        <p:cTn id="27" dur="1" fill="hold">
+                                        <p:cTn id="34" dur="1" fill="hold">
                                           <p:stCondLst>
                                             <p:cond delay="0"/>
                                           </p:stCondLst>
                                         </p:cTn>
                                         <p:tgtEl>
-                                          <p:spTgt spid="7"/>
+                                          <p:spTgt spid="29"/>
                                         </p:tgtEl>
                                         <p:attrNameLst>
                                           <p:attrName>style.visibility</p:attrName>
@@ -18120,9 +18319,9 @@
                                     </p:set>
                                     <p:animEffect transition="in" filter="box(in)">
                                       <p:cBhvr>
-                                        <p:cTn id="28" dur="500"/>
-                                        <p:tgtEl>
-                                          <p:spTgt spid="7"/>
+                                        <p:cTn id="35" dur="500"/>
+                                        <p:tgtEl>
+                                          <p:spTgt spid="29"/>
                                         </p:tgtEl>
                                       </p:cBhvr>
                                     </p:animEffect>
@@ -18130,20 +18329,20 @@
                                 </p:cTn>
                               </p:par>
                               <p:par>
-                                <p:cTn id="29" presetID="4" presetClass="entr" presetSubtype="16" fill="hold" grpId="0" nodeType="withEffect">
+                                <p:cTn id="36" presetID="4" presetClass="entr" presetSubtype="16" fill="hold" grpId="0" nodeType="withEffect">
                                   <p:stCondLst>
                                     <p:cond delay="0"/>
                                   </p:stCondLst>
                                   <p:childTnLst>
                                     <p:set>
                                       <p:cBhvr>
-                                        <p:cTn id="30" dur="1" fill="hold">
+                                        <p:cTn id="37" dur="1" fill="hold">
                                           <p:stCondLst>
                                             <p:cond delay="0"/>
                                           </p:stCondLst>
                                         </p:cTn>
                                         <p:tgtEl>
-                                          <p:spTgt spid="17"/>
+                                          <p:spTgt spid="40"/>
                                         </p:tgtEl>
                                         <p:attrNameLst>
                                           <p:attrName>style.visibility</p:attrName>
@@ -18155,9 +18354,9 @@
                                     </p:set>
                                     <p:animEffect transition="in" filter="box(in)">
                                       <p:cBhvr>
-                                        <p:cTn id="31" dur="500"/>
-                                        <p:tgtEl>
-                                          <p:spTgt spid="17"/>
+                                        <p:cTn id="38" dur="500"/>
+                                        <p:tgtEl>
+                                          <p:spTgt spid="40"/>
                                         </p:tgtEl>
                                       </p:cBhvr>
                                     </p:animEffect>
@@ -18165,20 +18364,20 @@
                                 </p:cTn>
                               </p:par>
                               <p:par>
-                                <p:cTn id="32" presetID="4" presetClass="entr" presetSubtype="16" fill="hold" grpId="0" nodeType="withEffect">
+                                <p:cTn id="39" presetID="4" presetClass="entr" presetSubtype="16" fill="hold" grpId="0" nodeType="withEffect">
                                   <p:stCondLst>
                                     <p:cond delay="0"/>
                                   </p:stCondLst>
                                   <p:childTnLst>
                                     <p:set>
                                       <p:cBhvr>
-                                        <p:cTn id="33" dur="1" fill="hold">
+                                        <p:cTn id="40" dur="1" fill="hold">
                                           <p:stCondLst>
                                             <p:cond delay="0"/>
                                           </p:stCondLst>
                                         </p:cTn>
                                         <p:tgtEl>
-                                          <p:spTgt spid="39"/>
+                                          <p:spTgt spid="37"/>
                                         </p:tgtEl>
                                         <p:attrNameLst>
                                           <p:attrName>style.visibility</p:attrName>
@@ -18190,9 +18389,9 @@
                                     </p:set>
                                     <p:animEffect transition="in" filter="box(in)">
                                       <p:cBhvr>
-                                        <p:cTn id="34" dur="500"/>
-                                        <p:tgtEl>
-                                          <p:spTgt spid="39"/>
+                                        <p:cTn id="41" dur="500"/>
+                                        <p:tgtEl>
+                                          <p:spTgt spid="37"/>
                                         </p:tgtEl>
                                       </p:cBhvr>
                                     </p:animEffect>
@@ -18206,32 +18405,32 @@
                     </p:cTn>
                   </p:par>
                   <p:par>
-                    <p:cTn id="35" fill="hold">
+                    <p:cTn id="42" fill="hold">
                       <p:stCondLst>
                         <p:cond delay="indefinite"/>
                       </p:stCondLst>
                       <p:childTnLst>
                         <p:par>
-                          <p:cTn id="36" fill="hold">
+                          <p:cTn id="43" fill="hold">
                             <p:stCondLst>
                               <p:cond delay="0"/>
                             </p:stCondLst>
                             <p:childTnLst>
                               <p:par>
-                                <p:cTn id="37" presetID="4" presetClass="entr" presetSubtype="16" fill="hold" nodeType="clickEffect">
+                                <p:cTn id="44" presetID="4" presetClass="entr" presetSubtype="16" fill="hold" grpId="0" nodeType="clickEffect">
                                   <p:stCondLst>
                                     <p:cond delay="0"/>
                                   </p:stCondLst>
                                   <p:childTnLst>
                                     <p:set>
                                       <p:cBhvr>
-                                        <p:cTn id="38" dur="1" fill="hold">
+                                        <p:cTn id="45" dur="1" fill="hold">
                                           <p:stCondLst>
                                             <p:cond delay="0"/>
                                           </p:stCondLst>
                                         </p:cTn>
                                         <p:tgtEl>
-                                          <p:spTgt spid="29"/>
+                                          <p:spTgt spid="20"/>
                                         </p:tgtEl>
                                         <p:attrNameLst>
                                           <p:attrName>style.visibility</p:attrName>
@@ -18243,9 +18442,9 @@
                                     </p:set>
                                     <p:animEffect transition="in" filter="box(in)">
                                       <p:cBhvr>
-                                        <p:cTn id="39" dur="500"/>
-                                        <p:tgtEl>
-                                          <p:spTgt spid="29"/>
+                                        <p:cTn id="46" dur="500"/>
+                                        <p:tgtEl>
+                                          <p:spTgt spid="20"/>
                                         </p:tgtEl>
                                       </p:cBhvr>
                                     </p:animEffect>
@@ -18253,20 +18452,20 @@
                                 </p:cTn>
                               </p:par>
                               <p:par>
-                                <p:cTn id="40" presetID="4" presetClass="entr" presetSubtype="16" fill="hold" grpId="0" nodeType="withEffect">
+                                <p:cTn id="47" presetID="4" presetClass="entr" presetSubtype="16" fill="hold" grpId="0" nodeType="withEffect">
                                   <p:stCondLst>
                                     <p:cond delay="0"/>
                                   </p:stCondLst>
                                   <p:childTnLst>
                                     <p:set>
                                       <p:cBhvr>
-                                        <p:cTn id="41" dur="1" fill="hold">
+                                        <p:cTn id="48" dur="1" fill="hold">
                                           <p:stCondLst>
                                             <p:cond delay="0"/>
                                           </p:stCondLst>
                                         </p:cTn>
                                         <p:tgtEl>
-                                          <p:spTgt spid="40"/>
+                                          <p:spTgt spid="24"/>
                                         </p:tgtEl>
                                         <p:attrNameLst>
                                           <p:attrName>style.visibility</p:attrName>
@@ -18278,9 +18477,9 @@
                                     </p:set>
                                     <p:animEffect transition="in" filter="box(in)">
                                       <p:cBhvr>
-                                        <p:cTn id="42" dur="500"/>
-                                        <p:tgtEl>
-                                          <p:spTgt spid="40"/>
+                                        <p:cTn id="49" dur="500"/>
+                                        <p:tgtEl>
+                                          <p:spTgt spid="24"/>
                                         </p:tgtEl>
                                       </p:cBhvr>
                                     </p:animEffect>
@@ -18288,20 +18487,20 @@
                                 </p:cTn>
                               </p:par>
                               <p:par>
-                                <p:cTn id="43" presetID="4" presetClass="entr" presetSubtype="16" fill="hold" grpId="0" nodeType="withEffect">
+                                <p:cTn id="50" presetID="4" presetClass="entr" presetSubtype="16" fill="hold" grpId="0" nodeType="withEffect">
                                   <p:stCondLst>
                                     <p:cond delay="0"/>
                                   </p:stCondLst>
                                   <p:childTnLst>
                                     <p:set>
                                       <p:cBhvr>
-                                        <p:cTn id="44" dur="1" fill="hold">
+                                        <p:cTn id="51" dur="1" fill="hold">
                                           <p:stCondLst>
                                             <p:cond delay="0"/>
                                           </p:stCondLst>
                                         </p:cTn>
                                         <p:tgtEl>
-                                          <p:spTgt spid="37"/>
+                                          <p:spTgt spid="21"/>
                                         </p:tgtEl>
                                         <p:attrNameLst>
                                           <p:attrName>style.visibility</p:attrName>
@@ -18313,48 +18512,30 @@
                                     </p:set>
                                     <p:animEffect transition="in" filter="box(in)">
                                       <p:cBhvr>
-                                        <p:cTn id="45" dur="500"/>
-                                        <p:tgtEl>
-                                          <p:spTgt spid="37"/>
+                                        <p:cTn id="52" dur="500"/>
+                                        <p:tgtEl>
+                                          <p:spTgt spid="21"/>
                                         </p:tgtEl>
                                       </p:cBhvr>
                                     </p:animEffect>
                                   </p:childTnLst>
                                 </p:cTn>
                               </p:par>
-                            </p:childTnLst>
-                          </p:cTn>
-                        </p:par>
-                      </p:childTnLst>
-                    </p:cTn>
-                  </p:par>
-                  <p:par>
-                    <p:cTn id="46" fill="hold">
-                      <p:stCondLst>
-                        <p:cond delay="indefinite"/>
-                      </p:stCondLst>
-                      <p:childTnLst>
-                        <p:par>
-                          <p:cTn id="47" fill="hold">
-                            <p:stCondLst>
-                              <p:cond delay="0"/>
-                            </p:stCondLst>
-                            <p:childTnLst>
                               <p:par>
-                                <p:cTn id="48" presetID="4" presetClass="entr" presetSubtype="16" fill="hold" grpId="0" nodeType="clickEffect">
+                                <p:cTn id="53" presetID="4" presetClass="entr" presetSubtype="16" fill="hold" grpId="0" nodeType="withEffect">
                                   <p:stCondLst>
                                     <p:cond delay="0"/>
                                   </p:stCondLst>
                                   <p:childTnLst>
                                     <p:set>
                                       <p:cBhvr>
-                                        <p:cTn id="49" dur="1" fill="hold">
+                                        <p:cTn id="54" dur="1" fill="hold">
                                           <p:stCondLst>
                                             <p:cond delay="0"/>
                                           </p:stCondLst>
                                         </p:cTn>
                                         <p:tgtEl>
-                                          <p:spTgt spid="20"/>
+                                          <p:spTgt spid="36"/>
                                         </p:tgtEl>
                                         <p:attrNameLst>
                                           <p:attrName>style.visibility</p:attrName>
@@ -18366,9 +18547,9 @@
                                     </p:set>
                                     <p:animEffect transition="in" filter="box(in)">
                                       <p:cBhvr>
-                                        <p:cTn id="50" dur="500"/>
-                                        <p:tgtEl>
-                                          <p:spTgt spid="20"/>
+                                        <p:cTn id="55" dur="500"/>
+                                        <p:tgtEl>
+                                          <p:spTgt spid="36"/>
                                         </p:tgtEl>
                                       </p:cBhvr>
                                     </p:animEffect>
@@ -18376,60 +18557,7 @@
                                 </p:cTn>
                               </p:par>
                               <p:par>
-                                <p:cTn id="51" presetID="4" presetClass="entr" presetSubtype="16" fill="hold" grpId="0" nodeType="withEffect">
-                                  <p:stCondLst>
-                                    <p:cond delay="0"/>
-                                  </p:stCondLst>
-                                  <p:childTnLst>
-                                    <p:set>
-                                      <p:cBhvr>
-                                        <p:cTn id="52" dur="1" fill="hold">
-                                          <p:stCondLst>
-                                            <p:cond delay="0"/>
-                                          </p:stCondLst>
-                                        </p:cTn>
-                                        <p:tgtEl>
-                                          <p:spTgt spid="24"/>
-                                        </p:tgtEl>
-                                        <p:attrNameLst>
-                                          <p:attrName>style.visibility</p:attrName>
-                                        </p:attrNameLst>
-                                      </p:cBhvr>
-                                      <p:to>
-                                        <p:strVal val="visible"/>
-                                      </p:to>
-                                    </p:set>
-                                    <p:animEffect transition="in" filter="box(in)">
-                                      <p:cBhvr>
-                                        <p:cTn id="53" dur="500"/>
-                                        <p:tgtEl>
-                                          <p:spTgt spid="24"/>
-                                        </p:tgtEl>
-                                      </p:cBhvr>
-                                    </p:animEffect>
-                                  </p:childTnLst>
-                                </p:cTn>
-                              </p:par>
-                            </p:childTnLst>
-                          </p:cTn>
-                        </p:par>
-                      </p:childTnLst>
-                    </p:cTn>
-                  </p:par>
-                  <p:par>
-                    <p:cTn id="54" fill="hold">
-                      <p:stCondLst>
-                        <p:cond delay="indefinite"/>
-                      </p:stCondLst>
-                      <p:childTnLst>
-                        <p:par>
-                          <p:cTn id="55" fill="hold">
-                            <p:stCondLst>
-                              <p:cond delay="0"/>
-                            </p:stCondLst>
-                            <p:childTnLst>
-                              <p:par>
-                                <p:cTn id="56" presetID="4" presetClass="entr" presetSubtype="16" fill="hold" grpId="0" nodeType="clickEffect">
+                                <p:cTn id="56" presetID="4" presetClass="entr" presetSubtype="16" fill="hold" grpId="0" nodeType="withEffect">
                                   <p:stCondLst>
                                     <p:cond delay="0"/>
                                   </p:stCondLst>
@@ -18442,7 +18570,7 @@
                                           </p:stCondLst>
                                         </p:cTn>
                                         <p:tgtEl>
-                                          <p:spTgt spid="21"/>
+                                          <p:spTgt spid="18"/>
                                         </p:tgtEl>
                                         <p:attrNameLst>
                                           <p:attrName>style.visibility</p:attrName>
@@ -18455,76 +18583,6 @@
                                     <p:animEffect transition="in" filter="box(in)">
                                       <p:cBhvr>
                                         <p:cTn id="58" dur="500"/>
-                                        <p:tgtEl>
-                                          <p:spTgt spid="21"/>
-                                        </p:tgtEl>
-                                      </p:cBhvr>
-                                    </p:animEffect>
-                                  </p:childTnLst>
-                                </p:cTn>
-                              </p:par>
-                              <p:par>
-                                <p:cTn id="59" presetID="4" presetClass="entr" presetSubtype="16" fill="hold" grpId="0" nodeType="withEffect">
-                                  <p:stCondLst>
-                                    <p:cond delay="0"/>
-                                  </p:stCondLst>
-                                  <p:childTnLst>
-                                    <p:set>
-                                      <p:cBhvr>
-                                        <p:cTn id="60" dur="1" fill="hold">
-                                          <p:stCondLst>
-                                            <p:cond delay="0"/>
-                                          </p:stCondLst>
-                                        </p:cTn>
-                                        <p:tgtEl>
-                                          <p:spTgt spid="36"/>
-                                        </p:tgtEl>
-                                        <p:attrNameLst>
-                                          <p:attrName>style.visibility</p:attrName>
-                                        </p:attrNameLst>
-                                      </p:cBhvr>
-                                      <p:to>
-                                        <p:strVal val="visible"/>
-                                      </p:to>
-                                    </p:set>
-                                    <p:animEffect transition="in" filter="box(in)">
-                                      <p:cBhvr>
-                                        <p:cTn id="61" dur="500"/>
-                                        <p:tgtEl>
-                                          <p:spTgt spid="36"/>
-                                        </p:tgtEl>
-                                      </p:cBhvr>
-                                    </p:animEffect>
-                                  </p:childTnLst>
-                                </p:cTn>
-                              </p:par>
-                              <p:par>
-                                <p:cTn id="62" presetID="4" presetClass="entr" presetSubtype="16" fill="hold" grpId="0" nodeType="withEffect">
-                                  <p:stCondLst>
-                                    <p:cond delay="0"/>
-                                  </p:stCondLst>
-                                  <p:childTnLst>
-                                    <p:set>
-                                      <p:cBhvr>
-                                        <p:cTn id="63" dur="1" fill="hold">
-                                          <p:stCondLst>
-                                            <p:cond delay="0"/>
-                                          </p:stCondLst>
-                                        </p:cTn>
-                                        <p:tgtEl>
-                                          <p:spTgt spid="18"/>
-                                        </p:tgtEl>
-                                        <p:attrNameLst>
-                                          <p:attrName>style.visibility</p:attrName>
-                                        </p:attrNameLst>
-                                      </p:cBhvr>
-                                      <p:to>
-                                        <p:strVal val="visible"/>
-                                      </p:to>
-                                    </p:set>
-                                    <p:animEffect transition="in" filter="box(in)">
-                                      <p:cBhvr>
-                                        <p:cTn id="64" dur="500"/>
                                         <p:tgtEl>
                                           <p:spTgt spid="18"/>
                                         </p:tgtEl>
@@ -19203,6 +19261,9 @@
                     <p:cTn id="3" fill="hold">
                       <p:stCondLst>
                         <p:cond delay="indefinite"/>
+                        <p:cond evt="onBegin" delay="0">
+                          <p:tn val="2"/>
+                        </p:cond>
                       </p:stCondLst>
                       <p:childTnLst>
                         <p:par>
@@ -19212,7 +19273,7 @@
                             </p:stCondLst>
                             <p:childTnLst>
                               <p:par>
-                                <p:cTn id="5" presetID="4" presetClass="entr" presetSubtype="16" fill="hold" grpId="0" nodeType="clickEffect">
+                                <p:cTn id="5" presetID="4" presetClass="entr" presetSubtype="16" fill="hold" grpId="0" nodeType="withEffect">
                                   <p:stCondLst>
                                     <p:cond delay="0"/>
                                   </p:stCondLst>
@@ -19246,33 +19307,15 @@
                                   </p:childTnLst>
                                 </p:cTn>
                               </p:par>
-                            </p:childTnLst>
-                          </p:cTn>
-                        </p:par>
-                      </p:childTnLst>
-                    </p:cTn>
-                  </p:par>
-                  <p:par>
-                    <p:cTn id="8" fill="hold">
-                      <p:stCondLst>
-                        <p:cond delay="indefinite"/>
-                      </p:stCondLst>
-                      <p:childTnLst>
-                        <p:par>
-                          <p:cTn id="9" fill="hold">
-                            <p:stCondLst>
-                              <p:cond delay="0"/>
-                            </p:stCondLst>
-                            <p:childTnLst>
                               <p:par>
-                                <p:cTn id="10" presetID="4" presetClass="entr" presetSubtype="16" fill="hold" grpId="0" nodeType="clickEffect">
+                                <p:cTn id="8" presetID="4" presetClass="entr" presetSubtype="16" fill="hold" grpId="0" nodeType="withEffect">
                                   <p:stCondLst>
                                     <p:cond delay="0"/>
                                   </p:stCondLst>
                                   <p:childTnLst>
                                     <p:set>
                                       <p:cBhvr>
-                                        <p:cTn id="11" dur="1" fill="hold">
+                                        <p:cTn id="9" dur="1" fill="hold">
                                           <p:stCondLst>
                                             <p:cond delay="0"/>
                                           </p:stCondLst>
@@ -19290,7 +19333,7 @@
                                     </p:set>
                                     <p:animEffect transition="in" filter="box(in)">
                                       <p:cBhvr>
-                                        <p:cTn id="12" dur="500"/>
+                                        <p:cTn id="10" dur="500"/>
                                         <p:tgtEl>
                                           <p:spTgt spid="35"/>
                                         </p:tgtEl>
@@ -19300,14 +19343,14 @@
                                 </p:cTn>
                               </p:par>
                               <p:par>
-                                <p:cTn id="13" presetID="4" presetClass="entr" presetSubtype="16" fill="hold" grpId="0" nodeType="withEffect">
+                                <p:cTn id="11" presetID="4" presetClass="entr" presetSubtype="16" fill="hold" grpId="0" nodeType="withEffect">
                                   <p:stCondLst>
                                     <p:cond delay="0"/>
                                   </p:stCondLst>
                                   <p:childTnLst>
                                     <p:set>
                                       <p:cBhvr>
-                                        <p:cTn id="14" dur="1" fill="hold">
+                                        <p:cTn id="12" dur="1" fill="hold">
                                           <p:stCondLst>
                                             <p:cond delay="0"/>
                                           </p:stCondLst>
@@ -19325,7 +19368,7 @@
                                     </p:set>
                                     <p:animEffect transition="in" filter="box(in)">
                                       <p:cBhvr>
-                                        <p:cTn id="15" dur="500"/>
+                                        <p:cTn id="13" dur="500"/>
                                         <p:tgtEl>
                                           <p:spTgt spid="24"/>
                                         </p:tgtEl>
@@ -19335,14 +19378,14 @@
                                 </p:cTn>
                               </p:par>
                               <p:par>
-                                <p:cTn id="16" presetID="4" presetClass="entr" presetSubtype="16" fill="hold" grpId="0" nodeType="withEffect">
+                                <p:cTn id="14" presetID="4" presetClass="entr" presetSubtype="16" fill="hold" grpId="0" nodeType="withEffect">
                                   <p:stCondLst>
                                     <p:cond delay="0"/>
                                   </p:stCondLst>
                                   <p:childTnLst>
                                     <p:set>
                                       <p:cBhvr>
-                                        <p:cTn id="17" dur="1" fill="hold">
+                                        <p:cTn id="15" dur="1" fill="hold">
                                           <p:stCondLst>
                                             <p:cond delay="0"/>
                                           </p:stCondLst>
@@ -19360,7 +19403,7 @@
                                     </p:set>
                                     <p:animEffect transition="in" filter="box(in)">
                                       <p:cBhvr>
-                                        <p:cTn id="18" dur="500"/>
+                                        <p:cTn id="16" dur="500"/>
                                         <p:tgtEl>
                                           <p:spTgt spid="38"/>
                                         </p:tgtEl>
@@ -19376,26 +19419,26 @@
                     </p:cTn>
                   </p:par>
                   <p:par>
-                    <p:cTn id="19" fill="hold">
+                    <p:cTn id="17" fill="hold">
                       <p:stCondLst>
                         <p:cond delay="indefinite"/>
                       </p:stCondLst>
                       <p:childTnLst>
                         <p:par>
-                          <p:cTn id="20" fill="hold">
+                          <p:cTn id="18" fill="hold">
                             <p:stCondLst>
                               <p:cond delay="0"/>
                             </p:stCondLst>
                             <p:childTnLst>
                               <p:par>
-                                <p:cTn id="21" presetID="4" presetClass="entr" presetSubtype="16" fill="hold" grpId="0" nodeType="clickEffect">
+                                <p:cTn id="19" presetID="4" presetClass="entr" presetSubtype="16" fill="hold" grpId="0" nodeType="clickEffect">
                                   <p:stCondLst>
                                     <p:cond delay="0"/>
                                   </p:stCondLst>
                                   <p:childTnLst>
                                     <p:set>
                                       <p:cBhvr>
-                                        <p:cTn id="22" dur="1" fill="hold">
+                                        <p:cTn id="20" dur="1" fill="hold">
                                           <p:stCondLst>
                                             <p:cond delay="0"/>
                                           </p:stCondLst>
@@ -19413,7 +19456,7 @@
                                     </p:set>
                                     <p:animEffect transition="in" filter="box(in)">
                                       <p:cBhvr>
-                                        <p:cTn id="23" dur="500"/>
+                                        <p:cTn id="21" dur="500"/>
                                         <p:tgtEl>
                                           <p:spTgt spid="26"/>
                                         </p:tgtEl>
@@ -19423,14 +19466,14 @@
                                 </p:cTn>
                               </p:par>
                               <p:par>
-                                <p:cTn id="24" presetID="4" presetClass="entr" presetSubtype="16" fill="hold" grpId="0" nodeType="withEffect">
+                                <p:cTn id="22" presetID="4" presetClass="entr" presetSubtype="16" fill="hold" grpId="0" nodeType="withEffect">
                                   <p:stCondLst>
                                     <p:cond delay="0"/>
                                   </p:stCondLst>
                                   <p:childTnLst>
                                     <p:set>
                                       <p:cBhvr>
-                                        <p:cTn id="25" dur="1" fill="hold">
+                                        <p:cTn id="23" dur="1" fill="hold">
                                           <p:stCondLst>
                                             <p:cond delay="0"/>
                                           </p:stCondLst>
@@ -19448,7 +19491,7 @@
                                     </p:set>
                                     <p:animEffect transition="in" filter="box(in)">
                                       <p:cBhvr>
-                                        <p:cTn id="26" dur="500"/>
+                                        <p:cTn id="24" dur="500"/>
                                         <p:tgtEl>
                                           <p:spTgt spid="34"/>
                                         </p:tgtEl>
@@ -19464,26 +19507,26 @@
                     </p:cTn>
                   </p:par>
                   <p:par>
-                    <p:cTn id="27" fill="hold">
+                    <p:cTn id="25" fill="hold">
                       <p:stCondLst>
                         <p:cond delay="indefinite"/>
                       </p:stCondLst>
                       <p:childTnLst>
                         <p:par>
-                          <p:cTn id="28" fill="hold">
+                          <p:cTn id="26" fill="hold">
                             <p:stCondLst>
                               <p:cond delay="0"/>
                             </p:stCondLst>
                             <p:childTnLst>
                               <p:par>
-                                <p:cTn id="29" presetID="4" presetClass="entr" presetSubtype="16" fill="hold" grpId="0" nodeType="clickEffect">
+                                <p:cTn id="27" presetID="4" presetClass="entr" presetSubtype="16" fill="hold" grpId="0" nodeType="clickEffect">
                                   <p:stCondLst>
                                     <p:cond delay="0"/>
                                   </p:stCondLst>
                                   <p:childTnLst>
                                     <p:set>
                                       <p:cBhvr>
-                                        <p:cTn id="30" dur="1" fill="hold">
+                                        <p:cTn id="28" dur="1" fill="hold">
                                           <p:stCondLst>
                                             <p:cond delay="0"/>
                                           </p:stCondLst>
@@ -19501,7 +19544,7 @@
                                     </p:set>
                                     <p:animEffect transition="in" filter="box(in)">
                                       <p:cBhvr>
-                                        <p:cTn id="31" dur="500"/>
+                                        <p:cTn id="29" dur="500"/>
                                         <p:tgtEl>
                                           <p:spTgt spid="27"/>
                                         </p:tgtEl>
@@ -19517,26 +19560,26 @@
                     </p:cTn>
                   </p:par>
                   <p:par>
-                    <p:cTn id="32" fill="hold">
+                    <p:cTn id="30" fill="hold">
                       <p:stCondLst>
                         <p:cond delay="indefinite"/>
                       </p:stCondLst>
                       <p:childTnLst>
                         <p:par>
-                          <p:cTn id="33" fill="hold">
+                          <p:cTn id="31" fill="hold">
                             <p:stCondLst>
                               <p:cond delay="0"/>
                             </p:stCondLst>
                             <p:childTnLst>
                               <p:par>
-                                <p:cTn id="34" presetID="4" presetClass="entr" presetSubtype="16" fill="hold" grpId="0" nodeType="clickEffect">
+                                <p:cTn id="32" presetID="4" presetClass="entr" presetSubtype="16" fill="hold" grpId="0" nodeType="clickEffect">
                                   <p:stCondLst>
                                     <p:cond delay="0"/>
                                   </p:stCondLst>
                                   <p:childTnLst>
                                     <p:set>
                                       <p:cBhvr>
-                                        <p:cTn id="35" dur="1" fill="hold">
+                                        <p:cTn id="33" dur="1" fill="hold">
                                           <p:stCondLst>
                                             <p:cond delay="0"/>
                                           </p:stCondLst>
@@ -19554,7 +19597,7 @@
                                     </p:set>
                                     <p:animEffect transition="in" filter="box(in)">
                                       <p:cBhvr>
-                                        <p:cTn id="36" dur="500"/>
+                                        <p:cTn id="34" dur="500"/>
                                         <p:tgtEl>
                                           <p:spTgt spid="9"/>
                                         </p:tgtEl>
@@ -19564,14 +19607,14 @@
                                 </p:cTn>
                               </p:par>
                               <p:par>
-                                <p:cTn id="37" presetID="4" presetClass="entr" presetSubtype="16" fill="hold" grpId="0" nodeType="withEffect">
+                                <p:cTn id="35" presetID="4" presetClass="entr" presetSubtype="16" fill="hold" grpId="0" nodeType="withEffect">
                                   <p:stCondLst>
                                     <p:cond delay="0"/>
                                   </p:stCondLst>
                                   <p:childTnLst>
                                     <p:set>
                                       <p:cBhvr>
-                                        <p:cTn id="38" dur="1" fill="hold">
+                                        <p:cTn id="36" dur="1" fill="hold">
                                           <p:stCondLst>
                                             <p:cond delay="0"/>
                                           </p:stCondLst>
@@ -19589,7 +19632,7 @@
                                     </p:set>
                                     <p:animEffect transition="in" filter="box(in)">
                                       <p:cBhvr>
-                                        <p:cTn id="39" dur="500"/>
+                                        <p:cTn id="37" dur="500"/>
                                         <p:tgtEl>
                                           <p:spTgt spid="30"/>
                                         </p:tgtEl>
@@ -19605,26 +19648,26 @@
                     </p:cTn>
                   </p:par>
                   <p:par>
-                    <p:cTn id="40" fill="hold">
+                    <p:cTn id="38" fill="hold">
                       <p:stCondLst>
                         <p:cond delay="indefinite"/>
                       </p:stCondLst>
                       <p:childTnLst>
                         <p:par>
-                          <p:cTn id="41" fill="hold">
+                          <p:cTn id="39" fill="hold">
                             <p:stCondLst>
                               <p:cond delay="0"/>
                             </p:stCondLst>
                             <p:childTnLst>
                               <p:par>
-                                <p:cTn id="42" presetID="4" presetClass="entr" presetSubtype="16" fill="hold" grpId="0" nodeType="clickEffect">
+                                <p:cTn id="40" presetID="4" presetClass="entr" presetSubtype="16" fill="hold" grpId="0" nodeType="clickEffect">
                                   <p:stCondLst>
                                     <p:cond delay="0"/>
                                   </p:stCondLst>
                                   <p:childTnLst>
                                     <p:set>
                                       <p:cBhvr>
-                                        <p:cTn id="43" dur="1" fill="hold">
+                                        <p:cTn id="41" dur="1" fill="hold">
                                           <p:stCondLst>
                                             <p:cond delay="0"/>
                                           </p:stCondLst>
@@ -19642,7 +19685,7 @@
                                     </p:set>
                                     <p:animEffect transition="in" filter="box(in)">
                                       <p:cBhvr>
-                                        <p:cTn id="44" dur="500"/>
+                                        <p:cTn id="42" dur="500"/>
                                         <p:tgtEl>
                                           <p:spTgt spid="32"/>
                                         </p:tgtEl>
@@ -19652,14 +19695,14 @@
                                 </p:cTn>
                               </p:par>
                               <p:par>
-                                <p:cTn id="45" presetID="4" presetClass="entr" presetSubtype="16" fill="hold" grpId="0" nodeType="withEffect">
+                                <p:cTn id="43" presetID="4" presetClass="entr" presetSubtype="16" fill="hold" grpId="0" nodeType="withEffect">
                                   <p:stCondLst>
                                     <p:cond delay="0"/>
                                   </p:stCondLst>
                                   <p:childTnLst>
                                     <p:set>
                                       <p:cBhvr>
-                                        <p:cTn id="46" dur="1" fill="hold">
+                                        <p:cTn id="44" dur="1" fill="hold">
                                           <p:stCondLst>
                                             <p:cond delay="0"/>
                                           </p:stCondLst>
@@ -19677,7 +19720,7 @@
                                     </p:set>
                                     <p:animEffect transition="in" filter="box(in)">
                                       <p:cBhvr>
-                                        <p:cTn id="47" dur="500"/>
+                                        <p:cTn id="45" dur="500"/>
                                         <p:tgtEl>
                                           <p:spTgt spid="28"/>
                                         </p:tgtEl>
@@ -19686,33 +19729,15 @@
                                   </p:childTnLst>
                                 </p:cTn>
                               </p:par>
-                            </p:childTnLst>
-                          </p:cTn>
-                        </p:par>
-                      </p:childTnLst>
-                    </p:cTn>
-                  </p:par>
-                  <p:par>
-                    <p:cTn id="48" fill="hold">
-                      <p:stCondLst>
-                        <p:cond delay="indefinite"/>
-                      </p:stCondLst>
-                      <p:childTnLst>
-                        <p:par>
-                          <p:cTn id="49" fill="hold">
-                            <p:stCondLst>
-                              <p:cond delay="0"/>
-                            </p:stCondLst>
-                            <p:childTnLst>
                               <p:par>
-                                <p:cTn id="50" presetID="4" presetClass="entr" presetSubtype="16" fill="hold" grpId="0" nodeType="clickEffect">
+                                <p:cTn id="46" presetID="4" presetClass="entr" presetSubtype="16" fill="hold" grpId="0" nodeType="withEffect">
                                   <p:stCondLst>
                                     <p:cond delay="0"/>
                                   </p:stCondLst>
                                   <p:childTnLst>
                                     <p:set>
                                       <p:cBhvr>
-                                        <p:cTn id="51" dur="1" fill="hold">
+                                        <p:cTn id="47" dur="1" fill="hold">
                                           <p:stCondLst>
                                             <p:cond delay="0"/>
                                           </p:stCondLst>
@@ -19730,7 +19755,7 @@
                                     </p:set>
                                     <p:animEffect transition="in" filter="box(in)">
                                       <p:cBhvr>
-                                        <p:cTn id="52" dur="500"/>
+                                        <p:cTn id="48" dur="500"/>
                                         <p:tgtEl>
                                           <p:spTgt spid="25"/>
                                         </p:tgtEl>
@@ -19740,14 +19765,14 @@
                                 </p:cTn>
                               </p:par>
                               <p:par>
-                                <p:cTn id="53" presetID="4" presetClass="entr" presetSubtype="16" fill="hold" grpId="0" nodeType="withEffect">
+                                <p:cTn id="49" presetID="4" presetClass="entr" presetSubtype="16" fill="hold" grpId="0" nodeType="withEffect">
                                   <p:stCondLst>
                                     <p:cond delay="0"/>
                                   </p:stCondLst>
                                   <p:childTnLst>
                                     <p:set>
                                       <p:cBhvr>
-                                        <p:cTn id="54" dur="1" fill="hold">
+                                        <p:cTn id="50" dur="1" fill="hold">
                                           <p:stCondLst>
                                             <p:cond delay="0"/>
                                           </p:stCondLst>
@@ -19765,7 +19790,7 @@
                                     </p:set>
                                     <p:animEffect transition="in" filter="box(in)">
                                       <p:cBhvr>
-                                        <p:cTn id="55" dur="500"/>
+                                        <p:cTn id="51" dur="500"/>
                                         <p:tgtEl>
                                           <p:spTgt spid="36"/>
                                         </p:tgtEl>
@@ -21057,6 +21082,41 @@
                                   </p:childTnLst>
                                 </p:cTn>
                               </p:par>
+                              <p:par>
+                                <p:cTn id="45" presetID="10" presetClass="entr" presetSubtype="0" fill="hold" grpId="0" nodeType="withEffect">
+                                  <p:stCondLst>
+                                    <p:cond delay="0"/>
+                                  </p:stCondLst>
+                                  <p:childTnLst>
+                                    <p:set>
+                                      <p:cBhvr>
+                                        <p:cTn id="46" dur="1" fill="hold">
+                                          <p:stCondLst>
+                                            <p:cond delay="0"/>
+                                          </p:stCondLst>
+                                        </p:cTn>
+                                        <p:tgtEl>
+                                          <p:spTgt spid="28"/>
+                                        </p:tgtEl>
+                                        <p:attrNameLst>
+                                          <p:attrName>style.visibility</p:attrName>
+                                        </p:attrNameLst>
+                                      </p:cBhvr>
+                                      <p:to>
+                                        <p:strVal val="visible"/>
+                                      </p:to>
+                                    </p:set>
+                                    <p:animEffect transition="in" filter="fade">
+                                      <p:cBhvr>
+                                        <p:cTn id="47" dur="500"/>
+                                        <p:tgtEl>
+                                          <p:spTgt spid="28"/>
+                                        </p:tgtEl>
+                                      </p:cBhvr>
+                                    </p:animEffect>
+                                  </p:childTnLst>
+                                </p:cTn>
+                              </p:par>
                             </p:childTnLst>
                           </p:cTn>
                         </p:par>
@@ -21064,54 +21124,19 @@
                     </p:cTn>
                   </p:par>
                   <p:par>
-                    <p:cTn id="45" fill="hold">
+                    <p:cTn id="48" fill="hold">
                       <p:stCondLst>
                         <p:cond delay="indefinite"/>
                       </p:stCondLst>
                       <p:childTnLst>
                         <p:par>
-                          <p:cTn id="46" fill="hold">
+                          <p:cTn id="49" fill="hold">
                             <p:stCondLst>
                               <p:cond delay="0"/>
                             </p:stCondLst>
                             <p:childTnLst>
                               <p:par>
-                                <p:cTn id="47" presetID="10" presetClass="entr" presetSubtype="0" fill="hold" grpId="0" nodeType="clickEffect">
-                                  <p:stCondLst>
-                                    <p:cond delay="0"/>
-                                  </p:stCondLst>
-                                  <p:childTnLst>
-                                    <p:set>
-                                      <p:cBhvr>
-                                        <p:cTn id="48" dur="1" fill="hold">
-                                          <p:stCondLst>
-                                            <p:cond delay="0"/>
-                                          </p:stCondLst>
-                                        </p:cTn>
-                                        <p:tgtEl>
-                                          <p:spTgt spid="33"/>
-                                        </p:tgtEl>
-                                        <p:attrNameLst>
-                                          <p:attrName>style.visibility</p:attrName>
-                                        </p:attrNameLst>
-                                      </p:cBhvr>
-                                      <p:to>
-                                        <p:strVal val="visible"/>
-                                      </p:to>
-                                    </p:set>
-                                    <p:animEffect transition="in" filter="fade">
-                                      <p:cBhvr>
-                                        <p:cTn id="49" dur="500"/>
-                                        <p:tgtEl>
-                                          <p:spTgt spid="33"/>
-                                        </p:tgtEl>
-                                      </p:cBhvr>
-                                    </p:animEffect>
-                                  </p:childTnLst>
-                                </p:cTn>
-                              </p:par>
-                              <p:par>
-                                <p:cTn id="50" presetID="10" presetClass="entr" presetSubtype="0" fill="hold" grpId="0" nodeType="withEffect">
+                                <p:cTn id="50" presetID="10" presetClass="entr" presetSubtype="0" fill="hold" grpId="0" nodeType="clickEffect">
                                   <p:stCondLst>
                                     <p:cond delay="0"/>
                                   </p:stCondLst>
@@ -21124,7 +21149,7 @@
                                           </p:stCondLst>
                                         </p:cTn>
                                         <p:tgtEl>
-                                          <p:spTgt spid="30"/>
+                                          <p:spTgt spid="33"/>
                                         </p:tgtEl>
                                         <p:attrNameLst>
                                           <p:attrName>style.visibility</p:attrName>
@@ -21138,7 +21163,7 @@
                                       <p:cBhvr>
                                         <p:cTn id="52" dur="500"/>
                                         <p:tgtEl>
-                                          <p:spTgt spid="30"/>
+                                          <p:spTgt spid="33"/>
                                         </p:tgtEl>
                                       </p:cBhvr>
                                     </p:animEffect>
@@ -21159,7 +21184,7 @@
                                           </p:stCondLst>
                                         </p:cTn>
                                         <p:tgtEl>
-                                          <p:spTgt spid="28"/>
+                                          <p:spTgt spid="30"/>
                                         </p:tgtEl>
                                         <p:attrNameLst>
                                           <p:attrName>style.visibility</p:attrName>
@@ -21173,7 +21198,7 @@
                                       <p:cBhvr>
                                         <p:cTn id="55" dur="500"/>
                                         <p:tgtEl>
-                                          <p:spTgt spid="28"/>
+                                          <p:spTgt spid="30"/>
                                         </p:tgtEl>
                                       </p:cBhvr>
                                     </p:animEffect>

--- a/Introduction to ASP.NET MVC - Denver Dev Days/Introduction to ASP.NET MVC.pptx
+++ b/Introduction to ASP.NET MVC - Denver Dev Days/Introduction to ASP.NET MVC.pptx
@@ -258,7 +258,7 @@
             <a:fld id="{116FDD2B-5F3E-4BAA-8799-250E930C1A78}" type="datetimeFigureOut">
               <a:rPr lang="en-US" smtClean="0"/>
               <a:pPr/>
-              <a:t>6/8/2014</a:t>
+              <a:t>6/9/2014</a:t>
             </a:fld>
             <a:endParaRPr lang="en-US" dirty="0"/>
           </a:p>
@@ -425,7 +425,7 @@
             <a:fld id="{000840EB-3B85-44A9-AB37-E1CBD018F808}" type="datetimeFigureOut">
               <a:rPr lang="en-US" smtClean="0"/>
               <a:pPr/>
-              <a:t>6/8/2014</a:t>
+              <a:t>6/9/2014</a:t>
             </a:fld>
             <a:endParaRPr lang="en-US" dirty="0"/>
           </a:p>
@@ -2464,7 +2464,7 @@
             <a:fld id="{B4FD9BEE-04D3-43BF-B337-0CE7DEE4C162}" type="datetimeFigureOut">
               <a:rPr lang="en-US" smtClean="0"/>
               <a:pPr/>
-              <a:t>6/8/2014</a:t>
+              <a:t>6/9/2014</a:t>
             </a:fld>
             <a:endParaRPr lang="en-US" dirty="0"/>
           </a:p>
@@ -2643,7 +2643,7 @@
             <a:fld id="{B4FD9BEE-04D3-43BF-B337-0CE7DEE4C162}" type="datetimeFigureOut">
               <a:rPr lang="en-US" smtClean="0"/>
               <a:pPr/>
-              <a:t>6/8/2014</a:t>
+              <a:t>6/9/2014</a:t>
             </a:fld>
             <a:endParaRPr lang="en-US" dirty="0"/>
           </a:p>
@@ -2825,7 +2825,7 @@
             <a:fld id="{B4FD9BEE-04D3-43BF-B337-0CE7DEE4C162}" type="datetimeFigureOut">
               <a:rPr lang="en-US" smtClean="0"/>
               <a:pPr/>
-              <a:t>6/8/2014</a:t>
+              <a:t>6/9/2014</a:t>
             </a:fld>
             <a:endParaRPr lang="en-US" dirty="0"/>
           </a:p>
@@ -3008,7 +3008,7 @@
             <a:fld id="{B4FD9BEE-04D3-43BF-B337-0CE7DEE4C162}" type="datetimeFigureOut">
               <a:rPr lang="en-US" smtClean="0"/>
               <a:pPr/>
-              <a:t>6/8/2014</a:t>
+              <a:t>6/9/2014</a:t>
             </a:fld>
             <a:endParaRPr lang="en-US" dirty="0"/>
           </a:p>
@@ -3263,7 +3263,7 @@
             <a:fld id="{B4FD9BEE-04D3-43BF-B337-0CE7DEE4C162}" type="datetimeFigureOut">
               <a:rPr lang="en-US" smtClean="0"/>
               <a:pPr/>
-              <a:t>6/8/2014</a:t>
+              <a:t>6/9/2014</a:t>
             </a:fld>
             <a:endParaRPr lang="en-US" dirty="0"/>
           </a:p>
@@ -3504,7 +3504,7 @@
             <a:fld id="{B4FD9BEE-04D3-43BF-B337-0CE7DEE4C162}" type="datetimeFigureOut">
               <a:rPr lang="en-US" smtClean="0"/>
               <a:pPr/>
-              <a:t>6/8/2014</a:t>
+              <a:t>6/9/2014</a:t>
             </a:fld>
             <a:endParaRPr lang="en-US" dirty="0"/>
           </a:p>
@@ -3880,7 +3880,7 @@
             <a:fld id="{B4FD9BEE-04D3-43BF-B337-0CE7DEE4C162}" type="datetimeFigureOut">
               <a:rPr lang="en-US" smtClean="0"/>
               <a:pPr/>
-              <a:t>6/8/2014</a:t>
+              <a:t>6/9/2014</a:t>
             </a:fld>
             <a:endParaRPr lang="en-US" dirty="0"/>
           </a:p>
@@ -4000,7 +4000,7 @@
             <a:fld id="{B4FD9BEE-04D3-43BF-B337-0CE7DEE4C162}" type="datetimeFigureOut">
               <a:rPr lang="en-US" smtClean="0"/>
               <a:pPr/>
-              <a:t>6/8/2014</a:t>
+              <a:t>6/9/2014</a:t>
             </a:fld>
             <a:endParaRPr lang="en-US" dirty="0"/>
           </a:p>
@@ -4104,7 +4104,7 @@
             <a:fld id="{B4FD9BEE-04D3-43BF-B337-0CE7DEE4C162}" type="datetimeFigureOut">
               <a:rPr lang="en-US" smtClean="0"/>
               <a:pPr/>
-              <a:t>6/8/2014</a:t>
+              <a:t>6/9/2014</a:t>
             </a:fld>
             <a:endParaRPr lang="en-US" dirty="0"/>
           </a:p>
@@ -4390,7 +4390,7 @@
             <a:fld id="{B4FD9BEE-04D3-43BF-B337-0CE7DEE4C162}" type="datetimeFigureOut">
               <a:rPr lang="en-US" smtClean="0"/>
               <a:pPr/>
-              <a:t>6/8/2014</a:t>
+              <a:t>6/9/2014</a:t>
             </a:fld>
             <a:endParaRPr lang="en-US" dirty="0"/>
           </a:p>
@@ -4645,7 +4645,7 @@
             <a:fld id="{B4FD9BEE-04D3-43BF-B337-0CE7DEE4C162}" type="datetimeFigureOut">
               <a:rPr lang="en-US" smtClean="0"/>
               <a:pPr/>
-              <a:t>6/8/2014</a:t>
+              <a:t>6/9/2014</a:t>
             </a:fld>
             <a:endParaRPr lang="en-US" dirty="0"/>
           </a:p>
@@ -4860,7 +4860,7 @@
             <a:fld id="{B4FD9BEE-04D3-43BF-B337-0CE7DEE4C162}" type="datetimeFigureOut">
               <a:rPr lang="en-US" smtClean="0"/>
               <a:pPr/>
-              <a:t>6/8/2014</a:t>
+              <a:t>6/9/2014</a:t>
             </a:fld>
             <a:endParaRPr lang="en-US" dirty="0"/>
           </a:p>
@@ -5747,11 +5747,7 @@
             </a:r>
             <a:r>
               <a:rPr lang="en-US" sz="2400" dirty="0" smtClean="0"/>
-              <a:t> </a:t>
-            </a:r>
-            <a:r>
-              <a:rPr lang="en-US" sz="2400" dirty="0" smtClean="0"/>
-              <a:t>or @</a:t>
+              <a:t> or @</a:t>
             </a:r>
             <a:r>
               <a:rPr lang="en-US" sz="2400" dirty="0" err="1" smtClean="0"/>
@@ -7643,11 +7639,7 @@
             </a:r>
             <a:r>
               <a:rPr lang="en-US" dirty="0" smtClean="0"/>
-              <a:t>, which is a dynamic </a:t>
-            </a:r>
-            <a:r>
-              <a:rPr lang="en-US" dirty="0" smtClean="0"/>
-              <a:t>type</a:t>
+              <a:t>, which is a dynamic type</a:t>
             </a:r>
           </a:p>
           <a:p>
@@ -7666,23 +7658,14 @@
               <a:rPr lang="en-US" dirty="0" smtClean="0"/>
               <a:t>[“something”] for single-use values</a:t>
             </a:r>
+          </a:p>
+          <a:p>
             <a:endParaRPr lang="en-US" dirty="0" smtClean="0"/>
           </a:p>
           <a:p>
-            <a:endParaRPr lang="en-US" dirty="0" smtClean="0"/>
-          </a:p>
-          <a:p>
             <a:r>
               <a:rPr lang="en-US" dirty="0" smtClean="0"/>
-              <a:t>Data to display in the </a:t>
-            </a:r>
-            <a:r>
-              <a:rPr lang="en-US" dirty="0" smtClean="0"/>
-              <a:t>View and data </a:t>
-            </a:r>
-            <a:r>
-              <a:rPr lang="en-US" dirty="0" smtClean="0"/>
-              <a:t>posted from the View back to the Controller</a:t>
+              <a:t>Data to display in the View and data posted from the View back to the Controller</a:t>
             </a:r>
           </a:p>
           <a:p>
@@ -9399,11 +9382,7 @@
             <a:pPr algn="ctr"/>
             <a:r>
               <a:rPr lang="en-US" sz="4000" dirty="0" smtClean="0"/>
-              <a:t>Demo – </a:t>
-            </a:r>
-            <a:r>
-              <a:rPr lang="en-US" sz="4000" dirty="0" smtClean="0"/>
-              <a:t>Security</a:t>
+              <a:t>Demo – Security</a:t>
             </a:r>
             <a:endParaRPr lang="en-US" sz="4000" dirty="0">
               <a:latin typeface="Trebuchet MS" pitchFamily="34" charset="0"/>
@@ -11560,32 +11539,16 @@
           <a:p>
             <a:r>
               <a:rPr lang="en-US" sz="2400" dirty="0" smtClean="0"/>
-              <a:t>Easier to </a:t>
-            </a:r>
+              <a:t>Easier to manipulate DOM with JavaScript and jQuery</a:t>
+            </a:r>
+          </a:p>
+          <a:p>
+            <a:endParaRPr lang="en-US" sz="2400" dirty="0" smtClean="0"/>
+          </a:p>
+          <a:p>
             <a:r>
               <a:rPr lang="en-US" sz="2400" dirty="0" smtClean="0"/>
-              <a:t>manipulate DOM with </a:t>
-            </a:r>
-            <a:r>
-              <a:rPr lang="en-US" sz="2400" dirty="0" smtClean="0"/>
-              <a:t>JavaScript and jQuery</a:t>
-            </a:r>
-          </a:p>
-          <a:p>
-            <a:endParaRPr lang="en-US" sz="2400" dirty="0" smtClean="0"/>
-          </a:p>
-          <a:p>
-            <a:r>
-              <a:rPr lang="en-US" sz="2400" dirty="0" smtClean="0"/>
-              <a:t>Easier to build </a:t>
-            </a:r>
-            <a:r>
-              <a:rPr lang="en-US" sz="2400" dirty="0" smtClean="0"/>
-              <a:t>accessible, Section </a:t>
-            </a:r>
-            <a:r>
-              <a:rPr lang="en-US" sz="2400" dirty="0" smtClean="0"/>
-              <a:t>508 compliant sites</a:t>
+              <a:t>Easier to build accessible, Section 508 compliant sites</a:t>
             </a:r>
           </a:p>
         </p:txBody>
@@ -15254,8 +15217,25 @@
           </a:p>
           <a:p>
             <a:r>
+              <a:rPr lang="en-US" sz="2600" dirty="0"/>
+              <a:t>Consistent look with a Layout </a:t>
+            </a:r>
+            <a:r>
               <a:rPr lang="en-US" sz="2600" dirty="0" smtClean="0"/>
-              <a:t>Model binding, server-side validation</a:t>
+              <a:t>page</a:t>
+            </a:r>
+          </a:p>
+          <a:p>
+            <a:endParaRPr lang="en-US" sz="2600" dirty="0"/>
+          </a:p>
+          <a:p>
+            <a:r>
+              <a:rPr lang="en-US" sz="2600" dirty="0" smtClean="0"/>
+              <a:t>Model </a:t>
+            </a:r>
+            <a:r>
+              <a:rPr lang="en-US" sz="2600" dirty="0" smtClean="0"/>
+              <a:t>binding, server-side validation</a:t>
             </a:r>
           </a:p>
           <a:p>
@@ -15264,18 +15244,13 @@
           <a:p>
             <a:r>
               <a:rPr lang="en-US" sz="2600" dirty="0" smtClean="0"/>
-              <a:t>Easy to send data from the server with the view</a:t>
-            </a:r>
-          </a:p>
-          <a:p>
+              <a:t>Easy to send data from the server with the </a:t>
+            </a:r>
+            <a:r>
+              <a:rPr lang="en-US" sz="2600" dirty="0" smtClean="0"/>
+              <a:t>view</a:t>
+            </a:r>
             <a:endParaRPr lang="en-US" sz="2600" dirty="0" smtClean="0"/>
-          </a:p>
-          <a:p>
-            <a:r>
-              <a:rPr lang="en-US" sz="2600" dirty="0" smtClean="0"/>
-              <a:t>Consistent look with a Layout page</a:t>
-            </a:r>
-            <a:endParaRPr lang="en-US" sz="2600" dirty="0"/>
           </a:p>
         </p:txBody>
       </p:sp>

--- a/Introduction to ASP.NET MVC - Denver Dev Days/Introduction to ASP.NET MVC.pptx
+++ b/Introduction to ASP.NET MVC - Denver Dev Days/Introduction to ASP.NET MVC.pptx
@@ -5,45 +5,46 @@
     <p:sldMasterId id="2147483972" r:id="rId1"/>
   </p:sldMasterIdLst>
   <p:notesMasterIdLst>
-    <p:notesMasterId r:id="rId35"/>
+    <p:notesMasterId r:id="rId36"/>
   </p:notesMasterIdLst>
   <p:handoutMasterIdLst>
-    <p:handoutMasterId r:id="rId36"/>
+    <p:handoutMasterId r:id="rId37"/>
   </p:handoutMasterIdLst>
   <p:sldIdLst>
-    <p:sldId id="256" r:id="rId2"/>
-    <p:sldId id="280" r:id="rId3"/>
-    <p:sldId id="293" r:id="rId4"/>
-    <p:sldId id="294" r:id="rId5"/>
-    <p:sldId id="261" r:id="rId6"/>
-    <p:sldId id="282" r:id="rId7"/>
-    <p:sldId id="283" r:id="rId8"/>
-    <p:sldId id="284" r:id="rId9"/>
-    <p:sldId id="299" r:id="rId10"/>
-    <p:sldId id="297" r:id="rId11"/>
-    <p:sldId id="298" r:id="rId12"/>
-    <p:sldId id="279" r:id="rId13"/>
-    <p:sldId id="290" r:id="rId14"/>
-    <p:sldId id="291" r:id="rId15"/>
-    <p:sldId id="300" r:id="rId16"/>
-    <p:sldId id="259" r:id="rId17"/>
-    <p:sldId id="260" r:id="rId18"/>
-    <p:sldId id="292" r:id="rId19"/>
-    <p:sldId id="296" r:id="rId20"/>
-    <p:sldId id="301" r:id="rId21"/>
-    <p:sldId id="302" r:id="rId22"/>
-    <p:sldId id="303" r:id="rId23"/>
-    <p:sldId id="262" r:id="rId24"/>
-    <p:sldId id="276" r:id="rId25"/>
-    <p:sldId id="277" r:id="rId26"/>
-    <p:sldId id="285" r:id="rId27"/>
-    <p:sldId id="286" r:id="rId28"/>
-    <p:sldId id="287" r:id="rId29"/>
-    <p:sldId id="288" r:id="rId30"/>
-    <p:sldId id="289" r:id="rId31"/>
-    <p:sldId id="264" r:id="rId32"/>
-    <p:sldId id="295" r:id="rId33"/>
-    <p:sldId id="258" r:id="rId34"/>
+    <p:sldId id="304" r:id="rId2"/>
+    <p:sldId id="256" r:id="rId3"/>
+    <p:sldId id="280" r:id="rId4"/>
+    <p:sldId id="293" r:id="rId5"/>
+    <p:sldId id="294" r:id="rId6"/>
+    <p:sldId id="261" r:id="rId7"/>
+    <p:sldId id="282" r:id="rId8"/>
+    <p:sldId id="283" r:id="rId9"/>
+    <p:sldId id="284" r:id="rId10"/>
+    <p:sldId id="299" r:id="rId11"/>
+    <p:sldId id="297" r:id="rId12"/>
+    <p:sldId id="298" r:id="rId13"/>
+    <p:sldId id="279" r:id="rId14"/>
+    <p:sldId id="290" r:id="rId15"/>
+    <p:sldId id="291" r:id="rId16"/>
+    <p:sldId id="300" r:id="rId17"/>
+    <p:sldId id="259" r:id="rId18"/>
+    <p:sldId id="260" r:id="rId19"/>
+    <p:sldId id="292" r:id="rId20"/>
+    <p:sldId id="296" r:id="rId21"/>
+    <p:sldId id="301" r:id="rId22"/>
+    <p:sldId id="302" r:id="rId23"/>
+    <p:sldId id="303" r:id="rId24"/>
+    <p:sldId id="262" r:id="rId25"/>
+    <p:sldId id="276" r:id="rId26"/>
+    <p:sldId id="277" r:id="rId27"/>
+    <p:sldId id="285" r:id="rId28"/>
+    <p:sldId id="286" r:id="rId29"/>
+    <p:sldId id="287" r:id="rId30"/>
+    <p:sldId id="288" r:id="rId31"/>
+    <p:sldId id="289" r:id="rId32"/>
+    <p:sldId id="264" r:id="rId33"/>
+    <p:sldId id="295" r:id="rId34"/>
+    <p:sldId id="258" r:id="rId35"/>
   </p:sldIdLst>
   <p:sldSz cx="9144000" cy="6858000" type="screen4x3"/>
   <p:notesSz cx="6858000" cy="9144000"/>
@@ -258,7 +259,7 @@
             <a:fld id="{116FDD2B-5F3E-4BAA-8799-250E930C1A78}" type="datetimeFigureOut">
               <a:rPr lang="en-US" smtClean="0"/>
               <a:pPr/>
-              <a:t>6/9/2014</a:t>
+              <a:t>6/12/2014</a:t>
             </a:fld>
             <a:endParaRPr lang="en-US" dirty="0"/>
           </a:p>
@@ -425,7 +426,7 @@
             <a:fld id="{000840EB-3B85-44A9-AB37-E1CBD018F808}" type="datetimeFigureOut">
               <a:rPr lang="en-US" smtClean="0"/>
               <a:pPr/>
-              <a:t>6/9/2014</a:t>
+              <a:t>6/12/2014</a:t>
             </a:fld>
             <a:endParaRPr lang="en-US" dirty="0"/>
           </a:p>
@@ -762,7 +763,7 @@
             <a:fld id="{A53BD44F-18A8-46C3-8E60-05A8A5D6CFFD}" type="slidenum">
               <a:rPr lang="en-US" smtClean="0"/>
               <a:pPr/>
-              <a:t>1</a:t>
+              <a:t>2</a:t>
             </a:fld>
             <a:endParaRPr lang="en-US" dirty="0"/>
           </a:p>
@@ -853,7 +854,7 @@
                 </a:solidFill>
               </a:rPr>
               <a:pPr/>
-              <a:t>14</a:t>
+              <a:t>15</a:t>
             </a:fld>
             <a:endParaRPr lang="en-US" dirty="0">
               <a:solidFill>
@@ -948,7 +949,7 @@
                 </a:solidFill>
               </a:rPr>
               <a:pPr/>
-              <a:t>15</a:t>
+              <a:t>16</a:t>
             </a:fld>
             <a:endParaRPr lang="en-US" dirty="0">
               <a:solidFill>
@@ -1043,7 +1044,7 @@
                 </a:solidFill>
               </a:rPr>
               <a:pPr/>
-              <a:t>18</a:t>
+              <a:t>19</a:t>
             </a:fld>
             <a:endParaRPr lang="en-US" dirty="0">
               <a:solidFill>
@@ -1134,7 +1135,7 @@
             <a:fld id="{A53BD44F-18A8-46C3-8E60-05A8A5D6CFFD}" type="slidenum">
               <a:rPr lang="en-US" smtClean="0"/>
               <a:pPr/>
-              <a:t>21</a:t>
+              <a:t>22</a:t>
             </a:fld>
             <a:endParaRPr lang="en-US" dirty="0"/>
           </a:p>
@@ -1221,7 +1222,7 @@
             <a:fld id="{A53BD44F-18A8-46C3-8E60-05A8A5D6CFFD}" type="slidenum">
               <a:rPr lang="en-US" smtClean="0"/>
               <a:pPr/>
-              <a:t>26</a:t>
+              <a:t>27</a:t>
             </a:fld>
             <a:endParaRPr lang="en-US" dirty="0"/>
           </a:p>
@@ -1308,7 +1309,7 @@
             <a:fld id="{A53BD44F-18A8-46C3-8E60-05A8A5D6CFFD}" type="slidenum">
               <a:rPr lang="en-US" smtClean="0"/>
               <a:pPr/>
-              <a:t>27</a:t>
+              <a:t>28</a:t>
             </a:fld>
             <a:endParaRPr lang="en-US" dirty="0"/>
           </a:p>
@@ -1395,7 +1396,7 @@
             <a:fld id="{A53BD44F-18A8-46C3-8E60-05A8A5D6CFFD}" type="slidenum">
               <a:rPr lang="en-US" smtClean="0"/>
               <a:pPr/>
-              <a:t>28</a:t>
+              <a:t>29</a:t>
             </a:fld>
             <a:endParaRPr lang="en-US" dirty="0"/>
           </a:p>
@@ -1482,7 +1483,7 @@
             <a:fld id="{A53BD44F-18A8-46C3-8E60-05A8A5D6CFFD}" type="slidenum">
               <a:rPr lang="en-US" smtClean="0"/>
               <a:pPr/>
-              <a:t>29</a:t>
+              <a:t>30</a:t>
             </a:fld>
             <a:endParaRPr lang="en-US" dirty="0"/>
           </a:p>
@@ -1569,7 +1570,7 @@
             <a:fld id="{A53BD44F-18A8-46C3-8E60-05A8A5D6CFFD}" type="slidenum">
               <a:rPr lang="en-US" smtClean="0"/>
               <a:pPr/>
-              <a:t>30</a:t>
+              <a:t>31</a:t>
             </a:fld>
             <a:endParaRPr lang="en-US" dirty="0"/>
           </a:p>
@@ -1660,7 +1661,7 @@
                 </a:solidFill>
               </a:rPr>
               <a:pPr/>
-              <a:t>3</a:t>
+              <a:t>4</a:t>
             </a:fld>
             <a:endParaRPr lang="en-US" dirty="0">
               <a:solidFill>
@@ -1755,7 +1756,7 @@
                 </a:solidFill>
               </a:rPr>
               <a:pPr/>
-              <a:t>4</a:t>
+              <a:t>5</a:t>
             </a:fld>
             <a:endParaRPr lang="en-US" dirty="0">
               <a:solidFill>
@@ -1846,7 +1847,7 @@
             <a:fld id="{A53BD44F-18A8-46C3-8E60-05A8A5D6CFFD}" type="slidenum">
               <a:rPr lang="en-US" smtClean="0"/>
               <a:pPr/>
-              <a:t>5</a:t>
+              <a:t>6</a:t>
             </a:fld>
             <a:endParaRPr lang="en-US" dirty="0"/>
           </a:p>
@@ -1937,7 +1938,7 @@
                 </a:solidFill>
               </a:rPr>
               <a:pPr/>
-              <a:t>6</a:t>
+              <a:t>7</a:t>
             </a:fld>
             <a:endParaRPr lang="en-US" dirty="0">
               <a:solidFill>
@@ -2032,7 +2033,7 @@
                 </a:solidFill>
               </a:rPr>
               <a:pPr/>
-              <a:t>7</a:t>
+              <a:t>8</a:t>
             </a:fld>
             <a:endParaRPr lang="en-US" dirty="0">
               <a:solidFill>
@@ -2127,7 +2128,7 @@
                 </a:solidFill>
               </a:rPr>
               <a:pPr/>
-              <a:t>8</a:t>
+              <a:t>9</a:t>
             </a:fld>
             <a:endParaRPr lang="en-US" dirty="0">
               <a:solidFill>
@@ -2218,7 +2219,7 @@
             <a:fld id="{A53BD44F-18A8-46C3-8E60-05A8A5D6CFFD}" type="slidenum">
               <a:rPr lang="en-US" smtClean="0"/>
               <a:pPr/>
-              <a:t>12</a:t>
+              <a:t>13</a:t>
             </a:fld>
             <a:endParaRPr lang="en-US" dirty="0"/>
           </a:p>
@@ -2309,7 +2310,7 @@
                 </a:solidFill>
               </a:rPr>
               <a:pPr/>
-              <a:t>13</a:t>
+              <a:t>14</a:t>
             </a:fld>
             <a:endParaRPr lang="en-US" dirty="0">
               <a:solidFill>
@@ -2464,7 +2465,7 @@
             <a:fld id="{B4FD9BEE-04D3-43BF-B337-0CE7DEE4C162}" type="datetimeFigureOut">
               <a:rPr lang="en-US" smtClean="0"/>
               <a:pPr/>
-              <a:t>6/9/2014</a:t>
+              <a:t>6/12/2014</a:t>
             </a:fld>
             <a:endParaRPr lang="en-US" dirty="0"/>
           </a:p>
@@ -2643,7 +2644,7 @@
             <a:fld id="{B4FD9BEE-04D3-43BF-B337-0CE7DEE4C162}" type="datetimeFigureOut">
               <a:rPr lang="en-US" smtClean="0"/>
               <a:pPr/>
-              <a:t>6/9/2014</a:t>
+              <a:t>6/12/2014</a:t>
             </a:fld>
             <a:endParaRPr lang="en-US" dirty="0"/>
           </a:p>
@@ -2825,7 +2826,7 @@
             <a:fld id="{B4FD9BEE-04D3-43BF-B337-0CE7DEE4C162}" type="datetimeFigureOut">
               <a:rPr lang="en-US" smtClean="0"/>
               <a:pPr/>
-              <a:t>6/9/2014</a:t>
+              <a:t>6/12/2014</a:t>
             </a:fld>
             <a:endParaRPr lang="en-US" dirty="0"/>
           </a:p>
@@ -3008,7 +3009,7 @@
             <a:fld id="{B4FD9BEE-04D3-43BF-B337-0CE7DEE4C162}" type="datetimeFigureOut">
               <a:rPr lang="en-US" smtClean="0"/>
               <a:pPr/>
-              <a:t>6/9/2014</a:t>
+              <a:t>6/12/2014</a:t>
             </a:fld>
             <a:endParaRPr lang="en-US" dirty="0"/>
           </a:p>
@@ -3263,7 +3264,7 @@
             <a:fld id="{B4FD9BEE-04D3-43BF-B337-0CE7DEE4C162}" type="datetimeFigureOut">
               <a:rPr lang="en-US" smtClean="0"/>
               <a:pPr/>
-              <a:t>6/9/2014</a:t>
+              <a:t>6/12/2014</a:t>
             </a:fld>
             <a:endParaRPr lang="en-US" dirty="0"/>
           </a:p>
@@ -3504,7 +3505,7 @@
             <a:fld id="{B4FD9BEE-04D3-43BF-B337-0CE7DEE4C162}" type="datetimeFigureOut">
               <a:rPr lang="en-US" smtClean="0"/>
               <a:pPr/>
-              <a:t>6/9/2014</a:t>
+              <a:t>6/12/2014</a:t>
             </a:fld>
             <a:endParaRPr lang="en-US" dirty="0"/>
           </a:p>
@@ -3880,7 +3881,7 @@
             <a:fld id="{B4FD9BEE-04D3-43BF-B337-0CE7DEE4C162}" type="datetimeFigureOut">
               <a:rPr lang="en-US" smtClean="0"/>
               <a:pPr/>
-              <a:t>6/9/2014</a:t>
+              <a:t>6/12/2014</a:t>
             </a:fld>
             <a:endParaRPr lang="en-US" dirty="0"/>
           </a:p>
@@ -4000,7 +4001,7 @@
             <a:fld id="{B4FD9BEE-04D3-43BF-B337-0CE7DEE4C162}" type="datetimeFigureOut">
               <a:rPr lang="en-US" smtClean="0"/>
               <a:pPr/>
-              <a:t>6/9/2014</a:t>
+              <a:t>6/12/2014</a:t>
             </a:fld>
             <a:endParaRPr lang="en-US" dirty="0"/>
           </a:p>
@@ -4104,7 +4105,7 @@
             <a:fld id="{B4FD9BEE-04D3-43BF-B337-0CE7DEE4C162}" type="datetimeFigureOut">
               <a:rPr lang="en-US" smtClean="0"/>
               <a:pPr/>
-              <a:t>6/9/2014</a:t>
+              <a:t>6/12/2014</a:t>
             </a:fld>
             <a:endParaRPr lang="en-US" dirty="0"/>
           </a:p>
@@ -4390,7 +4391,7 @@
             <a:fld id="{B4FD9BEE-04D3-43BF-B337-0CE7DEE4C162}" type="datetimeFigureOut">
               <a:rPr lang="en-US" smtClean="0"/>
               <a:pPr/>
-              <a:t>6/9/2014</a:t>
+              <a:t>6/12/2014</a:t>
             </a:fld>
             <a:endParaRPr lang="en-US" dirty="0"/>
           </a:p>
@@ -4645,7 +4646,7 @@
             <a:fld id="{B4FD9BEE-04D3-43BF-B337-0CE7DEE4C162}" type="datetimeFigureOut">
               <a:rPr lang="en-US" smtClean="0"/>
               <a:pPr/>
-              <a:t>6/9/2014</a:t>
+              <a:t>6/12/2014</a:t>
             </a:fld>
             <a:endParaRPr lang="en-US" dirty="0"/>
           </a:p>
@@ -4860,7 +4861,7 @@
             <a:fld id="{B4FD9BEE-04D3-43BF-B337-0CE7DEE4C162}" type="datetimeFigureOut">
               <a:rPr lang="en-US" smtClean="0"/>
               <a:pPr/>
-              <a:t>6/9/2014</a:t>
+              <a:t>6/12/2014</a:t>
             </a:fld>
             <a:endParaRPr lang="en-US" dirty="0"/>
           </a:p>
@@ -5257,16 +5258,8 @@
 </file>
 
 <file path=ppt/slides/slide1.xml><?xml version="1.0" encoding="utf-8"?>
-<p:sld xmlns:a="http://schemas.openxmlformats.org/drawingml/2006/main" xmlns:r="http://schemas.openxmlformats.org/officeDocument/2006/relationships" xmlns:p="http://schemas.openxmlformats.org/presentationml/2006/main" showMasterSp="0">
+<p:sld xmlns:a="http://schemas.openxmlformats.org/drawingml/2006/main" xmlns:r="http://schemas.openxmlformats.org/officeDocument/2006/relationships" xmlns:p="http://schemas.openxmlformats.org/presentationml/2006/main">
   <p:cSld>
-    <p:bg>
-      <p:bgPr>
-        <a:solidFill>
-          <a:schemeClr val="bg1"/>
-        </a:solidFill>
-        <a:effectLst/>
-      </p:bgPr>
-    </p:bg>
     <p:spTree>
       <p:nvGrpSpPr>
         <p:cNvPr id="1" name=""/>
@@ -5283,194 +5276,1179 @@
       </p:grpSpPr>
       <p:sp>
         <p:nvSpPr>
-          <p:cNvPr id="2" name="Title 1"/>
-          <p:cNvSpPr>
-            <a:spLocks noGrp="1"/>
-          </p:cNvSpPr>
-          <p:nvPr>
-            <p:ph type="ctrTitle"/>
-          </p:nvPr>
-        </p:nvSpPr>
-        <p:spPr/>
-        <p:txBody>
-          <a:bodyPr/>
-          <a:lstStyle/>
-          <a:p>
-            <a:r>
-              <a:rPr lang="en-US" dirty="0" smtClean="0"/>
-              <a:t>Introduction to </a:t>
-            </a:r>
-            <a:br>
-              <a:rPr lang="en-US" dirty="0" smtClean="0"/>
-            </a:br>
-            <a:r>
-              <a:rPr lang="en-US" dirty="0" smtClean="0"/>
-              <a:t>ASP.NET MVC</a:t>
-            </a:r>
-            <a:endParaRPr lang="en-US" dirty="0"/>
-          </a:p>
-        </p:txBody>
-      </p:sp>
-      <p:sp>
-        <p:nvSpPr>
-          <p:cNvPr id="3" name="Subtitle 2"/>
-          <p:cNvSpPr>
-            <a:spLocks noGrp="1"/>
-          </p:cNvSpPr>
-          <p:nvPr>
-            <p:ph type="subTitle" idx="1"/>
-          </p:nvPr>
-        </p:nvSpPr>
-        <p:spPr/>
-        <p:txBody>
-          <a:bodyPr>
-            <a:normAutofit/>
-          </a:bodyPr>
-          <a:lstStyle/>
-          <a:p>
-            <a:r>
-              <a:rPr lang="en-US" sz="2100" dirty="0" smtClean="0"/>
-              <a:t>Joe Wilson,</a:t>
-            </a:r>
-          </a:p>
-          <a:p>
-            <a:r>
-              <a:rPr lang="en-US" sz="2100" dirty="0" smtClean="0"/>
-              <a:t>Volare Systems, Inc.</a:t>
-            </a:r>
-            <a:endParaRPr lang="en-US" sz="2100" dirty="0"/>
-          </a:p>
-        </p:txBody>
-      </p:sp>
-      <p:pic>
-        <p:nvPicPr>
-          <p:cNvPr id="4" name="Picture 3" descr="Logo_175px_High.jpg"/>
-          <p:cNvPicPr>
-            <a:picLocks noChangeAspect="1"/>
-          </p:cNvPicPr>
+          <p:cNvPr id="2" name="Rectangle 1"/>
+          <p:cNvSpPr/>
           <p:nvPr/>
-        </p:nvPicPr>
-        <p:blipFill>
-          <a:blip r:embed="rId3" cstate="print"/>
-          <a:stretch>
-            <a:fillRect/>
-          </a:stretch>
-        </p:blipFill>
+        </p:nvSpPr>
         <p:spPr>
           <a:xfrm>
-            <a:off x="609600" y="5181600"/>
-            <a:ext cx="1447800" cy="1021632"/>
+            <a:off x="0" y="0"/>
+            <a:ext cx="9144000" cy="6858000"/>
+          </a:xfrm>
+          <a:prstGeom prst="rect">
+            <a:avLst/>
+          </a:prstGeom>
+          <a:solidFill>
+            <a:schemeClr val="tx1"/>
+          </a:solidFill>
+        </p:spPr>
+        <p:style>
+          <a:lnRef idx="2">
+            <a:schemeClr val="accent1">
+              <a:shade val="50000"/>
+            </a:schemeClr>
+          </a:lnRef>
+          <a:fillRef idx="1">
+            <a:schemeClr val="accent1"/>
+          </a:fillRef>
+          <a:effectRef idx="0">
+            <a:schemeClr val="accent1"/>
+          </a:effectRef>
+          <a:fontRef idx="minor">
+            <a:schemeClr val="lt1"/>
+          </a:fontRef>
+        </p:style>
+        <p:txBody>
+          <a:bodyPr rtlCol="0" anchor="ctr"/>
+          <a:lstStyle/>
+          <a:p>
+            <a:pPr algn="ctr"/>
+            <a:endParaRPr lang="en-US"/>
+          </a:p>
+        </p:txBody>
+      </p:sp>
+      <p:sp>
+        <p:nvSpPr>
+          <p:cNvPr id="10" name="Title 1"/>
+          <p:cNvSpPr txBox="1">
+            <a:spLocks/>
+          </p:cNvSpPr>
+          <p:nvPr/>
+        </p:nvSpPr>
+        <p:spPr>
+          <a:xfrm>
+            <a:off x="3367317" y="860778"/>
+            <a:ext cx="5548081" cy="975346"/>
           </a:xfrm>
           <a:prstGeom prst="rect">
             <a:avLst/>
           </a:prstGeom>
         </p:spPr>
-      </p:pic>
-      <p:sp>
-        <p:nvSpPr>
-          <p:cNvPr id="14337" name="Rectangle 1"/>
-          <p:cNvSpPr>
-            <a:spLocks noChangeArrowheads="1"/>
-          </p:cNvSpPr>
+        <p:txBody>
+          <a:bodyPr vert="horz" lIns="91440" tIns="45720" rIns="91440" bIns="45720" rtlCol="0" anchor="ctr">
+            <a:noAutofit/>
+          </a:bodyPr>
+          <a:lstStyle>
+            <a:lvl1pPr algn="ctr" defTabSz="914400" rtl="0" eaLnBrk="1" latinLnBrk="0" hangingPunct="1">
+              <a:spcBef>
+                <a:spcPct val="0"/>
+              </a:spcBef>
+              <a:buNone/>
+              <a:defRPr sz="4400" kern="1200">
+                <a:solidFill>
+                  <a:schemeClr val="tx1"/>
+                </a:solidFill>
+                <a:latin typeface="+mj-lt"/>
+                <a:ea typeface="+mj-ea"/>
+                <a:cs typeface="+mj-cs"/>
+              </a:defRPr>
+            </a:lvl1pPr>
+          </a:lstStyle>
+          <a:p>
+            <a:pPr algn="r"/>
+            <a:r>
+              <a:rPr lang="en-US" sz="3200" dirty="0" smtClean="0">
+                <a:solidFill>
+                  <a:schemeClr val="bg1"/>
+                </a:solidFill>
+                <a:latin typeface="Segoe UI Light" panose="020B0502040204020203" pitchFamily="34" charset="0"/>
+              </a:rPr>
+              <a:t>ASP.Net edition</a:t>
+            </a:r>
+          </a:p>
+          <a:p>
+            <a:pPr algn="r"/>
+            <a:r>
+              <a:rPr lang="en-US" sz="2400" dirty="0">
+                <a:solidFill>
+                  <a:schemeClr val="bg1"/>
+                </a:solidFill>
+                <a:latin typeface="Segoe UI Light" panose="020B0502040204020203" pitchFamily="34" charset="0"/>
+              </a:rPr>
+              <a:t>s</a:t>
+            </a:r>
+            <a:r>
+              <a:rPr lang="en-US" sz="2400" dirty="0" smtClean="0">
+                <a:solidFill>
+                  <a:schemeClr val="bg1"/>
+                </a:solidFill>
+                <a:latin typeface="Segoe UI Light" panose="020B0502040204020203" pitchFamily="34" charset="0"/>
+              </a:rPr>
+              <a:t>ee you in the fall for our next edition</a:t>
+            </a:r>
+            <a:endParaRPr lang="en-US" sz="2400" dirty="0">
+              <a:solidFill>
+                <a:schemeClr val="bg1"/>
+              </a:solidFill>
+              <a:latin typeface="Segoe UI Light" panose="020B0502040204020203" pitchFamily="34" charset="0"/>
+            </a:endParaRPr>
+          </a:p>
+        </p:txBody>
+      </p:sp>
+      <p:pic>
+        <p:nvPicPr>
+          <p:cNvPr id="15" name="Picture 3" descr="C:\Users\Chris\CAW\DVSUG\WebSiteInfo\Images\DenverDevDay 2014 Medium.png"/>
+          <p:cNvPicPr>
+            <a:picLocks noChangeAspect="1" noChangeArrowheads="1"/>
+          </p:cNvPicPr>
           <p:nvPr/>
-        </p:nvSpPr>
+        </p:nvPicPr>
+        <p:blipFill>
+          <a:blip r:embed="rId2">
+            <a:extLst>
+              <a:ext uri="{28A0092B-C50C-407E-A947-70E740481C1C}">
+                <a14:useLocalDpi xmlns:a14="http://schemas.microsoft.com/office/drawing/2010/main" val="0"/>
+              </a:ext>
+            </a:extLst>
+          </a:blip>
+          <a:srcRect/>
+          <a:stretch>
+            <a:fillRect/>
+          </a:stretch>
+        </p:blipFill>
         <p:spPr bwMode="auto">
           <a:xfrm>
-            <a:off x="3505200" y="5410200"/>
-            <a:ext cx="5105400" cy="738664"/>
+            <a:off x="217966" y="312124"/>
+            <a:ext cx="3048000" cy="1524000"/>
           </a:xfrm>
           <a:prstGeom prst="rect">
             <a:avLst/>
           </a:prstGeom>
           <a:noFill/>
-          <a:ln w="9525">
+          <a:extLst>
+            <a:ext uri="{909E8E84-426E-40DD-AFC4-6F175D3DCCD1}">
+              <a14:hiddenFill xmlns:a14="http://schemas.microsoft.com/office/drawing/2010/main">
+                <a:solidFill>
+                  <a:srgbClr val="FFFFFF"/>
+                </a:solidFill>
+              </a14:hiddenFill>
+            </a:ext>
+          </a:extLst>
+        </p:spPr>
+      </p:pic>
+      <p:sp>
+        <p:nvSpPr>
+          <p:cNvPr id="17" name="Text Placeholder 3"/>
+          <p:cNvSpPr txBox="1">
+            <a:spLocks/>
+          </p:cNvSpPr>
+          <p:nvPr/>
+        </p:nvSpPr>
+        <p:spPr>
+          <a:xfrm>
+            <a:off x="206818" y="4512735"/>
+            <a:ext cx="8716290" cy="821266"/>
+          </a:xfrm>
+          <a:prstGeom prst="rect">
+            <a:avLst/>
+          </a:prstGeom>
+          <a:solidFill>
+            <a:srgbClr val="003366"/>
+          </a:solidFill>
+        </p:spPr>
+        <p:txBody>
+          <a:bodyPr vert="horz" wrap="square" lIns="91440" tIns="120481" rIns="91440" bIns="120481" rtlCol="0" anchor="t" anchorCtr="0">
+            <a:noAutofit/>
+          </a:bodyPr>
+          <a:lstStyle>
+            <a:defPPr>
+              <a:defRPr lang="en-US"/>
+            </a:defPPr>
+            <a:lvl1pPr marL="0" indent="0" algn="l" defTabSz="914400" rtl="0" eaLnBrk="1" latinLnBrk="0" hangingPunct="1">
+              <a:spcBef>
+                <a:spcPts val="1008"/>
+              </a:spcBef>
+              <a:buClr>
+                <a:schemeClr val="tx1"/>
+              </a:buClr>
+              <a:buFont typeface="Wingdings" pitchFamily="2" charset="2"/>
+              <a:buNone/>
+              <a:defRPr sz="3300" kern="1200">
+                <a:solidFill>
+                  <a:schemeClr val="bg1"/>
+                </a:solidFill>
+                <a:latin typeface="+mn-lt"/>
+                <a:ea typeface="+mn-ea"/>
+                <a:cs typeface="+mn-cs"/>
+              </a:defRPr>
+            </a:lvl1pPr>
+            <a:lvl2pPr marL="0" indent="0" algn="l" defTabSz="914400" rtl="0" eaLnBrk="1" latinLnBrk="0" hangingPunct="1">
+              <a:spcBef>
+                <a:spcPts val="889"/>
+              </a:spcBef>
+              <a:buNone/>
+              <a:defRPr sz="1600" kern="1200">
+                <a:solidFill>
+                  <a:schemeClr val="bg1"/>
+                </a:solidFill>
+                <a:latin typeface="+mn-lt"/>
+                <a:ea typeface="+mn-ea"/>
+                <a:cs typeface="+mn-cs"/>
+              </a:defRPr>
+            </a:lvl2pPr>
+            <a:lvl3pPr marL="190774" indent="0" algn="l" defTabSz="914400" rtl="0" eaLnBrk="1" latinLnBrk="0" hangingPunct="1">
+              <a:buNone/>
+              <a:tabLst/>
+              <a:defRPr sz="1600" kern="1200">
+                <a:solidFill>
+                  <a:schemeClr val="bg1"/>
+                </a:solidFill>
+                <a:latin typeface="+mn-lt"/>
+                <a:ea typeface="+mn-ea"/>
+                <a:cs typeface="+mn-cs"/>
+              </a:defRPr>
+            </a:lvl3pPr>
+            <a:lvl4pPr marL="378934" indent="0" algn="l" defTabSz="914400" rtl="0" eaLnBrk="1" latinLnBrk="0" hangingPunct="1">
+              <a:buNone/>
+              <a:defRPr sz="1800" kern="1200">
+                <a:solidFill>
+                  <a:schemeClr val="bg1"/>
+                </a:solidFill>
+                <a:latin typeface="+mn-lt"/>
+                <a:ea typeface="+mn-ea"/>
+                <a:cs typeface="+mn-cs"/>
+              </a:defRPr>
+            </a:lvl4pPr>
+            <a:lvl5pPr marL="564482" indent="0" algn="l" defTabSz="914400" rtl="0" eaLnBrk="1" latinLnBrk="0" hangingPunct="1">
+              <a:buNone/>
+              <a:tabLst/>
+              <a:defRPr sz="1800" kern="1200">
+                <a:solidFill>
+                  <a:schemeClr val="bg1"/>
+                </a:solidFill>
+                <a:latin typeface="+mn-lt"/>
+                <a:ea typeface="+mn-ea"/>
+                <a:cs typeface="+mn-cs"/>
+              </a:defRPr>
+            </a:lvl5pPr>
+            <a:lvl6pPr marL="2286000" algn="l" defTabSz="914400" rtl="0" eaLnBrk="1" latinLnBrk="0" hangingPunct="1">
+              <a:defRPr sz="1800" kern="1200">
+                <a:solidFill>
+                  <a:schemeClr val="tx1"/>
+                </a:solidFill>
+                <a:latin typeface="+mn-lt"/>
+                <a:ea typeface="+mn-ea"/>
+                <a:cs typeface="+mn-cs"/>
+              </a:defRPr>
+            </a:lvl6pPr>
+            <a:lvl7pPr marL="2743200" algn="l" defTabSz="914400" rtl="0" eaLnBrk="1" latinLnBrk="0" hangingPunct="1">
+              <a:defRPr sz="1800" kern="1200">
+                <a:solidFill>
+                  <a:schemeClr val="tx1"/>
+                </a:solidFill>
+                <a:latin typeface="+mn-lt"/>
+                <a:ea typeface="+mn-ea"/>
+                <a:cs typeface="+mn-cs"/>
+              </a:defRPr>
+            </a:lvl7pPr>
+            <a:lvl8pPr marL="3200400" algn="l" defTabSz="914400" rtl="0" eaLnBrk="1" latinLnBrk="0" hangingPunct="1">
+              <a:defRPr sz="1800" kern="1200">
+                <a:solidFill>
+                  <a:schemeClr val="tx1"/>
+                </a:solidFill>
+                <a:latin typeface="+mn-lt"/>
+                <a:ea typeface="+mn-ea"/>
+                <a:cs typeface="+mn-cs"/>
+              </a:defRPr>
+            </a:lvl8pPr>
+            <a:lvl9pPr marL="3657600" algn="l" defTabSz="914400" rtl="0" eaLnBrk="1" latinLnBrk="0" hangingPunct="1">
+              <a:defRPr sz="1800" kern="1200">
+                <a:solidFill>
+                  <a:schemeClr val="tx1"/>
+                </a:solidFill>
+                <a:latin typeface="+mn-lt"/>
+                <a:ea typeface="+mn-ea"/>
+                <a:cs typeface="+mn-cs"/>
+              </a:defRPr>
+            </a:lvl9pPr>
+          </a:lstStyle>
+          <a:p>
+            <a:pPr>
+              <a:buClr>
+                <a:prstClr val="white"/>
+              </a:buClr>
+            </a:pPr>
+            <a:endParaRPr lang="en-US" sz="3200" dirty="0" smtClean="0">
+              <a:solidFill>
+                <a:prstClr val="white"/>
+              </a:solidFill>
+              <a:latin typeface="Segoe UI Light" panose="020B0502040204020203" pitchFamily="34" charset="0"/>
+            </a:endParaRPr>
+          </a:p>
+        </p:txBody>
+      </p:sp>
+      <p:grpSp>
+        <p:nvGrpSpPr>
+          <p:cNvPr id="6" name="Group 5"/>
+          <p:cNvGrpSpPr/>
+          <p:nvPr/>
+        </p:nvGrpSpPr>
+        <p:grpSpPr>
+          <a:xfrm>
+            <a:off x="209640" y="2120500"/>
+            <a:ext cx="8713468" cy="2146700"/>
+            <a:chOff x="209640" y="2120500"/>
+            <a:chExt cx="8713468" cy="2146700"/>
+          </a:xfrm>
+          <a:solidFill>
+            <a:srgbClr val="003366"/>
+          </a:solidFill>
+        </p:grpSpPr>
+        <p:sp>
+          <p:nvSpPr>
+            <p:cNvPr id="11" name="Text Placeholder 3"/>
+            <p:cNvSpPr txBox="1">
+              <a:spLocks/>
+            </p:cNvSpPr>
+            <p:nvPr/>
+          </p:nvSpPr>
+          <p:spPr>
+            <a:xfrm>
+              <a:off x="209640" y="2120500"/>
+              <a:ext cx="8713468" cy="2146700"/>
+            </a:xfrm>
+            <a:prstGeom prst="rect">
+              <a:avLst/>
+            </a:prstGeom>
+            <a:grpFill/>
+          </p:spPr>
+          <p:txBody>
+            <a:bodyPr vert="horz" wrap="square" lIns="91440" tIns="120481" rIns="91440" bIns="120481" rtlCol="0" anchor="t" anchorCtr="0">
+              <a:noAutofit/>
+            </a:bodyPr>
+            <a:lstStyle>
+              <a:defPPr>
+                <a:defRPr lang="en-US"/>
+              </a:defPPr>
+              <a:lvl1pPr marL="0" indent="0" algn="l" defTabSz="914400" rtl="0" eaLnBrk="1" latinLnBrk="0" hangingPunct="1">
+                <a:spcBef>
+                  <a:spcPts val="1008"/>
+                </a:spcBef>
+                <a:buClr>
+                  <a:schemeClr val="tx1"/>
+                </a:buClr>
+                <a:buFont typeface="Wingdings" pitchFamily="2" charset="2"/>
+                <a:buNone/>
+                <a:defRPr sz="3300" kern="1200">
+                  <a:solidFill>
+                    <a:schemeClr val="bg1"/>
+                  </a:solidFill>
+                  <a:latin typeface="+mn-lt"/>
+                  <a:ea typeface="+mn-ea"/>
+                  <a:cs typeface="+mn-cs"/>
+                </a:defRPr>
+              </a:lvl1pPr>
+              <a:lvl2pPr marL="0" indent="0" algn="l" defTabSz="914400" rtl="0" eaLnBrk="1" latinLnBrk="0" hangingPunct="1">
+                <a:spcBef>
+                  <a:spcPts val="889"/>
+                </a:spcBef>
+                <a:buNone/>
+                <a:defRPr sz="1600" kern="1200">
+                  <a:solidFill>
+                    <a:schemeClr val="bg1"/>
+                  </a:solidFill>
+                  <a:latin typeface="+mn-lt"/>
+                  <a:ea typeface="+mn-ea"/>
+                  <a:cs typeface="+mn-cs"/>
+                </a:defRPr>
+              </a:lvl2pPr>
+              <a:lvl3pPr marL="190774" indent="0" algn="l" defTabSz="914400" rtl="0" eaLnBrk="1" latinLnBrk="0" hangingPunct="1">
+                <a:buNone/>
+                <a:tabLst/>
+                <a:defRPr sz="1600" kern="1200">
+                  <a:solidFill>
+                    <a:schemeClr val="bg1"/>
+                  </a:solidFill>
+                  <a:latin typeface="+mn-lt"/>
+                  <a:ea typeface="+mn-ea"/>
+                  <a:cs typeface="+mn-cs"/>
+                </a:defRPr>
+              </a:lvl3pPr>
+              <a:lvl4pPr marL="378934" indent="0" algn="l" defTabSz="914400" rtl="0" eaLnBrk="1" latinLnBrk="0" hangingPunct="1">
+                <a:buNone/>
+                <a:defRPr sz="1800" kern="1200">
+                  <a:solidFill>
+                    <a:schemeClr val="bg1"/>
+                  </a:solidFill>
+                  <a:latin typeface="+mn-lt"/>
+                  <a:ea typeface="+mn-ea"/>
+                  <a:cs typeface="+mn-cs"/>
+                </a:defRPr>
+              </a:lvl4pPr>
+              <a:lvl5pPr marL="564482" indent="0" algn="l" defTabSz="914400" rtl="0" eaLnBrk="1" latinLnBrk="0" hangingPunct="1">
+                <a:buNone/>
+                <a:tabLst/>
+                <a:defRPr sz="1800" kern="1200">
+                  <a:solidFill>
+                    <a:schemeClr val="bg1"/>
+                  </a:solidFill>
+                  <a:latin typeface="+mn-lt"/>
+                  <a:ea typeface="+mn-ea"/>
+                  <a:cs typeface="+mn-cs"/>
+                </a:defRPr>
+              </a:lvl5pPr>
+              <a:lvl6pPr marL="2286000" algn="l" defTabSz="914400" rtl="0" eaLnBrk="1" latinLnBrk="0" hangingPunct="1">
+                <a:defRPr sz="1800" kern="1200">
+                  <a:solidFill>
+                    <a:schemeClr val="tx1"/>
+                  </a:solidFill>
+                  <a:latin typeface="+mn-lt"/>
+                  <a:ea typeface="+mn-ea"/>
+                  <a:cs typeface="+mn-cs"/>
+                </a:defRPr>
+              </a:lvl6pPr>
+              <a:lvl7pPr marL="2743200" algn="l" defTabSz="914400" rtl="0" eaLnBrk="1" latinLnBrk="0" hangingPunct="1">
+                <a:defRPr sz="1800" kern="1200">
+                  <a:solidFill>
+                    <a:schemeClr val="tx1"/>
+                  </a:solidFill>
+                  <a:latin typeface="+mn-lt"/>
+                  <a:ea typeface="+mn-ea"/>
+                  <a:cs typeface="+mn-cs"/>
+                </a:defRPr>
+              </a:lvl7pPr>
+              <a:lvl8pPr marL="3200400" algn="l" defTabSz="914400" rtl="0" eaLnBrk="1" latinLnBrk="0" hangingPunct="1">
+                <a:defRPr sz="1800" kern="1200">
+                  <a:solidFill>
+                    <a:schemeClr val="tx1"/>
+                  </a:solidFill>
+                  <a:latin typeface="+mn-lt"/>
+                  <a:ea typeface="+mn-ea"/>
+                  <a:cs typeface="+mn-cs"/>
+                </a:defRPr>
+              </a:lvl8pPr>
+              <a:lvl9pPr marL="3657600" algn="l" defTabSz="914400" rtl="0" eaLnBrk="1" latinLnBrk="0" hangingPunct="1">
+                <a:defRPr sz="1800" kern="1200">
+                  <a:solidFill>
+                    <a:schemeClr val="tx1"/>
+                  </a:solidFill>
+                  <a:latin typeface="+mn-lt"/>
+                  <a:ea typeface="+mn-ea"/>
+                  <a:cs typeface="+mn-cs"/>
+                </a:defRPr>
+              </a:lvl9pPr>
+            </a:lstStyle>
+            <a:p>
+              <a:pPr>
+                <a:buClr>
+                  <a:prstClr val="white"/>
+                </a:buClr>
+              </a:pPr>
+              <a:r>
+                <a:rPr lang="en-US" sz="3200" dirty="0" smtClean="0">
+                  <a:solidFill>
+                    <a:prstClr val="white"/>
+                  </a:solidFill>
+                  <a:latin typeface="Segoe UI Light" panose="020B0502040204020203" pitchFamily="34" charset="0"/>
+                </a:rPr>
+                <a:t> your sponsors</a:t>
+              </a:r>
+            </a:p>
+          </p:txBody>
+        </p:sp>
+        <p:pic>
+          <p:nvPicPr>
+            <p:cNvPr id="1026" name="Picture 2" descr="C:\Users\Chris\CAW\DVSUG\WebSiteInfo\Images\Microsoft Azure.png"/>
+            <p:cNvPicPr>
+              <a:picLocks noChangeAspect="1" noChangeArrowheads="1"/>
+            </p:cNvPicPr>
+            <p:nvPr/>
+          </p:nvPicPr>
+          <p:blipFill>
+            <a:blip r:embed="rId3">
+              <a:extLst>
+                <a:ext uri="{28A0092B-C50C-407E-A947-70E740481C1C}">
+                  <a14:useLocalDpi xmlns:a14="http://schemas.microsoft.com/office/drawing/2010/main" val="0"/>
+                </a:ext>
+              </a:extLst>
+            </a:blip>
+            <a:srcRect/>
+            <a:stretch>
+              <a:fillRect/>
+            </a:stretch>
+          </p:blipFill>
+          <p:spPr bwMode="auto">
+            <a:xfrm>
+              <a:off x="381000" y="2880988"/>
+              <a:ext cx="2137291" cy="411017"/>
+            </a:xfrm>
+            <a:prstGeom prst="rect">
+              <a:avLst/>
+            </a:prstGeom>
+            <a:grpFill/>
+            <a:extLst/>
+          </p:spPr>
+        </p:pic>
+        <p:pic>
+          <p:nvPicPr>
+            <p:cNvPr id="1028" name="Picture 4" descr="C:\Users\Chris\CAW\DVSUG\WebSiteInfo\Images\Microsoft New Logo Smaller.png"/>
+            <p:cNvPicPr>
+              <a:picLocks noChangeAspect="1" noChangeArrowheads="1"/>
+            </p:cNvPicPr>
+            <p:nvPr/>
+          </p:nvPicPr>
+          <p:blipFill>
+            <a:blip r:embed="rId4">
+              <a:extLst>
+                <a:ext uri="{28A0092B-C50C-407E-A947-70E740481C1C}">
+                  <a14:useLocalDpi xmlns:a14="http://schemas.microsoft.com/office/drawing/2010/main" val="0"/>
+                </a:ext>
+              </a:extLst>
+            </a:blip>
+            <a:srcRect/>
+            <a:stretch>
+              <a:fillRect/>
+            </a:stretch>
+          </p:blipFill>
+          <p:spPr bwMode="auto">
+            <a:xfrm>
+              <a:off x="3772751" y="2873462"/>
+              <a:ext cx="1604131" cy="417514"/>
+            </a:xfrm>
+            <a:prstGeom prst="rect">
+              <a:avLst/>
+            </a:prstGeom>
+            <a:grpFill/>
+            <a:extLst/>
+          </p:spPr>
+        </p:pic>
+        <p:pic>
+          <p:nvPicPr>
+            <p:cNvPr id="1029" name="Picture 5" descr="C:\Users\Chris\CAW\DVSUG\WebSiteInfo\Images\Pluralsight2014.png"/>
+            <p:cNvPicPr>
+              <a:picLocks noChangeAspect="1" noChangeArrowheads="1"/>
+            </p:cNvPicPr>
+            <p:nvPr/>
+          </p:nvPicPr>
+          <p:blipFill>
+            <a:blip r:embed="rId5">
+              <a:extLst>
+                <a:ext uri="{28A0092B-C50C-407E-A947-70E740481C1C}">
+                  <a14:useLocalDpi xmlns:a14="http://schemas.microsoft.com/office/drawing/2010/main" val="0"/>
+                </a:ext>
+              </a:extLst>
+            </a:blip>
+            <a:srcRect/>
+            <a:stretch>
+              <a:fillRect/>
+            </a:stretch>
+          </p:blipFill>
+          <p:spPr bwMode="auto">
+            <a:xfrm>
+              <a:off x="6848537" y="2896866"/>
+              <a:ext cx="1781175" cy="409575"/>
+            </a:xfrm>
+            <a:prstGeom prst="rect">
+              <a:avLst/>
+            </a:prstGeom>
+            <a:grpFill/>
+            <a:extLst/>
+          </p:spPr>
+        </p:pic>
+        <p:pic>
+          <p:nvPicPr>
+            <p:cNvPr id="1031" name="Picture 7" descr="http://denverdevday.azurewebsites.net/images/PostSharp.png"/>
+            <p:cNvPicPr>
+              <a:picLocks noChangeAspect="1" noChangeArrowheads="1"/>
+            </p:cNvPicPr>
+            <p:nvPr/>
+          </p:nvPicPr>
+          <p:blipFill>
+            <a:blip r:embed="rId6" cstate="print">
+              <a:extLst>
+                <a:ext uri="{28A0092B-C50C-407E-A947-70E740481C1C}">
+                  <a14:useLocalDpi xmlns:a14="http://schemas.microsoft.com/office/drawing/2010/main" val="0"/>
+                </a:ext>
+              </a:extLst>
+            </a:blip>
+            <a:srcRect/>
+            <a:stretch>
+              <a:fillRect/>
+            </a:stretch>
+          </p:blipFill>
+          <p:spPr bwMode="auto">
+            <a:xfrm>
+              <a:off x="5391504" y="3468908"/>
+              <a:ext cx="1906109" cy="419344"/>
+            </a:xfrm>
+            <a:prstGeom prst="rect">
+              <a:avLst/>
+            </a:prstGeom>
+            <a:grpFill/>
+            <a:extLst/>
+          </p:spPr>
+        </p:pic>
+        <p:pic>
+          <p:nvPicPr>
+            <p:cNvPr id="1032" name="Picture 8" descr="C:\Users\Chris\CAW\DVSUG\WebSiteInfo\Images\Syncfusion.png"/>
+            <p:cNvPicPr>
+              <a:picLocks noChangeAspect="1" noChangeArrowheads="1"/>
+            </p:cNvPicPr>
+            <p:nvPr/>
+          </p:nvPicPr>
+          <p:blipFill>
+            <a:blip r:embed="rId7">
+              <a:extLst>
+                <a:ext uri="{28A0092B-C50C-407E-A947-70E740481C1C}">
+                  <a14:useLocalDpi xmlns:a14="http://schemas.microsoft.com/office/drawing/2010/main" val="0"/>
+                </a:ext>
+              </a:extLst>
+            </a:blip>
+            <a:srcRect/>
+            <a:stretch>
+              <a:fillRect/>
+            </a:stretch>
+          </p:blipFill>
+          <p:spPr bwMode="auto">
+            <a:xfrm>
+              <a:off x="422318" y="3481533"/>
+              <a:ext cx="1875472" cy="416772"/>
+            </a:xfrm>
+            <a:prstGeom prst="rect">
+              <a:avLst/>
+            </a:prstGeom>
+            <a:grpFill/>
+            <a:extLst/>
+          </p:spPr>
+        </p:pic>
+        <p:pic>
+          <p:nvPicPr>
+            <p:cNvPr id="1035" name="Picture 11" descr="Sponsor: ineta Logo)"/>
+            <p:cNvPicPr>
+              <a:picLocks noChangeAspect="1" noChangeArrowheads="1"/>
+            </p:cNvPicPr>
+            <p:nvPr/>
+          </p:nvPicPr>
+          <p:blipFill>
+            <a:blip r:embed="rId8">
+              <a:extLst>
+                <a:ext uri="{28A0092B-C50C-407E-A947-70E740481C1C}">
+                  <a14:useLocalDpi xmlns:a14="http://schemas.microsoft.com/office/drawing/2010/main" val="0"/>
+                </a:ext>
+              </a:extLst>
+            </a:blip>
+            <a:srcRect/>
+            <a:stretch>
+              <a:fillRect/>
+            </a:stretch>
+          </p:blipFill>
+          <p:spPr bwMode="auto">
+            <a:xfrm>
+              <a:off x="7672449" y="3464353"/>
+              <a:ext cx="957263" cy="668385"/>
+            </a:xfrm>
+            <a:prstGeom prst="rect">
+              <a:avLst/>
+            </a:prstGeom>
+            <a:grpFill/>
+            <a:extLst/>
+          </p:spPr>
+        </p:pic>
+        <p:pic>
+          <p:nvPicPr>
+            <p:cNvPr id="1036" name="Picture 12" descr="C:\Users\Chris\CAW\DVSUG\WebSiteInfo\Images\infragistics.PNG"/>
+            <p:cNvPicPr>
+              <a:picLocks noChangeAspect="1" noChangeArrowheads="1"/>
+            </p:cNvPicPr>
+            <p:nvPr/>
+          </p:nvPicPr>
+          <p:blipFill>
+            <a:blip r:embed="rId9">
+              <a:extLst>
+                <a:ext uri="{28A0092B-C50C-407E-A947-70E740481C1C}">
+                  <a14:useLocalDpi xmlns:a14="http://schemas.microsoft.com/office/drawing/2010/main" val="0"/>
+                </a:ext>
+              </a:extLst>
+            </a:blip>
+            <a:srcRect/>
+            <a:stretch>
+              <a:fillRect/>
+            </a:stretch>
+          </p:blipFill>
+          <p:spPr bwMode="auto">
+            <a:xfrm>
+              <a:off x="2648382" y="3464353"/>
+              <a:ext cx="2335242" cy="445241"/>
+            </a:xfrm>
+            <a:prstGeom prst="rect">
+              <a:avLst/>
+            </a:prstGeom>
+            <a:grpFill/>
+            <a:extLst/>
+          </p:spPr>
+        </p:pic>
+      </p:grpSp>
+      <p:sp>
+        <p:nvSpPr>
+          <p:cNvPr id="19" name="Text Placeholder 3"/>
+          <p:cNvSpPr txBox="1">
+            <a:spLocks/>
+          </p:cNvSpPr>
+          <p:nvPr/>
+        </p:nvSpPr>
+        <p:spPr>
+          <a:xfrm>
+            <a:off x="217965" y="5571066"/>
+            <a:ext cx="8714232" cy="968022"/>
+          </a:xfrm>
+          <a:prstGeom prst="rect">
+            <a:avLst/>
+          </a:prstGeom>
+          <a:solidFill>
+            <a:srgbClr val="003366"/>
+          </a:solidFill>
+        </p:spPr>
+        <p:txBody>
+          <a:bodyPr vert="horz" wrap="square" lIns="91440" tIns="120481" rIns="91440" bIns="120481" rtlCol="0" anchor="t" anchorCtr="0">
+            <a:noAutofit/>
+          </a:bodyPr>
+          <a:lstStyle>
+            <a:defPPr>
+              <a:defRPr lang="en-US"/>
+            </a:defPPr>
+            <a:lvl1pPr marL="0" indent="0" algn="l" defTabSz="914400" rtl="0" eaLnBrk="1" latinLnBrk="0" hangingPunct="1">
+              <a:spcBef>
+                <a:spcPts val="1008"/>
+              </a:spcBef>
+              <a:buClr>
+                <a:schemeClr val="tx1"/>
+              </a:buClr>
+              <a:buFont typeface="Wingdings" pitchFamily="2" charset="2"/>
+              <a:buNone/>
+              <a:defRPr sz="3300" kern="1200">
+                <a:solidFill>
+                  <a:schemeClr val="bg1"/>
+                </a:solidFill>
+                <a:latin typeface="+mn-lt"/>
+                <a:ea typeface="+mn-ea"/>
+                <a:cs typeface="+mn-cs"/>
+              </a:defRPr>
+            </a:lvl1pPr>
+            <a:lvl2pPr marL="0" indent="0" algn="l" defTabSz="914400" rtl="0" eaLnBrk="1" latinLnBrk="0" hangingPunct="1">
+              <a:spcBef>
+                <a:spcPts val="889"/>
+              </a:spcBef>
+              <a:buNone/>
+              <a:defRPr sz="1600" kern="1200">
+                <a:solidFill>
+                  <a:schemeClr val="bg1"/>
+                </a:solidFill>
+                <a:latin typeface="+mn-lt"/>
+                <a:ea typeface="+mn-ea"/>
+                <a:cs typeface="+mn-cs"/>
+              </a:defRPr>
+            </a:lvl2pPr>
+            <a:lvl3pPr marL="190774" indent="0" algn="l" defTabSz="914400" rtl="0" eaLnBrk="1" latinLnBrk="0" hangingPunct="1">
+              <a:buNone/>
+              <a:tabLst/>
+              <a:defRPr sz="1600" kern="1200">
+                <a:solidFill>
+                  <a:schemeClr val="bg1"/>
+                </a:solidFill>
+                <a:latin typeface="+mn-lt"/>
+                <a:ea typeface="+mn-ea"/>
+                <a:cs typeface="+mn-cs"/>
+              </a:defRPr>
+            </a:lvl3pPr>
+            <a:lvl4pPr marL="378934" indent="0" algn="l" defTabSz="914400" rtl="0" eaLnBrk="1" latinLnBrk="0" hangingPunct="1">
+              <a:buNone/>
+              <a:defRPr sz="1800" kern="1200">
+                <a:solidFill>
+                  <a:schemeClr val="bg1"/>
+                </a:solidFill>
+                <a:latin typeface="+mn-lt"/>
+                <a:ea typeface="+mn-ea"/>
+                <a:cs typeface="+mn-cs"/>
+              </a:defRPr>
+            </a:lvl4pPr>
+            <a:lvl5pPr marL="564482" indent="0" algn="l" defTabSz="914400" rtl="0" eaLnBrk="1" latinLnBrk="0" hangingPunct="1">
+              <a:buNone/>
+              <a:tabLst/>
+              <a:defRPr sz="1800" kern="1200">
+                <a:solidFill>
+                  <a:schemeClr val="bg1"/>
+                </a:solidFill>
+                <a:latin typeface="+mn-lt"/>
+                <a:ea typeface="+mn-ea"/>
+                <a:cs typeface="+mn-cs"/>
+              </a:defRPr>
+            </a:lvl5pPr>
+            <a:lvl6pPr marL="2286000" algn="l" defTabSz="914400" rtl="0" eaLnBrk="1" latinLnBrk="0" hangingPunct="1">
+              <a:defRPr sz="1800" kern="1200">
+                <a:solidFill>
+                  <a:schemeClr val="tx1"/>
+                </a:solidFill>
+                <a:latin typeface="+mn-lt"/>
+                <a:ea typeface="+mn-ea"/>
+                <a:cs typeface="+mn-cs"/>
+              </a:defRPr>
+            </a:lvl6pPr>
+            <a:lvl7pPr marL="2743200" algn="l" defTabSz="914400" rtl="0" eaLnBrk="1" latinLnBrk="0" hangingPunct="1">
+              <a:defRPr sz="1800" kern="1200">
+                <a:solidFill>
+                  <a:schemeClr val="tx1"/>
+                </a:solidFill>
+                <a:latin typeface="+mn-lt"/>
+                <a:ea typeface="+mn-ea"/>
+                <a:cs typeface="+mn-cs"/>
+              </a:defRPr>
+            </a:lvl7pPr>
+            <a:lvl8pPr marL="3200400" algn="l" defTabSz="914400" rtl="0" eaLnBrk="1" latinLnBrk="0" hangingPunct="1">
+              <a:defRPr sz="1800" kern="1200">
+                <a:solidFill>
+                  <a:schemeClr val="tx1"/>
+                </a:solidFill>
+                <a:latin typeface="+mn-lt"/>
+                <a:ea typeface="+mn-ea"/>
+                <a:cs typeface="+mn-cs"/>
+              </a:defRPr>
+            </a:lvl8pPr>
+            <a:lvl9pPr marL="3657600" algn="l" defTabSz="914400" rtl="0" eaLnBrk="1" latinLnBrk="0" hangingPunct="1">
+              <a:defRPr sz="1800" kern="1200">
+                <a:solidFill>
+                  <a:schemeClr val="tx1"/>
+                </a:solidFill>
+                <a:latin typeface="+mn-lt"/>
+                <a:ea typeface="+mn-ea"/>
+                <a:cs typeface="+mn-cs"/>
+              </a:defRPr>
+            </a:lvl9pPr>
+          </a:lstStyle>
+          <a:p>
+            <a:pPr>
+              <a:buClr>
+                <a:prstClr val="white"/>
+              </a:buClr>
+            </a:pPr>
+            <a:endParaRPr lang="en-US" sz="3200" dirty="0" smtClean="0">
+              <a:solidFill>
+                <a:prstClr val="white"/>
+              </a:solidFill>
+              <a:latin typeface="Segoe UI Light" panose="020B0502040204020203" pitchFamily="34" charset="0"/>
+            </a:endParaRPr>
+          </a:p>
+        </p:txBody>
+      </p:sp>
+      <p:grpSp>
+        <p:nvGrpSpPr>
+          <p:cNvPr id="8" name="Group 7"/>
+          <p:cNvGrpSpPr/>
+          <p:nvPr/>
+        </p:nvGrpSpPr>
+        <p:grpSpPr>
+          <a:xfrm>
+            <a:off x="422318" y="5655954"/>
+            <a:ext cx="8302734" cy="775668"/>
+            <a:chOff x="422318" y="5655954"/>
+            <a:chExt cx="8302734" cy="775668"/>
+          </a:xfrm>
+        </p:grpSpPr>
+        <p:pic>
+          <p:nvPicPr>
+            <p:cNvPr id="1038" name="Picture 14" descr="Microsoft BizSpark"/>
+            <p:cNvPicPr>
+              <a:picLocks noChangeAspect="1" noChangeArrowheads="1"/>
+            </p:cNvPicPr>
+            <p:nvPr/>
+          </p:nvPicPr>
+          <p:blipFill>
+            <a:blip r:embed="rId10">
+              <a:extLst>
+                <a:ext uri="{28A0092B-C50C-407E-A947-70E740481C1C}">
+                  <a14:useLocalDpi xmlns:a14="http://schemas.microsoft.com/office/drawing/2010/main" val="0"/>
+                </a:ext>
+              </a:extLst>
+            </a:blip>
+            <a:srcRect/>
+            <a:stretch>
+              <a:fillRect/>
+            </a:stretch>
+          </p:blipFill>
+          <p:spPr bwMode="auto">
+            <a:xfrm>
+              <a:off x="422318" y="5655954"/>
+              <a:ext cx="1565183" cy="775668"/>
+            </a:xfrm>
+            <a:prstGeom prst="rect">
+              <a:avLst/>
+            </a:prstGeom>
             <a:noFill/>
-            <a:miter lim="800000"/>
-            <a:headEnd/>
-            <a:tailEnd/>
-          </a:ln>
-          <a:effectLst/>
-        </p:spPr>
-        <p:txBody>
-          <a:bodyPr vert="horz" wrap="square" lIns="91440" tIns="45720" rIns="91440" bIns="45720" numCol="1" anchor="ctr" anchorCtr="0" compatLnSpc="1">
-            <a:prstTxWarp prst="textNoShape">
+            <a:extLst>
+              <a:ext uri="{909E8E84-426E-40DD-AFC4-6F175D3DCCD1}">
+                <a14:hiddenFill xmlns:a14="http://schemas.microsoft.com/office/drawing/2010/main">
+                  <a:solidFill>
+                    <a:srgbClr val="FFFFFF"/>
+                  </a:solidFill>
+                </a14:hiddenFill>
+              </a:ext>
+            </a:extLst>
+          </p:spPr>
+        </p:pic>
+        <p:sp>
+          <p:nvSpPr>
+            <p:cNvPr id="4" name="TextBox 3"/>
+            <p:cNvSpPr txBox="1"/>
+            <p:nvPr/>
+          </p:nvSpPr>
+          <p:spPr>
+            <a:xfrm>
+              <a:off x="2133600" y="5678532"/>
+              <a:ext cx="6591452" cy="707886"/>
+            </a:xfrm>
+            <a:prstGeom prst="rect">
               <a:avLst/>
-            </a:prstTxWarp>
-            <a:spAutoFit/>
-          </a:bodyPr>
-          <a:lstStyle/>
-          <a:p>
-            <a:pPr lvl="0" algn="r" eaLnBrk="0" fontAlgn="base" hangingPunct="0">
-              <a:spcBef>
-                <a:spcPct val="0"/>
-              </a:spcBef>
-              <a:spcAft>
-                <a:spcPct val="0"/>
-              </a:spcAft>
-            </a:pPr>
-            <a:r>
-              <a:rPr lang="en-US" sz="2100" dirty="0" smtClean="0">
+            </a:prstGeom>
+            <a:noFill/>
+          </p:spPr>
+          <p:txBody>
+            <a:bodyPr wrap="square" rtlCol="0">
+              <a:spAutoFit/>
+            </a:bodyPr>
+            <a:lstStyle/>
+            <a:p>
+              <a:r>
+                <a:rPr lang="en-US" sz="2000" dirty="0" smtClean="0">
+                  <a:solidFill>
+                    <a:schemeClr val="bg1"/>
+                  </a:solidFill>
+                </a:rPr>
+                <a:t>Free </a:t>
+              </a:r>
+              <a:r>
+                <a:rPr lang="en-US" sz="2000" dirty="0">
+                  <a:solidFill>
+                    <a:schemeClr val="bg1"/>
+                  </a:solidFill>
+                </a:rPr>
+                <a:t>program dedicated to startups</a:t>
+              </a:r>
+              <a:r>
+                <a:rPr lang="en-US" sz="2000" dirty="0" smtClean="0">
+                  <a:solidFill>
+                    <a:schemeClr val="bg1"/>
+                  </a:solidFill>
+                </a:rPr>
+                <a:t>. Software </a:t>
+              </a:r>
+              <a:r>
+                <a:rPr lang="en-US" sz="2000" dirty="0">
+                  <a:solidFill>
+                    <a:schemeClr val="bg1"/>
+                  </a:solidFill>
+                </a:rPr>
+                <a:t>&amp; Tools to build apps</a:t>
+              </a:r>
+              <a:r>
+                <a:rPr lang="en-US" sz="2000" dirty="0" smtClean="0">
+                  <a:solidFill>
+                    <a:schemeClr val="bg1"/>
+                  </a:solidFill>
+                </a:rPr>
+                <a:t>. You are invited, join:     </a:t>
+              </a:r>
+              <a:r>
+                <a:rPr lang="en-US" sz="2000" b="1" dirty="0" smtClean="0">
+                  <a:solidFill>
+                    <a:schemeClr val="bg1"/>
+                  </a:solidFill>
+                </a:rPr>
+                <a:t>www.microsoft.com/bizspark</a:t>
+              </a:r>
+              <a:endParaRPr lang="en-US" sz="2000" b="1" dirty="0">
                 <a:solidFill>
-                  <a:srgbClr val="0070C0"/>
+                  <a:schemeClr val="bg1"/>
                 </a:solidFill>
-                <a:ea typeface="Calibri" pitchFamily="34" charset="0"/>
-                <a:cs typeface="Arial" pitchFamily="34" charset="0"/>
-              </a:rPr>
-              <a:t>volaresystems.com/blog</a:t>
-            </a:r>
-            <a:endParaRPr lang="en-US" sz="2100" dirty="0">
-              <a:solidFill>
-                <a:srgbClr val="0070C0"/>
-              </a:solidFill>
-              <a:ea typeface="Calibri" pitchFamily="34" charset="0"/>
-              <a:cs typeface="Arial" pitchFamily="34" charset="0"/>
-            </a:endParaRPr>
-          </a:p>
-          <a:p>
-            <a:pPr lvl="0" algn="r" eaLnBrk="0" fontAlgn="base" hangingPunct="0">
-              <a:spcBef>
-                <a:spcPct val="0"/>
-              </a:spcBef>
-              <a:spcAft>
-                <a:spcPct val="0"/>
-              </a:spcAft>
-            </a:pPr>
-            <a:r>
-              <a:rPr lang="en-US" sz="2100" dirty="0" smtClean="0">
+              </a:endParaRPr>
+            </a:p>
+          </p:txBody>
+        </p:sp>
+      </p:grpSp>
+      <p:grpSp>
+        <p:nvGrpSpPr>
+          <p:cNvPr id="7" name="Group 6"/>
+          <p:cNvGrpSpPr/>
+          <p:nvPr/>
+        </p:nvGrpSpPr>
+        <p:grpSpPr>
+          <a:xfrm>
+            <a:off x="422318" y="4546599"/>
+            <a:ext cx="8416882" cy="707886"/>
+            <a:chOff x="422318" y="4546599"/>
+            <a:chExt cx="8416882" cy="707886"/>
+          </a:xfrm>
+        </p:grpSpPr>
+        <p:pic>
+          <p:nvPicPr>
+            <p:cNvPr id="1027" name="Picture 3" descr="C:\Users\Chris\CAW\DVSUG\WebSiteInfo\Images\OReilly Media.png"/>
+            <p:cNvPicPr>
+              <a:picLocks noChangeAspect="1" noChangeArrowheads="1"/>
+            </p:cNvPicPr>
+            <p:nvPr/>
+          </p:nvPicPr>
+          <p:blipFill>
+            <a:blip r:embed="rId11">
+              <a:extLst>
+                <a:ext uri="{28A0092B-C50C-407E-A947-70E740481C1C}">
+                  <a14:useLocalDpi xmlns:a14="http://schemas.microsoft.com/office/drawing/2010/main" val="0"/>
+                </a:ext>
+              </a:extLst>
+            </a:blip>
+            <a:srcRect/>
+            <a:stretch>
+              <a:fillRect/>
+            </a:stretch>
+          </p:blipFill>
+          <p:spPr bwMode="auto">
+            <a:xfrm>
+              <a:off x="422318" y="4704645"/>
+              <a:ext cx="1965730" cy="391140"/>
+            </a:xfrm>
+            <a:prstGeom prst="rect">
+              <a:avLst/>
+            </a:prstGeom>
+            <a:noFill/>
+            <a:extLst>
+              <a:ext uri="{909E8E84-426E-40DD-AFC4-6F175D3DCCD1}">
+                <a14:hiddenFill xmlns:a14="http://schemas.microsoft.com/office/drawing/2010/main">
+                  <a:solidFill>
+                    <a:srgbClr val="FFFFFF"/>
+                  </a:solidFill>
+                </a14:hiddenFill>
+              </a:ext>
+            </a:extLst>
+          </p:spPr>
+        </p:pic>
+        <p:sp>
+          <p:nvSpPr>
+            <p:cNvPr id="5" name="TextBox 4"/>
+            <p:cNvSpPr txBox="1"/>
+            <p:nvPr/>
+          </p:nvSpPr>
+          <p:spPr>
+            <a:xfrm>
+              <a:off x="2589114" y="4546599"/>
+              <a:ext cx="6250086" cy="707886"/>
+            </a:xfrm>
+            <a:prstGeom prst="rect">
+              <a:avLst/>
+            </a:prstGeom>
+            <a:noFill/>
+          </p:spPr>
+          <p:txBody>
+            <a:bodyPr wrap="square" rtlCol="0">
+              <a:spAutoFit/>
+            </a:bodyPr>
+            <a:lstStyle/>
+            <a:p>
+              <a:r>
+                <a:rPr lang="en-US" sz="2000" dirty="0">
+                  <a:solidFill>
+                    <a:schemeClr val="bg1"/>
+                  </a:solidFill>
+                </a:rPr>
+                <a:t>Get a </a:t>
+              </a:r>
+              <a:r>
+                <a:rPr lang="en-US" sz="2000" dirty="0" smtClean="0">
+                  <a:solidFill>
+                    <a:schemeClr val="bg1"/>
+                  </a:solidFill>
+                </a:rPr>
+                <a:t>FREE O’Reilly </a:t>
+              </a:r>
+              <a:r>
+                <a:rPr lang="en-US" sz="2000" dirty="0" err="1">
+                  <a:solidFill>
+                    <a:schemeClr val="bg1"/>
+                  </a:solidFill>
+                </a:rPr>
+                <a:t>ebook</a:t>
+              </a:r>
+              <a:r>
+                <a:rPr lang="en-US" sz="2000" dirty="0">
+                  <a:solidFill>
+                    <a:schemeClr val="bg1"/>
+                  </a:solidFill>
+                </a:rPr>
+                <a:t> of your choice</a:t>
+              </a:r>
+              <a:r>
+                <a:rPr lang="en-US" sz="2000" dirty="0" smtClean="0">
+                  <a:solidFill>
+                    <a:schemeClr val="bg1"/>
+                  </a:solidFill>
+                </a:rPr>
+                <a:t>! Limit </a:t>
+              </a:r>
+              <a:r>
+                <a:rPr lang="en-US" sz="2000" dirty="0">
+                  <a:solidFill>
+                    <a:schemeClr val="bg1"/>
+                  </a:solidFill>
+                </a:rPr>
+                <a:t>one per person per </a:t>
+              </a:r>
+              <a:r>
+                <a:rPr lang="en-US" sz="2000" dirty="0" smtClean="0">
+                  <a:solidFill>
+                    <a:schemeClr val="bg1"/>
+                  </a:solidFill>
+                </a:rPr>
+                <a:t>event:     </a:t>
+              </a:r>
+              <a:r>
+                <a:rPr lang="en-US" sz="2000" b="1" dirty="0" smtClean="0">
+                  <a:solidFill>
+                    <a:schemeClr val="bg1"/>
+                  </a:solidFill>
+                </a:rPr>
+                <a:t>http</a:t>
+              </a:r>
+              <a:r>
+                <a:rPr lang="en-US" sz="2000" b="1" dirty="0">
+                  <a:solidFill>
+                    <a:schemeClr val="bg1"/>
+                  </a:solidFill>
+                </a:rPr>
+                <a:t>://</a:t>
+              </a:r>
+              <a:r>
+                <a:rPr lang="en-US" sz="2000" b="1" dirty="0" smtClean="0">
+                  <a:solidFill>
+                    <a:schemeClr val="bg1"/>
+                  </a:solidFill>
+                </a:rPr>
+                <a:t>bit.ly/DenverDevDay</a:t>
+              </a:r>
+              <a:endParaRPr lang="en-US" sz="2000" b="1" dirty="0">
                 <a:solidFill>
-                  <a:srgbClr val="0070C0"/>
+                  <a:schemeClr val="bg1"/>
                 </a:solidFill>
-                <a:ea typeface="Calibri" pitchFamily="34" charset="0"/>
-                <a:cs typeface="Arial" pitchFamily="34" charset="0"/>
-              </a:rPr>
-              <a:t>@joe_in_denver</a:t>
-            </a:r>
-            <a:r>
-              <a:rPr lang="en-US" sz="2100" dirty="0" smtClean="0">
-                <a:solidFill>
-                  <a:srgbClr val="0070C0"/>
-                </a:solidFill>
-                <a:cs typeface="Arial" pitchFamily="34" charset="0"/>
-              </a:rPr>
-              <a:t> </a:t>
-            </a:r>
-            <a:endParaRPr lang="en-US" sz="2100" dirty="0">
-              <a:solidFill>
-                <a:srgbClr val="0070C0"/>
-              </a:solidFill>
-              <a:cs typeface="Arial" pitchFamily="34" charset="0"/>
-            </a:endParaRPr>
-          </a:p>
-        </p:txBody>
-      </p:sp>
+              </a:endParaRPr>
+            </a:p>
+          </p:txBody>
+        </p:sp>
+      </p:grpSp>
     </p:spTree>
+    <p:extLst>
+      <p:ext uri="{BB962C8B-B14F-4D97-AF65-F5344CB8AC3E}">
+        <p14:creationId xmlns:p14="http://schemas.microsoft.com/office/powerpoint/2010/main" val="1876018233"/>
+      </p:ext>
+    </p:extLst>
   </p:cSld>
   <p:clrMapOvr>
     <a:masterClrMapping/>
   </p:clrMapOvr>
-  <p:transition>
-    <p:fade/>
-  </p:transition>
   <p:timing>
     <p:tnLst>
       <p:par>
@@ -5482,6 +6460,90 @@
 </file>
 
 <file path=ppt/slides/slide10.xml><?xml version="1.0" encoding="utf-8"?>
+<p:sld xmlns:a="http://schemas.openxmlformats.org/drawingml/2006/main" xmlns:r="http://schemas.openxmlformats.org/officeDocument/2006/relationships" xmlns:p="http://schemas.openxmlformats.org/presentationml/2006/main">
+  <p:cSld>
+    <p:spTree>
+      <p:nvGrpSpPr>
+        <p:cNvPr id="1" name=""/>
+        <p:cNvGrpSpPr/>
+        <p:nvPr/>
+      </p:nvGrpSpPr>
+      <p:grpSpPr>
+        <a:xfrm>
+          <a:off x="0" y="0"/>
+          <a:ext cx="0" cy="0"/>
+          <a:chOff x="0" y="0"/>
+          <a:chExt cx="0" cy="0"/>
+        </a:xfrm>
+      </p:grpSpPr>
+      <p:sp>
+        <p:nvSpPr>
+          <p:cNvPr id="2" name="Title 1"/>
+          <p:cNvSpPr>
+            <a:spLocks noGrp="1"/>
+          </p:cNvSpPr>
+          <p:nvPr>
+            <p:ph type="title"/>
+          </p:nvPr>
+        </p:nvSpPr>
+        <p:spPr/>
+        <p:txBody>
+          <a:bodyPr/>
+          <a:lstStyle/>
+          <a:p>
+            <a:r>
+              <a:rPr lang="en-US" dirty="0" smtClean="0"/>
+              <a:t>Basics of MVC – Routing (Default route)</a:t>
+            </a:r>
+            <a:endParaRPr lang="en-US" dirty="0"/>
+          </a:p>
+        </p:txBody>
+      </p:sp>
+      <p:pic>
+        <p:nvPicPr>
+          <p:cNvPr id="5" name="Picture 4"/>
+          <p:cNvPicPr>
+            <a:picLocks noChangeAspect="1"/>
+          </p:cNvPicPr>
+          <p:nvPr/>
+        </p:nvPicPr>
+        <p:blipFill>
+          <a:blip r:embed="rId2"/>
+          <a:stretch>
+            <a:fillRect/>
+          </a:stretch>
+        </p:blipFill>
+        <p:spPr>
+          <a:xfrm>
+            <a:off x="416856" y="1690688"/>
+            <a:ext cx="8526088" cy="2576511"/>
+          </a:xfrm>
+          <a:prstGeom prst="rect">
+            <a:avLst/>
+          </a:prstGeom>
+        </p:spPr>
+      </p:pic>
+    </p:spTree>
+    <p:extLst>
+      <p:ext uri="{BB962C8B-B14F-4D97-AF65-F5344CB8AC3E}">
+        <p14:creationId xmlns:p14="http://schemas.microsoft.com/office/powerpoint/2010/main" val="2046609888"/>
+      </p:ext>
+    </p:extLst>
+  </p:cSld>
+  <p:clrMapOvr>
+    <a:masterClrMapping/>
+  </p:clrMapOvr>
+  <p:timing>
+    <p:tnLst>
+      <p:par>
+        <p:cTn id="1" dur="indefinite" restart="never" nodeType="tmRoot"/>
+      </p:par>
+    </p:tnLst>
+  </p:timing>
+</p:sld>
+</file>
+
+<file path=ppt/slides/slide11.xml><?xml version="1.0" encoding="utf-8"?>
 <p:sld xmlns:a="http://schemas.openxmlformats.org/drawingml/2006/main" xmlns:r="http://schemas.openxmlformats.org/officeDocument/2006/relationships" xmlns:p="http://schemas.openxmlformats.org/presentationml/2006/main">
   <p:cSld>
     <p:spTree>
@@ -5565,7 +6627,7 @@
 </p:sld>
 </file>
 
-<file path=ppt/slides/slide11.xml><?xml version="1.0" encoding="utf-8"?>
+<file path=ppt/slides/slide12.xml><?xml version="1.0" encoding="utf-8"?>
 <p:sld xmlns:a="http://schemas.openxmlformats.org/drawingml/2006/main" xmlns:r="http://schemas.openxmlformats.org/officeDocument/2006/relationships" xmlns:p="http://schemas.openxmlformats.org/presentationml/2006/main">
   <p:cSld>
     <p:spTree>
@@ -5641,7 +6703,7 @@
 </p:sld>
 </file>
 
-<file path=ppt/slides/slide12.xml><?xml version="1.0" encoding="utf-8"?>
+<file path=ppt/slides/slide13.xml><?xml version="1.0" encoding="utf-8"?>
 <p:sld xmlns:a="http://schemas.openxmlformats.org/drawingml/2006/main" xmlns:r="http://schemas.openxmlformats.org/officeDocument/2006/relationships" xmlns:p="http://schemas.openxmlformats.org/presentationml/2006/main">
   <p:cSld>
     <p:spTree>
@@ -5814,7 +6876,7 @@
 </p:sld>
 </file>
 
-<file path=ppt/slides/slide13.xml><?xml version="1.0" encoding="utf-8"?>
+<file path=ppt/slides/slide14.xml><?xml version="1.0" encoding="utf-8"?>
 <p:sld xmlns:a="http://schemas.openxmlformats.org/drawingml/2006/main" xmlns:r="http://schemas.openxmlformats.org/officeDocument/2006/relationships" xmlns:p="http://schemas.openxmlformats.org/presentationml/2006/main">
   <p:cSld>
     <p:spTree>
@@ -6439,7 +7501,7 @@
 </p:sld>
 </file>
 
-<file path=ppt/slides/slide14.xml><?xml version="1.0" encoding="utf-8"?>
+<file path=ppt/slides/slide15.xml><?xml version="1.0" encoding="utf-8"?>
 <p:sld xmlns:a="http://schemas.openxmlformats.org/drawingml/2006/main" xmlns:r="http://schemas.openxmlformats.org/officeDocument/2006/relationships" xmlns:p="http://schemas.openxmlformats.org/presentationml/2006/main">
   <p:cSld>
     <p:spTree>
@@ -7314,7 +8376,7 @@
 </p:sld>
 </file>
 
-<file path=ppt/slides/slide15.xml><?xml version="1.0" encoding="utf-8"?>
+<file path=ppt/slides/slide16.xml><?xml version="1.0" encoding="utf-8"?>
 <p:sld xmlns:a="http://schemas.openxmlformats.org/drawingml/2006/main" xmlns:r="http://schemas.openxmlformats.org/officeDocument/2006/relationships" xmlns:p="http://schemas.openxmlformats.org/presentationml/2006/main">
   <p:cSld>
     <p:spTree>
@@ -7449,131 +8511,6 @@
 </p:sld>
 </file>
 
-<file path=ppt/slides/slide16.xml><?xml version="1.0" encoding="utf-8"?>
-<p:sld xmlns:a="http://schemas.openxmlformats.org/drawingml/2006/main" xmlns:r="http://schemas.openxmlformats.org/officeDocument/2006/relationships" xmlns:p="http://schemas.openxmlformats.org/presentationml/2006/main">
-  <p:cSld>
-    <p:spTree>
-      <p:nvGrpSpPr>
-        <p:cNvPr id="1" name=""/>
-        <p:cNvGrpSpPr/>
-        <p:nvPr/>
-      </p:nvGrpSpPr>
-      <p:grpSpPr>
-        <a:xfrm>
-          <a:off x="0" y="0"/>
-          <a:ext cx="0" cy="0"/>
-          <a:chOff x="0" y="0"/>
-          <a:chExt cx="0" cy="0"/>
-        </a:xfrm>
-      </p:grpSpPr>
-      <p:sp>
-        <p:nvSpPr>
-          <p:cNvPr id="2" name="Title 1"/>
-          <p:cNvSpPr>
-            <a:spLocks noGrp="1"/>
-          </p:cNvSpPr>
-          <p:nvPr>
-            <p:ph type="title"/>
-          </p:nvPr>
-        </p:nvSpPr>
-        <p:spPr/>
-        <p:txBody>
-          <a:bodyPr/>
-          <a:lstStyle/>
-          <a:p>
-            <a:r>
-              <a:rPr lang="en-US" smtClean="0"/>
-              <a:t>Basics of MVC – Controllers</a:t>
-            </a:r>
-            <a:endParaRPr lang="en-US" dirty="0"/>
-          </a:p>
-        </p:txBody>
-      </p:sp>
-      <p:sp>
-        <p:nvSpPr>
-          <p:cNvPr id="3" name="Subtitle 2"/>
-          <p:cNvSpPr>
-            <a:spLocks noGrp="1"/>
-          </p:cNvSpPr>
-          <p:nvPr>
-            <p:ph idx="1"/>
-          </p:nvPr>
-        </p:nvSpPr>
-        <p:spPr/>
-        <p:txBody>
-          <a:bodyPr/>
-          <a:lstStyle/>
-          <a:p>
-            <a:r>
-              <a:rPr lang="en-US" dirty="0" smtClean="0"/>
-              <a:t>Are .CS files</a:t>
-            </a:r>
-          </a:p>
-          <a:p>
-            <a:endParaRPr lang="en-US" dirty="0" smtClean="0"/>
-          </a:p>
-          <a:p>
-            <a:r>
-              <a:rPr lang="en-US" dirty="0" smtClean="0"/>
-              <a:t>Hold commands and workflows in Actions (methods)</a:t>
-            </a:r>
-          </a:p>
-          <a:p>
-            <a:endParaRPr lang="en-US" dirty="0" smtClean="0"/>
-          </a:p>
-          <a:p>
-            <a:r>
-              <a:rPr lang="en-US" dirty="0" smtClean="0"/>
-              <a:t>Model bind values from form, query string, cookies, etc.</a:t>
-            </a:r>
-          </a:p>
-          <a:p>
-            <a:endParaRPr lang="en-US" dirty="0" smtClean="0"/>
-          </a:p>
-          <a:p>
-            <a:r>
-              <a:rPr lang="en-US" dirty="0" smtClean="0"/>
-              <a:t>Works with Models for small logic and data</a:t>
-            </a:r>
-          </a:p>
-          <a:p>
-            <a:endParaRPr lang="en-US" dirty="0" smtClean="0"/>
-          </a:p>
-          <a:p>
-            <a:r>
-              <a:rPr lang="en-US" dirty="0" smtClean="0"/>
-              <a:t>Validate user input before moving on</a:t>
-            </a:r>
-          </a:p>
-          <a:p>
-            <a:endParaRPr lang="en-US" dirty="0" smtClean="0"/>
-          </a:p>
-          <a:p>
-            <a:r>
-              <a:rPr lang="en-US" dirty="0" smtClean="0"/>
-              <a:t>Render Views, JSON, XML, RSS, File, etc.</a:t>
-            </a:r>
-          </a:p>
-        </p:txBody>
-      </p:sp>
-    </p:spTree>
-  </p:cSld>
-  <p:clrMapOvr>
-    <a:masterClrMapping/>
-  </p:clrMapOvr>
-  <p:transition>
-    <p:fade/>
-  </p:transition>
-  <p:timing>
-    <p:tnLst>
-      <p:par>
-        <p:cTn id="1" dur="indefinite" restart="never" nodeType="tmRoot"/>
-      </p:par>
-    </p:tnLst>
-  </p:timing>
-</p:sld>
-</file>
-
 <file path=ppt/slides/slide17.xml><?xml version="1.0" encoding="utf-8"?>
 <p:sld xmlns:a="http://schemas.openxmlformats.org/drawingml/2006/main" xmlns:r="http://schemas.openxmlformats.org/officeDocument/2006/relationships" xmlns:p="http://schemas.openxmlformats.org/presentationml/2006/main">
   <p:cSld>
@@ -7608,7 +8545,7 @@
           <a:p>
             <a:r>
               <a:rPr lang="en-US" smtClean="0"/>
-              <a:t>Basics of MVC – Models</a:t>
+              <a:t>Basics of MVC – Controllers</a:t>
             </a:r>
             <a:endParaRPr lang="en-US" dirty="0"/>
           </a:p>
@@ -7631,32 +8568,34 @@
           <a:p>
             <a:r>
               <a:rPr lang="en-US" dirty="0" smtClean="0"/>
-              <a:t>Are .CS files or </a:t>
-            </a:r>
-            <a:r>
-              <a:rPr lang="en-US" dirty="0" err="1" smtClean="0"/>
-              <a:t>ViewBag</a:t>
-            </a:r>
+              <a:t>Are .CS files</a:t>
+            </a:r>
+          </a:p>
+          <a:p>
+            <a:endParaRPr lang="en-US" dirty="0" smtClean="0"/>
+          </a:p>
+          <a:p>
             <a:r>
               <a:rPr lang="en-US" dirty="0" smtClean="0"/>
-              <a:t>, which is a dynamic type</a:t>
-            </a:r>
-          </a:p>
-          <a:p>
-            <a:endParaRPr lang="en-US" dirty="0"/>
+              <a:t>Hold commands and workflows in Actions (methods)</a:t>
+            </a:r>
+          </a:p>
+          <a:p>
+            <a:endParaRPr lang="en-US" dirty="0" smtClean="0"/>
           </a:p>
           <a:p>
             <a:r>
               <a:rPr lang="en-US" dirty="0" smtClean="0"/>
-              <a:t>Can be </a:t>
-            </a:r>
-            <a:r>
-              <a:rPr lang="en-US" dirty="0" err="1" smtClean="0"/>
-              <a:t>TempData</a:t>
-            </a:r>
+              <a:t>Model bind values from form, query string, cookies, etc.</a:t>
+            </a:r>
+          </a:p>
+          <a:p>
+            <a:endParaRPr lang="en-US" dirty="0" smtClean="0"/>
+          </a:p>
+          <a:p>
             <a:r>
               <a:rPr lang="en-US" dirty="0" smtClean="0"/>
-              <a:t>[“something”] for single-use values</a:t>
+              <a:t>Works with Models for small logic and data</a:t>
             </a:r>
           </a:p>
           <a:p>
@@ -7665,7 +8604,7 @@
           <a:p>
             <a:r>
               <a:rPr lang="en-US" dirty="0" smtClean="0"/>
-              <a:t>Data to display in the View and data posted from the View back to the Controller</a:t>
+              <a:t>Validate user input before moving on</a:t>
             </a:r>
           </a:p>
           <a:p>
@@ -7674,26 +8613,8 @@
           <a:p>
             <a:r>
               <a:rPr lang="en-US" dirty="0" smtClean="0"/>
-              <a:t>Good place for validation attributes</a:t>
-            </a:r>
-          </a:p>
-          <a:p>
-            <a:endParaRPr lang="en-US" dirty="0" smtClean="0"/>
-          </a:p>
-          <a:p>
-            <a:r>
-              <a:rPr lang="en-US" dirty="0" smtClean="0"/>
-              <a:t>Good place for light, display-related logic (Full Name, Totals, </a:t>
-            </a:r>
-            <a:r>
-              <a:rPr lang="en-US" dirty="0" err="1" smtClean="0"/>
-              <a:t>IsUserLoggedIn</a:t>
-            </a:r>
-            <a:r>
-              <a:rPr lang="en-US" dirty="0" smtClean="0"/>
-              <a:t>, etc.)</a:t>
-            </a:r>
-            <a:endParaRPr lang="en-US" dirty="0"/>
+              <a:t>Render Views, JSON, XML, RSS, File, etc.</a:t>
+            </a:r>
           </a:p>
         </p:txBody>
       </p:sp>
@@ -7716,6 +8637,147 @@
 </file>
 
 <file path=ppt/slides/slide18.xml><?xml version="1.0" encoding="utf-8"?>
+<p:sld xmlns:a="http://schemas.openxmlformats.org/drawingml/2006/main" xmlns:r="http://schemas.openxmlformats.org/officeDocument/2006/relationships" xmlns:p="http://schemas.openxmlformats.org/presentationml/2006/main">
+  <p:cSld>
+    <p:spTree>
+      <p:nvGrpSpPr>
+        <p:cNvPr id="1" name=""/>
+        <p:cNvGrpSpPr/>
+        <p:nvPr/>
+      </p:nvGrpSpPr>
+      <p:grpSpPr>
+        <a:xfrm>
+          <a:off x="0" y="0"/>
+          <a:ext cx="0" cy="0"/>
+          <a:chOff x="0" y="0"/>
+          <a:chExt cx="0" cy="0"/>
+        </a:xfrm>
+      </p:grpSpPr>
+      <p:sp>
+        <p:nvSpPr>
+          <p:cNvPr id="2" name="Title 1"/>
+          <p:cNvSpPr>
+            <a:spLocks noGrp="1"/>
+          </p:cNvSpPr>
+          <p:nvPr>
+            <p:ph type="title"/>
+          </p:nvPr>
+        </p:nvSpPr>
+        <p:spPr/>
+        <p:txBody>
+          <a:bodyPr/>
+          <a:lstStyle/>
+          <a:p>
+            <a:r>
+              <a:rPr lang="en-US" smtClean="0"/>
+              <a:t>Basics of MVC – Models</a:t>
+            </a:r>
+            <a:endParaRPr lang="en-US" dirty="0"/>
+          </a:p>
+        </p:txBody>
+      </p:sp>
+      <p:sp>
+        <p:nvSpPr>
+          <p:cNvPr id="3" name="Subtitle 2"/>
+          <p:cNvSpPr>
+            <a:spLocks noGrp="1"/>
+          </p:cNvSpPr>
+          <p:nvPr>
+            <p:ph idx="1"/>
+          </p:nvPr>
+        </p:nvSpPr>
+        <p:spPr/>
+        <p:txBody>
+          <a:bodyPr/>
+          <a:lstStyle/>
+          <a:p>
+            <a:r>
+              <a:rPr lang="en-US" dirty="0" smtClean="0"/>
+              <a:t>Are .CS files or </a:t>
+            </a:r>
+            <a:r>
+              <a:rPr lang="en-US" dirty="0" err="1" smtClean="0"/>
+              <a:t>ViewBag</a:t>
+            </a:r>
+            <a:r>
+              <a:rPr lang="en-US" dirty="0" smtClean="0"/>
+              <a:t>, which is a dynamic type</a:t>
+            </a:r>
+          </a:p>
+          <a:p>
+            <a:endParaRPr lang="en-US" dirty="0"/>
+          </a:p>
+          <a:p>
+            <a:r>
+              <a:rPr lang="en-US" dirty="0" smtClean="0"/>
+              <a:t>Can be </a:t>
+            </a:r>
+            <a:r>
+              <a:rPr lang="en-US" dirty="0" err="1" smtClean="0"/>
+              <a:t>TempData</a:t>
+            </a:r>
+            <a:r>
+              <a:rPr lang="en-US" dirty="0" smtClean="0"/>
+              <a:t>[“something”] for single-use values</a:t>
+            </a:r>
+          </a:p>
+          <a:p>
+            <a:endParaRPr lang="en-US" dirty="0" smtClean="0"/>
+          </a:p>
+          <a:p>
+            <a:r>
+              <a:rPr lang="en-US" dirty="0" smtClean="0"/>
+              <a:t>Data to display in the View and data posted from the View back to the Controller</a:t>
+            </a:r>
+          </a:p>
+          <a:p>
+            <a:endParaRPr lang="en-US" dirty="0" smtClean="0"/>
+          </a:p>
+          <a:p>
+            <a:r>
+              <a:rPr lang="en-US" dirty="0" smtClean="0"/>
+              <a:t>Good place for validation attributes</a:t>
+            </a:r>
+          </a:p>
+          <a:p>
+            <a:endParaRPr lang="en-US" dirty="0" smtClean="0"/>
+          </a:p>
+          <a:p>
+            <a:r>
+              <a:rPr lang="en-US" dirty="0" smtClean="0"/>
+              <a:t>Good place for light, display-related logic (Full Name, Totals, </a:t>
+            </a:r>
+            <a:r>
+              <a:rPr lang="en-US" dirty="0" err="1" smtClean="0"/>
+              <a:t>IsUserLoggedIn</a:t>
+            </a:r>
+            <a:r>
+              <a:rPr lang="en-US" dirty="0" smtClean="0"/>
+              <a:t>, etc.)</a:t>
+            </a:r>
+            <a:endParaRPr lang="en-US" dirty="0"/>
+          </a:p>
+        </p:txBody>
+      </p:sp>
+    </p:spTree>
+  </p:cSld>
+  <p:clrMapOvr>
+    <a:masterClrMapping/>
+  </p:clrMapOvr>
+  <p:transition>
+    <p:fade/>
+  </p:transition>
+  <p:timing>
+    <p:tnLst>
+      <p:par>
+        <p:cTn id="1" dur="indefinite" restart="never" nodeType="tmRoot"/>
+      </p:par>
+    </p:tnLst>
+  </p:timing>
+</p:sld>
+</file>
+
+<file path=ppt/slides/slide19.xml><?xml version="1.0" encoding="utf-8"?>
 <p:sld xmlns:a="http://schemas.openxmlformats.org/drawingml/2006/main" xmlns:r="http://schemas.openxmlformats.org/officeDocument/2006/relationships" xmlns:p="http://schemas.openxmlformats.org/presentationml/2006/main">
   <p:cSld>
     <p:spTree>
@@ -8225,7 +9287,232 @@
 </p:sld>
 </file>
 
-<file path=ppt/slides/slide19.xml><?xml version="1.0" encoding="utf-8"?>
+<file path=ppt/slides/slide2.xml><?xml version="1.0" encoding="utf-8"?>
+<p:sld xmlns:a="http://schemas.openxmlformats.org/drawingml/2006/main" xmlns:r="http://schemas.openxmlformats.org/officeDocument/2006/relationships" xmlns:p="http://schemas.openxmlformats.org/presentationml/2006/main" showMasterSp="0">
+  <p:cSld>
+    <p:bg>
+      <p:bgPr>
+        <a:solidFill>
+          <a:schemeClr val="bg1"/>
+        </a:solidFill>
+        <a:effectLst/>
+      </p:bgPr>
+    </p:bg>
+    <p:spTree>
+      <p:nvGrpSpPr>
+        <p:cNvPr id="1" name=""/>
+        <p:cNvGrpSpPr/>
+        <p:nvPr/>
+      </p:nvGrpSpPr>
+      <p:grpSpPr>
+        <a:xfrm>
+          <a:off x="0" y="0"/>
+          <a:ext cx="0" cy="0"/>
+          <a:chOff x="0" y="0"/>
+          <a:chExt cx="0" cy="0"/>
+        </a:xfrm>
+      </p:grpSpPr>
+      <p:sp>
+        <p:nvSpPr>
+          <p:cNvPr id="2" name="Title 1"/>
+          <p:cNvSpPr>
+            <a:spLocks noGrp="1"/>
+          </p:cNvSpPr>
+          <p:nvPr>
+            <p:ph type="ctrTitle"/>
+          </p:nvPr>
+        </p:nvSpPr>
+        <p:spPr/>
+        <p:txBody>
+          <a:bodyPr/>
+          <a:lstStyle/>
+          <a:p>
+            <a:r>
+              <a:rPr lang="en-US" dirty="0" smtClean="0"/>
+              <a:t>Introduction to </a:t>
+            </a:r>
+            <a:br>
+              <a:rPr lang="en-US" dirty="0" smtClean="0"/>
+            </a:br>
+            <a:r>
+              <a:rPr lang="en-US" dirty="0" smtClean="0"/>
+              <a:t>ASP.NET MVC</a:t>
+            </a:r>
+            <a:endParaRPr lang="en-US" dirty="0"/>
+          </a:p>
+        </p:txBody>
+      </p:sp>
+      <p:sp>
+        <p:nvSpPr>
+          <p:cNvPr id="3" name="Subtitle 2"/>
+          <p:cNvSpPr>
+            <a:spLocks noGrp="1"/>
+          </p:cNvSpPr>
+          <p:nvPr>
+            <p:ph type="subTitle" idx="1"/>
+          </p:nvPr>
+        </p:nvSpPr>
+        <p:spPr/>
+        <p:txBody>
+          <a:bodyPr>
+            <a:normAutofit/>
+          </a:bodyPr>
+          <a:lstStyle/>
+          <a:p>
+            <a:r>
+              <a:rPr lang="en-US" sz="2100" dirty="0" smtClean="0"/>
+              <a:t>Joe Wilson,</a:t>
+            </a:r>
+          </a:p>
+          <a:p>
+            <a:r>
+              <a:rPr lang="en-US" sz="2100" dirty="0" smtClean="0"/>
+              <a:t>Volare Systems, Inc.</a:t>
+            </a:r>
+            <a:endParaRPr lang="en-US" sz="2100" dirty="0"/>
+          </a:p>
+        </p:txBody>
+      </p:sp>
+      <p:pic>
+        <p:nvPicPr>
+          <p:cNvPr id="4" name="Picture 3" descr="Logo_175px_High.jpg"/>
+          <p:cNvPicPr>
+            <a:picLocks noChangeAspect="1"/>
+          </p:cNvPicPr>
+          <p:nvPr/>
+        </p:nvPicPr>
+        <p:blipFill>
+          <a:blip r:embed="rId3" cstate="print"/>
+          <a:stretch>
+            <a:fillRect/>
+          </a:stretch>
+        </p:blipFill>
+        <p:spPr>
+          <a:xfrm>
+            <a:off x="609600" y="5181600"/>
+            <a:ext cx="1447800" cy="1021632"/>
+          </a:xfrm>
+          <a:prstGeom prst="rect">
+            <a:avLst/>
+          </a:prstGeom>
+        </p:spPr>
+      </p:pic>
+      <p:sp>
+        <p:nvSpPr>
+          <p:cNvPr id="14337" name="Rectangle 1"/>
+          <p:cNvSpPr>
+            <a:spLocks noChangeArrowheads="1"/>
+          </p:cNvSpPr>
+          <p:nvPr/>
+        </p:nvSpPr>
+        <p:spPr bwMode="auto">
+          <a:xfrm>
+            <a:off x="3505200" y="5410200"/>
+            <a:ext cx="5105400" cy="738664"/>
+          </a:xfrm>
+          <a:prstGeom prst="rect">
+            <a:avLst/>
+          </a:prstGeom>
+          <a:noFill/>
+          <a:ln w="9525">
+            <a:noFill/>
+            <a:miter lim="800000"/>
+            <a:headEnd/>
+            <a:tailEnd/>
+          </a:ln>
+          <a:effectLst/>
+        </p:spPr>
+        <p:txBody>
+          <a:bodyPr vert="horz" wrap="square" lIns="91440" tIns="45720" rIns="91440" bIns="45720" numCol="1" anchor="ctr" anchorCtr="0" compatLnSpc="1">
+            <a:prstTxWarp prst="textNoShape">
+              <a:avLst/>
+            </a:prstTxWarp>
+            <a:spAutoFit/>
+          </a:bodyPr>
+          <a:lstStyle/>
+          <a:p>
+            <a:pPr lvl="0" algn="r" eaLnBrk="0" fontAlgn="base" hangingPunct="0">
+              <a:spcBef>
+                <a:spcPct val="0"/>
+              </a:spcBef>
+              <a:spcAft>
+                <a:spcPct val="0"/>
+              </a:spcAft>
+            </a:pPr>
+            <a:r>
+              <a:rPr lang="en-US" sz="2100" dirty="0" smtClean="0">
+                <a:solidFill>
+                  <a:srgbClr val="0070C0"/>
+                </a:solidFill>
+                <a:ea typeface="Calibri" pitchFamily="34" charset="0"/>
+                <a:cs typeface="Arial" pitchFamily="34" charset="0"/>
+              </a:rPr>
+              <a:t>volaresystems.com/blog</a:t>
+            </a:r>
+            <a:endParaRPr lang="en-US" sz="2100" dirty="0">
+              <a:solidFill>
+                <a:srgbClr val="0070C0"/>
+              </a:solidFill>
+              <a:ea typeface="Calibri" pitchFamily="34" charset="0"/>
+              <a:cs typeface="Arial" pitchFamily="34" charset="0"/>
+            </a:endParaRPr>
+          </a:p>
+          <a:p>
+            <a:pPr lvl="0" algn="r" eaLnBrk="0" fontAlgn="base" hangingPunct="0">
+              <a:spcBef>
+                <a:spcPct val="0"/>
+              </a:spcBef>
+              <a:spcAft>
+                <a:spcPct val="0"/>
+              </a:spcAft>
+            </a:pPr>
+            <a:r>
+              <a:rPr lang="en-US" sz="2100" dirty="0" smtClean="0">
+                <a:solidFill>
+                  <a:srgbClr val="0070C0"/>
+                </a:solidFill>
+                <a:ea typeface="Calibri" pitchFamily="34" charset="0"/>
+                <a:cs typeface="Arial" pitchFamily="34" charset="0"/>
+              </a:rPr>
+              <a:t>@joe_in_denver</a:t>
+            </a:r>
+            <a:r>
+              <a:rPr lang="en-US" sz="2100" dirty="0" smtClean="0">
+                <a:solidFill>
+                  <a:srgbClr val="0070C0"/>
+                </a:solidFill>
+                <a:cs typeface="Arial" pitchFamily="34" charset="0"/>
+              </a:rPr>
+              <a:t> </a:t>
+            </a:r>
+            <a:endParaRPr lang="en-US" sz="2100" dirty="0">
+              <a:solidFill>
+                <a:srgbClr val="0070C0"/>
+              </a:solidFill>
+              <a:cs typeface="Arial" pitchFamily="34" charset="0"/>
+            </a:endParaRPr>
+          </a:p>
+        </p:txBody>
+      </p:sp>
+    </p:spTree>
+  </p:cSld>
+  <p:clrMapOvr>
+    <a:masterClrMapping/>
+  </p:clrMapOvr>
+  <p:transition>
+    <p:fade/>
+  </p:transition>
+  <p:timing>
+    <p:tnLst>
+      <p:par>
+        <p:cTn id="1" dur="indefinite" restart="never" nodeType="tmRoot"/>
+      </p:par>
+    </p:tnLst>
+  </p:timing>
+</p:sld>
+</file>
+
+<file path=ppt/slides/slide20.xml><?xml version="1.0" encoding="utf-8"?>
 <p:sld xmlns:a="http://schemas.openxmlformats.org/drawingml/2006/main" xmlns:r="http://schemas.openxmlformats.org/officeDocument/2006/relationships" xmlns:p="http://schemas.openxmlformats.org/presentationml/2006/main">
   <p:cSld>
     <p:spTree>
@@ -8740,146 +10027,7 @@
 </p:sld>
 </file>
 
-<file path=ppt/slides/slide2.xml><?xml version="1.0" encoding="utf-8"?>
-<p:sld xmlns:a="http://schemas.openxmlformats.org/drawingml/2006/main" xmlns:r="http://schemas.openxmlformats.org/officeDocument/2006/relationships" xmlns:p="http://schemas.openxmlformats.org/presentationml/2006/main">
-  <p:cSld>
-    <p:spTree>
-      <p:nvGrpSpPr>
-        <p:cNvPr id="1" name=""/>
-        <p:cNvGrpSpPr/>
-        <p:nvPr/>
-      </p:nvGrpSpPr>
-      <p:grpSpPr>
-        <a:xfrm>
-          <a:off x="0" y="0"/>
-          <a:ext cx="0" cy="0"/>
-          <a:chOff x="0" y="0"/>
-          <a:chExt cx="0" cy="0"/>
-        </a:xfrm>
-      </p:grpSpPr>
-      <p:sp>
-        <p:nvSpPr>
-          <p:cNvPr id="2" name="Title 1"/>
-          <p:cNvSpPr>
-            <a:spLocks noGrp="1"/>
-          </p:cNvSpPr>
-          <p:nvPr>
-            <p:ph type="title"/>
-          </p:nvPr>
-        </p:nvSpPr>
-        <p:spPr/>
-        <p:txBody>
-          <a:bodyPr/>
-          <a:lstStyle/>
-          <a:p>
-            <a:r>
-              <a:rPr lang="en-US" dirty="0" smtClean="0"/>
-              <a:t>Agenda</a:t>
-            </a:r>
-            <a:endParaRPr lang="en-US" dirty="0"/>
-          </a:p>
-        </p:txBody>
-      </p:sp>
-      <p:sp>
-        <p:nvSpPr>
-          <p:cNvPr id="3" name="Subtitle 2"/>
-          <p:cNvSpPr>
-            <a:spLocks noGrp="1"/>
-          </p:cNvSpPr>
-          <p:nvPr>
-            <p:ph idx="1"/>
-          </p:nvPr>
-        </p:nvSpPr>
-        <p:spPr/>
-        <p:txBody>
-          <a:bodyPr>
-            <a:noAutofit/>
-          </a:bodyPr>
-          <a:lstStyle/>
-          <a:p>
-            <a:r>
-              <a:rPr lang="en-US" sz="2400" dirty="0" smtClean="0"/>
-              <a:t>Where does MVC fit in today’s web?</a:t>
-            </a:r>
-          </a:p>
-          <a:p>
-            <a:endParaRPr lang="en-US" sz="2400" dirty="0" smtClean="0"/>
-          </a:p>
-          <a:p>
-            <a:r>
-              <a:rPr lang="en-US" sz="2400" dirty="0" smtClean="0"/>
-              <a:t>Basics of MVC</a:t>
-            </a:r>
-          </a:p>
-          <a:p>
-            <a:pPr lvl="1"/>
-            <a:r>
-              <a:rPr lang="en-US" dirty="0" smtClean="0"/>
-              <a:t>Routing</a:t>
-            </a:r>
-          </a:p>
-          <a:p>
-            <a:pPr lvl="1"/>
-            <a:r>
-              <a:rPr lang="en-US" dirty="0" smtClean="0"/>
-              <a:t>Views</a:t>
-            </a:r>
-          </a:p>
-          <a:p>
-            <a:pPr lvl="1"/>
-            <a:r>
-              <a:rPr lang="en-US" dirty="0" smtClean="0"/>
-              <a:t>Controllers/Actions</a:t>
-            </a:r>
-          </a:p>
-          <a:p>
-            <a:pPr lvl="1"/>
-            <a:r>
-              <a:rPr lang="en-US" dirty="0" smtClean="0"/>
-              <a:t>Models</a:t>
-            </a:r>
-          </a:p>
-          <a:p>
-            <a:pPr lvl="1"/>
-            <a:endParaRPr lang="en-US" sz="2400" dirty="0"/>
-          </a:p>
-          <a:p>
-            <a:r>
-              <a:rPr lang="en-US" sz="2400" dirty="0" smtClean="0"/>
-              <a:t>MVC: The good parts</a:t>
-            </a:r>
-          </a:p>
-          <a:p>
-            <a:endParaRPr lang="en-US" sz="2400" dirty="0" smtClean="0"/>
-          </a:p>
-          <a:p>
-            <a:r>
-              <a:rPr lang="en-US" sz="2400" dirty="0" smtClean="0"/>
-              <a:t>Is MVC a fit for your project?</a:t>
-            </a:r>
-            <a:endParaRPr lang="en-US" sz="2400" dirty="0"/>
-          </a:p>
-        </p:txBody>
-      </p:sp>
-    </p:spTree>
-  </p:cSld>
-  <p:clrMapOvr>
-    <a:masterClrMapping/>
-  </p:clrMapOvr>
-  <p:transition>
-    <p:fade/>
-  </p:transition>
-  <p:timing>
-    <p:tnLst>
-      <p:par>
-        <p:cTn id="1" dur="indefinite" restart="never" nodeType="tmRoot"/>
-      </p:par>
-    </p:tnLst>
-  </p:timing>
-</p:sld>
-</file>
-
-<file path=ppt/slides/slide20.xml><?xml version="1.0" encoding="utf-8"?>
+<file path=ppt/slides/slide21.xml><?xml version="1.0" encoding="utf-8"?>
 <p:sld xmlns:a="http://schemas.openxmlformats.org/drawingml/2006/main" xmlns:r="http://schemas.openxmlformats.org/officeDocument/2006/relationships" xmlns:p="http://schemas.openxmlformats.org/presentationml/2006/main">
   <p:cSld>
     <p:spTree>
@@ -8955,7 +10103,7 @@
 </p:sld>
 </file>
 
-<file path=ppt/slides/slide21.xml><?xml version="1.0" encoding="utf-8"?>
+<file path=ppt/slides/slide22.xml><?xml version="1.0" encoding="utf-8"?>
 <p:sld xmlns:a="http://schemas.openxmlformats.org/drawingml/2006/main" xmlns:r="http://schemas.openxmlformats.org/officeDocument/2006/relationships" xmlns:p="http://schemas.openxmlformats.org/presentationml/2006/main">
   <p:cSld>
     <p:spTree>
@@ -9337,7 +10485,7 @@
 </p:sld>
 </file>
 
-<file path=ppt/slides/slide22.xml><?xml version="1.0" encoding="utf-8"?>
+<file path=ppt/slides/slide23.xml><?xml version="1.0" encoding="utf-8"?>
 <p:sld xmlns:a="http://schemas.openxmlformats.org/drawingml/2006/main" xmlns:r="http://schemas.openxmlformats.org/officeDocument/2006/relationships" xmlns:p="http://schemas.openxmlformats.org/presentationml/2006/main">
   <p:cSld>
     <p:spTree>
@@ -9413,7 +10561,7 @@
 </p:sld>
 </file>
 
-<file path=ppt/slides/slide23.xml><?xml version="1.0" encoding="utf-8"?>
+<file path=ppt/slides/slide24.xml><?xml version="1.0" encoding="utf-8"?>
 <p:sld xmlns:a="http://schemas.openxmlformats.org/drawingml/2006/main" xmlns:r="http://schemas.openxmlformats.org/officeDocument/2006/relationships" xmlns:p="http://schemas.openxmlformats.org/presentationml/2006/main">
   <p:cSld>
     <p:spTree>
@@ -9530,7 +10678,7 @@
 </p:sld>
 </file>
 
-<file path=ppt/slides/slide24.xml><?xml version="1.0" encoding="utf-8"?>
+<file path=ppt/slides/slide25.xml><?xml version="1.0" encoding="utf-8"?>
 <p:sld xmlns:a="http://schemas.openxmlformats.org/drawingml/2006/main" xmlns:r="http://schemas.openxmlformats.org/officeDocument/2006/relationships" xmlns:p="http://schemas.openxmlformats.org/presentationml/2006/main">
   <p:cSld>
     <p:spTree>
@@ -11322,7 +12470,7 @@
 </p:sld>
 </file>
 
-<file path=ppt/slides/slide25.xml><?xml version="1.0" encoding="utf-8"?>
+<file path=ppt/slides/slide26.xml><?xml version="1.0" encoding="utf-8"?>
 <p:sld xmlns:a="http://schemas.openxmlformats.org/drawingml/2006/main" xmlns:r="http://schemas.openxmlformats.org/officeDocument/2006/relationships" xmlns:p="http://schemas.openxmlformats.org/presentationml/2006/main">
   <p:cSld>
     <p:spTree>
@@ -11450,7 +12598,7 @@
 </p:sld>
 </file>
 
-<file path=ppt/slides/slide26.xml><?xml version="1.0" encoding="utf-8"?>
+<file path=ppt/slides/slide27.xml><?xml version="1.0" encoding="utf-8"?>
 <p:sld xmlns:a="http://schemas.openxmlformats.org/drawingml/2006/main" xmlns:r="http://schemas.openxmlformats.org/officeDocument/2006/relationships" xmlns:p="http://schemas.openxmlformats.org/presentationml/2006/main">
   <p:cSld>
     <p:spTree>
@@ -11576,7 +12724,7 @@
 </p:sld>
 </file>
 
-<file path=ppt/slides/slide27.xml><?xml version="1.0" encoding="utf-8"?>
+<file path=ppt/slides/slide28.xml><?xml version="1.0" encoding="utf-8"?>
 <p:sld xmlns:a="http://schemas.openxmlformats.org/drawingml/2006/main" xmlns:r="http://schemas.openxmlformats.org/officeDocument/2006/relationships" xmlns:p="http://schemas.openxmlformats.org/presentationml/2006/main">
   <p:cSld>
     <p:spTree>
@@ -13001,7 +14149,7 @@
 </p:sld>
 </file>
 
-<file path=ppt/slides/slide28.xml><?xml version="1.0" encoding="utf-8"?>
+<file path=ppt/slides/slide29.xml><?xml version="1.0" encoding="utf-8"?>
 <p:sld xmlns:a="http://schemas.openxmlformats.org/drawingml/2006/main" xmlns:r="http://schemas.openxmlformats.org/officeDocument/2006/relationships" xmlns:p="http://schemas.openxmlformats.org/presentationml/2006/main" show="0">
   <p:cSld>
     <p:spTree>
@@ -13122,7 +14270,146 @@
 </p:sld>
 </file>
 
-<file path=ppt/slides/slide29.xml><?xml version="1.0" encoding="utf-8"?>
+<file path=ppt/slides/slide3.xml><?xml version="1.0" encoding="utf-8"?>
+<p:sld xmlns:a="http://schemas.openxmlformats.org/drawingml/2006/main" xmlns:r="http://schemas.openxmlformats.org/officeDocument/2006/relationships" xmlns:p="http://schemas.openxmlformats.org/presentationml/2006/main">
+  <p:cSld>
+    <p:spTree>
+      <p:nvGrpSpPr>
+        <p:cNvPr id="1" name=""/>
+        <p:cNvGrpSpPr/>
+        <p:nvPr/>
+      </p:nvGrpSpPr>
+      <p:grpSpPr>
+        <a:xfrm>
+          <a:off x="0" y="0"/>
+          <a:ext cx="0" cy="0"/>
+          <a:chOff x="0" y="0"/>
+          <a:chExt cx="0" cy="0"/>
+        </a:xfrm>
+      </p:grpSpPr>
+      <p:sp>
+        <p:nvSpPr>
+          <p:cNvPr id="2" name="Title 1"/>
+          <p:cNvSpPr>
+            <a:spLocks noGrp="1"/>
+          </p:cNvSpPr>
+          <p:nvPr>
+            <p:ph type="title"/>
+          </p:nvPr>
+        </p:nvSpPr>
+        <p:spPr/>
+        <p:txBody>
+          <a:bodyPr/>
+          <a:lstStyle/>
+          <a:p>
+            <a:r>
+              <a:rPr lang="en-US" dirty="0" smtClean="0"/>
+              <a:t>Agenda</a:t>
+            </a:r>
+            <a:endParaRPr lang="en-US" dirty="0"/>
+          </a:p>
+        </p:txBody>
+      </p:sp>
+      <p:sp>
+        <p:nvSpPr>
+          <p:cNvPr id="3" name="Subtitle 2"/>
+          <p:cNvSpPr>
+            <a:spLocks noGrp="1"/>
+          </p:cNvSpPr>
+          <p:nvPr>
+            <p:ph idx="1"/>
+          </p:nvPr>
+        </p:nvSpPr>
+        <p:spPr/>
+        <p:txBody>
+          <a:bodyPr>
+            <a:noAutofit/>
+          </a:bodyPr>
+          <a:lstStyle/>
+          <a:p>
+            <a:r>
+              <a:rPr lang="en-US" sz="2400" dirty="0" smtClean="0"/>
+              <a:t>Where does MVC fit in today’s web?</a:t>
+            </a:r>
+          </a:p>
+          <a:p>
+            <a:endParaRPr lang="en-US" sz="2400" dirty="0" smtClean="0"/>
+          </a:p>
+          <a:p>
+            <a:r>
+              <a:rPr lang="en-US" sz="2400" dirty="0" smtClean="0"/>
+              <a:t>Basics of MVC</a:t>
+            </a:r>
+          </a:p>
+          <a:p>
+            <a:pPr lvl="1"/>
+            <a:r>
+              <a:rPr lang="en-US" dirty="0" smtClean="0"/>
+              <a:t>Routing</a:t>
+            </a:r>
+          </a:p>
+          <a:p>
+            <a:pPr lvl="1"/>
+            <a:r>
+              <a:rPr lang="en-US" dirty="0" smtClean="0"/>
+              <a:t>Views</a:t>
+            </a:r>
+          </a:p>
+          <a:p>
+            <a:pPr lvl="1"/>
+            <a:r>
+              <a:rPr lang="en-US" dirty="0" smtClean="0"/>
+              <a:t>Controllers/Actions</a:t>
+            </a:r>
+          </a:p>
+          <a:p>
+            <a:pPr lvl="1"/>
+            <a:r>
+              <a:rPr lang="en-US" dirty="0" smtClean="0"/>
+              <a:t>Models</a:t>
+            </a:r>
+          </a:p>
+          <a:p>
+            <a:pPr lvl="1"/>
+            <a:endParaRPr lang="en-US" sz="2400" dirty="0"/>
+          </a:p>
+          <a:p>
+            <a:r>
+              <a:rPr lang="en-US" sz="2400" dirty="0" smtClean="0"/>
+              <a:t>MVC: The good parts</a:t>
+            </a:r>
+          </a:p>
+          <a:p>
+            <a:endParaRPr lang="en-US" sz="2400" dirty="0" smtClean="0"/>
+          </a:p>
+          <a:p>
+            <a:r>
+              <a:rPr lang="en-US" sz="2400" dirty="0" smtClean="0"/>
+              <a:t>Is MVC a fit for your project?</a:t>
+            </a:r>
+            <a:endParaRPr lang="en-US" sz="2400" dirty="0"/>
+          </a:p>
+        </p:txBody>
+      </p:sp>
+    </p:spTree>
+  </p:cSld>
+  <p:clrMapOvr>
+    <a:masterClrMapping/>
+  </p:clrMapOvr>
+  <p:transition>
+    <p:fade/>
+  </p:transition>
+  <p:timing>
+    <p:tnLst>
+      <p:par>
+        <p:cTn id="1" dur="indefinite" restart="never" nodeType="tmRoot"/>
+      </p:par>
+    </p:tnLst>
+  </p:timing>
+</p:sld>
+</file>
+
+<file path=ppt/slides/slide30.xml><?xml version="1.0" encoding="utf-8"?>
 <p:sld xmlns:a="http://schemas.openxmlformats.org/drawingml/2006/main" xmlns:r="http://schemas.openxmlformats.org/officeDocument/2006/relationships" xmlns:p="http://schemas.openxmlformats.org/presentationml/2006/main" show="0">
   <p:cSld>
     <p:spTree>
@@ -14138,7 +15425,666 @@
 </p:sld>
 </file>
 
-<file path=ppt/slides/slide3.xml><?xml version="1.0" encoding="utf-8"?>
+<file path=ppt/slides/slide31.xml><?xml version="1.0" encoding="utf-8"?>
+<p:sld xmlns:a="http://schemas.openxmlformats.org/drawingml/2006/main" xmlns:r="http://schemas.openxmlformats.org/officeDocument/2006/relationships" xmlns:p="http://schemas.openxmlformats.org/presentationml/2006/main">
+  <p:cSld>
+    <p:spTree>
+      <p:nvGrpSpPr>
+        <p:cNvPr id="1" name=""/>
+        <p:cNvGrpSpPr/>
+        <p:nvPr/>
+      </p:nvGrpSpPr>
+      <p:grpSpPr>
+        <a:xfrm>
+          <a:off x="0" y="0"/>
+          <a:ext cx="0" cy="0"/>
+          <a:chOff x="0" y="0"/>
+          <a:chExt cx="0" cy="0"/>
+        </a:xfrm>
+      </p:grpSpPr>
+      <p:sp>
+        <p:nvSpPr>
+          <p:cNvPr id="2" name="Title 1"/>
+          <p:cNvSpPr>
+            <a:spLocks noGrp="1"/>
+          </p:cNvSpPr>
+          <p:nvPr>
+            <p:ph type="title"/>
+          </p:nvPr>
+        </p:nvSpPr>
+        <p:spPr/>
+        <p:txBody>
+          <a:bodyPr/>
+          <a:lstStyle/>
+          <a:p>
+            <a:r>
+              <a:rPr lang="en-US" sz="3200" dirty="0"/>
+              <a:t>MVC: The good parts</a:t>
+            </a:r>
+            <a:endParaRPr lang="en-US" dirty="0"/>
+          </a:p>
+        </p:txBody>
+      </p:sp>
+      <p:sp>
+        <p:nvSpPr>
+          <p:cNvPr id="3" name="Subtitle 2"/>
+          <p:cNvSpPr>
+            <a:spLocks noGrp="1"/>
+          </p:cNvSpPr>
+          <p:nvPr>
+            <p:ph idx="1"/>
+          </p:nvPr>
+        </p:nvSpPr>
+        <p:spPr/>
+        <p:txBody>
+          <a:bodyPr>
+            <a:normAutofit/>
+          </a:bodyPr>
+          <a:lstStyle/>
+          <a:p>
+            <a:pPr marL="0" indent="0">
+              <a:buNone/>
+            </a:pPr>
+            <a:r>
+              <a:rPr lang="en-US" sz="2400" dirty="0" smtClean="0">
+                <a:solidFill>
+                  <a:srgbClr val="0070C0"/>
+                </a:solidFill>
+              </a:rPr>
+              <a:t>Headroom</a:t>
+            </a:r>
+          </a:p>
+          <a:p>
+            <a:endParaRPr lang="en-US" sz="2400" dirty="0" smtClean="0"/>
+          </a:p>
+          <a:p>
+            <a:r>
+              <a:rPr lang="en-US" sz="2400" dirty="0" smtClean="0"/>
+              <a:t>Extensible</a:t>
+            </a:r>
+          </a:p>
+          <a:p>
+            <a:pPr lvl="1"/>
+            <a:r>
+              <a:rPr lang="en-US" sz="2000" dirty="0" smtClean="0"/>
+              <a:t>Custom Routing</a:t>
+            </a:r>
+          </a:p>
+          <a:p>
+            <a:pPr lvl="1"/>
+            <a:r>
+              <a:rPr lang="en-US" sz="2000" dirty="0" smtClean="0"/>
+              <a:t>Custom View Engine</a:t>
+            </a:r>
+          </a:p>
+          <a:p>
+            <a:pPr lvl="1"/>
+            <a:r>
+              <a:rPr lang="en-US" sz="2000" dirty="0" smtClean="0"/>
+              <a:t>Custom Model/Parameter Binders</a:t>
+            </a:r>
+          </a:p>
+          <a:p>
+            <a:pPr lvl="1"/>
+            <a:r>
+              <a:rPr lang="en-US" sz="2000" dirty="0" smtClean="0"/>
+              <a:t>Custom Action Filters</a:t>
+            </a:r>
+          </a:p>
+          <a:p>
+            <a:pPr lvl="1"/>
+            <a:r>
+              <a:rPr lang="en-US" sz="2000" dirty="0" smtClean="0"/>
+              <a:t>Custom Formatters</a:t>
+            </a:r>
+          </a:p>
+          <a:p>
+            <a:pPr lvl="1"/>
+            <a:endParaRPr lang="en-US" sz="2000" dirty="0" smtClean="0"/>
+          </a:p>
+          <a:p>
+            <a:r>
+              <a:rPr lang="en-US" sz="2400" dirty="0" smtClean="0"/>
+              <a:t>All code is released as open source</a:t>
+            </a:r>
+          </a:p>
+        </p:txBody>
+      </p:sp>
+    </p:spTree>
+    <p:extLst>
+      <p:ext uri="{BB962C8B-B14F-4D97-AF65-F5344CB8AC3E}">
+        <p14:creationId xmlns:p14="http://schemas.microsoft.com/office/powerpoint/2010/main" val="573997567"/>
+      </p:ext>
+    </p:extLst>
+  </p:cSld>
+  <p:clrMapOvr>
+    <a:masterClrMapping/>
+  </p:clrMapOvr>
+  <p:transition>
+    <p:fade/>
+  </p:transition>
+  <p:timing>
+    <p:tnLst>
+      <p:par>
+        <p:cTn id="1" dur="indefinite" restart="never" nodeType="tmRoot"/>
+      </p:par>
+    </p:tnLst>
+  </p:timing>
+</p:sld>
+</file>
+
+<file path=ppt/slides/slide32.xml><?xml version="1.0" encoding="utf-8"?>
+<p:sld xmlns:a="http://schemas.openxmlformats.org/drawingml/2006/main" xmlns:r="http://schemas.openxmlformats.org/officeDocument/2006/relationships" xmlns:p="http://schemas.openxmlformats.org/presentationml/2006/main">
+  <p:cSld>
+    <p:spTree>
+      <p:nvGrpSpPr>
+        <p:cNvPr id="1" name=""/>
+        <p:cNvGrpSpPr/>
+        <p:nvPr/>
+      </p:nvGrpSpPr>
+      <p:grpSpPr>
+        <a:xfrm>
+          <a:off x="0" y="0"/>
+          <a:ext cx="0" cy="0"/>
+          <a:chOff x="0" y="0"/>
+          <a:chExt cx="0" cy="0"/>
+        </a:xfrm>
+      </p:grpSpPr>
+      <p:sp>
+        <p:nvSpPr>
+          <p:cNvPr id="2" name="Title 1"/>
+          <p:cNvSpPr>
+            <a:spLocks noGrp="1"/>
+          </p:cNvSpPr>
+          <p:nvPr>
+            <p:ph type="title"/>
+          </p:nvPr>
+        </p:nvSpPr>
+        <p:spPr/>
+        <p:txBody>
+          <a:bodyPr/>
+          <a:lstStyle/>
+          <a:p>
+            <a:r>
+              <a:rPr lang="en-US" sz="3200" dirty="0"/>
+              <a:t>MVC: The good parts</a:t>
+            </a:r>
+            <a:endParaRPr lang="en-US" dirty="0"/>
+          </a:p>
+        </p:txBody>
+      </p:sp>
+      <p:sp>
+        <p:nvSpPr>
+          <p:cNvPr id="3" name="Subtitle 2"/>
+          <p:cNvSpPr>
+            <a:spLocks noGrp="1"/>
+          </p:cNvSpPr>
+          <p:nvPr>
+            <p:ph idx="1"/>
+          </p:nvPr>
+        </p:nvSpPr>
+        <p:spPr/>
+        <p:txBody>
+          <a:bodyPr>
+            <a:normAutofit/>
+          </a:bodyPr>
+          <a:lstStyle/>
+          <a:p>
+            <a:r>
+              <a:rPr lang="en-US" sz="2400" dirty="0" smtClean="0"/>
+              <a:t>Part of ASP.NET, same security model</a:t>
+            </a:r>
+          </a:p>
+          <a:p>
+            <a:endParaRPr lang="en-US" sz="2400" dirty="0" smtClean="0"/>
+          </a:p>
+          <a:p>
+            <a:r>
+              <a:rPr lang="en-US" sz="2400" dirty="0" smtClean="0"/>
+              <a:t>Can run side-by-side with Web Forms, SignalR, etc.</a:t>
+            </a:r>
+          </a:p>
+          <a:p>
+            <a:endParaRPr lang="en-US" sz="2400" dirty="0" smtClean="0"/>
+          </a:p>
+          <a:p>
+            <a:r>
+              <a:rPr lang="en-US" sz="2400" dirty="0" smtClean="0"/>
+              <a:t>Cookies, Session, Caching, etc. still work the same</a:t>
+            </a:r>
+          </a:p>
+        </p:txBody>
+      </p:sp>
+    </p:spTree>
+  </p:cSld>
+  <p:clrMapOvr>
+    <a:masterClrMapping/>
+  </p:clrMapOvr>
+  <p:transition>
+    <p:fade/>
+  </p:transition>
+  <p:timing>
+    <p:tnLst>
+      <p:par>
+        <p:cTn id="1" dur="indefinite" restart="never" nodeType="tmRoot"/>
+      </p:par>
+    </p:tnLst>
+  </p:timing>
+</p:sld>
+</file>
+
+<file path=ppt/slides/slide33.xml><?xml version="1.0" encoding="utf-8"?>
+<p:sld xmlns:a="http://schemas.openxmlformats.org/drawingml/2006/main" xmlns:r="http://schemas.openxmlformats.org/officeDocument/2006/relationships" xmlns:p="http://schemas.openxmlformats.org/presentationml/2006/main">
+  <p:cSld>
+    <p:spTree>
+      <p:nvGrpSpPr>
+        <p:cNvPr id="1" name=""/>
+        <p:cNvGrpSpPr/>
+        <p:nvPr/>
+      </p:nvGrpSpPr>
+      <p:grpSpPr>
+        <a:xfrm>
+          <a:off x="0" y="0"/>
+          <a:ext cx="0" cy="0"/>
+          <a:chOff x="0" y="0"/>
+          <a:chExt cx="0" cy="0"/>
+        </a:xfrm>
+      </p:grpSpPr>
+      <p:sp>
+        <p:nvSpPr>
+          <p:cNvPr id="3" name="Title 2"/>
+          <p:cNvSpPr>
+            <a:spLocks noGrp="1"/>
+          </p:cNvSpPr>
+          <p:nvPr>
+            <p:ph type="title"/>
+          </p:nvPr>
+        </p:nvSpPr>
+        <p:spPr/>
+        <p:txBody>
+          <a:bodyPr/>
+          <a:lstStyle/>
+          <a:p>
+            <a:r>
+              <a:rPr lang="en-US" dirty="0" smtClean="0"/>
+              <a:t>Today’s web, where does MVC fit?</a:t>
+            </a:r>
+            <a:endParaRPr lang="en-US" dirty="0"/>
+          </a:p>
+        </p:txBody>
+      </p:sp>
+      <p:sp>
+        <p:nvSpPr>
+          <p:cNvPr id="5" name="Content Placeholder 4"/>
+          <p:cNvSpPr>
+            <a:spLocks noGrp="1"/>
+          </p:cNvSpPr>
+          <p:nvPr>
+            <p:ph idx="1"/>
+          </p:nvPr>
+        </p:nvSpPr>
+        <p:spPr/>
+        <p:txBody>
+          <a:bodyPr>
+            <a:normAutofit/>
+          </a:bodyPr>
+          <a:lstStyle/>
+          <a:p>
+            <a:r>
+              <a:rPr lang="en-US" sz="2600" dirty="0" smtClean="0"/>
+              <a:t>ASP.NET security for pages</a:t>
+            </a:r>
+          </a:p>
+          <a:p>
+            <a:endParaRPr lang="en-US" sz="2600" dirty="0"/>
+          </a:p>
+          <a:p>
+            <a:r>
+              <a:rPr lang="en-US" sz="2600" dirty="0"/>
+              <a:t>Consistent look with a Layout </a:t>
+            </a:r>
+            <a:r>
+              <a:rPr lang="en-US" sz="2600" dirty="0" smtClean="0"/>
+              <a:t>page</a:t>
+            </a:r>
+          </a:p>
+          <a:p>
+            <a:endParaRPr lang="en-US" sz="2600" dirty="0"/>
+          </a:p>
+          <a:p>
+            <a:r>
+              <a:rPr lang="en-US" sz="2600" dirty="0" smtClean="0"/>
+              <a:t>Model binding, server-side validation</a:t>
+            </a:r>
+          </a:p>
+          <a:p>
+            <a:endParaRPr lang="en-US" sz="2600" dirty="0" smtClean="0"/>
+          </a:p>
+          <a:p>
+            <a:r>
+              <a:rPr lang="en-US" sz="2600" dirty="0" smtClean="0"/>
+              <a:t>Easy to send data from the server with the view</a:t>
+            </a:r>
+          </a:p>
+        </p:txBody>
+      </p:sp>
+    </p:spTree>
+    <p:extLst>
+      <p:ext uri="{BB962C8B-B14F-4D97-AF65-F5344CB8AC3E}">
+        <p14:creationId xmlns:p14="http://schemas.microsoft.com/office/powerpoint/2010/main" val="207232992"/>
+      </p:ext>
+    </p:extLst>
+  </p:cSld>
+  <p:clrMapOvr>
+    <a:masterClrMapping/>
+  </p:clrMapOvr>
+  <p:timing>
+    <p:tnLst>
+      <p:par>
+        <p:cTn id="1" dur="indefinite" restart="never" nodeType="tmRoot"/>
+      </p:par>
+    </p:tnLst>
+  </p:timing>
+</p:sld>
+</file>
+
+<file path=ppt/slides/slide34.xml><?xml version="1.0" encoding="utf-8"?>
+<p:sld xmlns:a="http://schemas.openxmlformats.org/drawingml/2006/main" xmlns:r="http://schemas.openxmlformats.org/officeDocument/2006/relationships" xmlns:p="http://schemas.openxmlformats.org/presentationml/2006/main">
+  <p:cSld>
+    <p:spTree>
+      <p:nvGrpSpPr>
+        <p:cNvPr id="1" name=""/>
+        <p:cNvGrpSpPr/>
+        <p:nvPr/>
+      </p:nvGrpSpPr>
+      <p:grpSpPr>
+        <a:xfrm>
+          <a:off x="0" y="0"/>
+          <a:ext cx="0" cy="0"/>
+          <a:chOff x="0" y="0"/>
+          <a:chExt cx="0" cy="0"/>
+        </a:xfrm>
+      </p:grpSpPr>
+      <p:sp>
+        <p:nvSpPr>
+          <p:cNvPr id="2" name="Title 1"/>
+          <p:cNvSpPr>
+            <a:spLocks noGrp="1"/>
+          </p:cNvSpPr>
+          <p:nvPr>
+            <p:ph type="title"/>
+          </p:nvPr>
+        </p:nvSpPr>
+        <p:spPr/>
+        <p:txBody>
+          <a:bodyPr/>
+          <a:lstStyle/>
+          <a:p>
+            <a:r>
+              <a:rPr lang="en-US" dirty="0" smtClean="0"/>
+              <a:t>Resources</a:t>
+            </a:r>
+            <a:endParaRPr lang="en-US" dirty="0"/>
+          </a:p>
+        </p:txBody>
+      </p:sp>
+      <p:sp>
+        <p:nvSpPr>
+          <p:cNvPr id="3" name="Subtitle 2"/>
+          <p:cNvSpPr>
+            <a:spLocks noGrp="1"/>
+          </p:cNvSpPr>
+          <p:nvPr>
+            <p:ph idx="1"/>
+          </p:nvPr>
+        </p:nvSpPr>
+        <p:spPr/>
+        <p:txBody>
+          <a:bodyPr>
+            <a:normAutofit/>
+          </a:bodyPr>
+          <a:lstStyle/>
+          <a:p>
+            <a:r>
+              <a:rPr lang="en-US" sz="2800" dirty="0" smtClean="0"/>
+              <a:t>Microsoft site for MVC - </a:t>
+            </a:r>
+            <a:r>
+              <a:rPr lang="en-US" sz="2800" dirty="0" smtClean="0">
+                <a:solidFill>
+                  <a:srgbClr val="0070C0"/>
+                </a:solidFill>
+                <a:latin typeface="Consolas" panose="020B0609020204030204" pitchFamily="49" charset="0"/>
+                <a:cs typeface="Consolas" panose="020B0609020204030204" pitchFamily="49" charset="0"/>
+              </a:rPr>
+              <a:t>asp.net/</a:t>
+            </a:r>
+            <a:r>
+              <a:rPr lang="en-US" sz="2800" dirty="0" err="1" smtClean="0">
+                <a:solidFill>
+                  <a:srgbClr val="0070C0"/>
+                </a:solidFill>
+                <a:latin typeface="Consolas" panose="020B0609020204030204" pitchFamily="49" charset="0"/>
+                <a:cs typeface="Consolas" panose="020B0609020204030204" pitchFamily="49" charset="0"/>
+              </a:rPr>
+              <a:t>mvc</a:t>
+            </a:r>
+            <a:endParaRPr lang="en-US" sz="2800" dirty="0" smtClean="0">
+              <a:solidFill>
+                <a:srgbClr val="0070C0"/>
+              </a:solidFill>
+              <a:latin typeface="Consolas" panose="020B0609020204030204" pitchFamily="49" charset="0"/>
+              <a:cs typeface="Consolas" panose="020B0609020204030204" pitchFamily="49" charset="0"/>
+            </a:endParaRPr>
+          </a:p>
+          <a:p>
+            <a:endParaRPr lang="en-US" sz="2800" dirty="0" smtClean="0"/>
+          </a:p>
+          <a:p>
+            <a:r>
+              <a:rPr lang="en-US" sz="2800" dirty="0" smtClean="0"/>
+              <a:t>Microsoft site for Web API - </a:t>
+            </a:r>
+            <a:r>
+              <a:rPr lang="en-US" sz="2800" dirty="0">
+                <a:solidFill>
+                  <a:srgbClr val="0070C0"/>
+                </a:solidFill>
+                <a:latin typeface="Consolas" panose="020B0609020204030204" pitchFamily="49" charset="0"/>
+                <a:cs typeface="Consolas" panose="020B0609020204030204" pitchFamily="49" charset="0"/>
+              </a:rPr>
+              <a:t>asp.net/web-</a:t>
+            </a:r>
+            <a:r>
+              <a:rPr lang="en-US" sz="2800" dirty="0" err="1">
+                <a:solidFill>
+                  <a:srgbClr val="0070C0"/>
+                </a:solidFill>
+                <a:latin typeface="Consolas" panose="020B0609020204030204" pitchFamily="49" charset="0"/>
+                <a:cs typeface="Consolas" panose="020B0609020204030204" pitchFamily="49" charset="0"/>
+              </a:rPr>
+              <a:t>api</a:t>
+            </a:r>
+            <a:endParaRPr lang="en-US" sz="2800" dirty="0">
+              <a:solidFill>
+                <a:srgbClr val="0070C0"/>
+              </a:solidFill>
+              <a:latin typeface="Consolas" panose="020B0609020204030204" pitchFamily="49" charset="0"/>
+              <a:cs typeface="Consolas" panose="020B0609020204030204" pitchFamily="49" charset="0"/>
+            </a:endParaRPr>
+          </a:p>
+          <a:p>
+            <a:endParaRPr lang="en-US" sz="2800" dirty="0" smtClean="0"/>
+          </a:p>
+          <a:p>
+            <a:r>
+              <a:rPr lang="en-US" sz="2800" dirty="0" err="1" smtClean="0"/>
+              <a:t>Pluralsight</a:t>
+            </a:r>
+            <a:r>
+              <a:rPr lang="en-US" sz="2800" dirty="0" smtClean="0"/>
+              <a:t> - </a:t>
+            </a:r>
+            <a:r>
+              <a:rPr lang="en-US" sz="2800" dirty="0">
+                <a:solidFill>
+                  <a:srgbClr val="0070C0"/>
+                </a:solidFill>
+                <a:latin typeface="Consolas" panose="020B0609020204030204" pitchFamily="49" charset="0"/>
+                <a:cs typeface="Consolas" panose="020B0609020204030204" pitchFamily="49" charset="0"/>
+              </a:rPr>
+              <a:t>pluralsight.com</a:t>
+            </a:r>
+            <a:endParaRPr lang="en-US" sz="2400" dirty="0">
+              <a:solidFill>
+                <a:srgbClr val="0070C0"/>
+              </a:solidFill>
+              <a:latin typeface="Consolas" panose="020B0609020204030204" pitchFamily="49" charset="0"/>
+              <a:cs typeface="Consolas" panose="020B0609020204030204" pitchFamily="49" charset="0"/>
+            </a:endParaRPr>
+          </a:p>
+        </p:txBody>
+      </p:sp>
+      <p:pic>
+        <p:nvPicPr>
+          <p:cNvPr id="10" name="Picture 9" descr="Logo_175px_High.jpg"/>
+          <p:cNvPicPr>
+            <a:picLocks noChangeAspect="1"/>
+          </p:cNvPicPr>
+          <p:nvPr/>
+        </p:nvPicPr>
+        <p:blipFill>
+          <a:blip r:embed="rId2" cstate="print"/>
+          <a:stretch>
+            <a:fillRect/>
+          </a:stretch>
+        </p:blipFill>
+        <p:spPr>
+          <a:xfrm>
+            <a:off x="609600" y="5181600"/>
+            <a:ext cx="1447800" cy="1021632"/>
+          </a:xfrm>
+          <a:prstGeom prst="rect">
+            <a:avLst/>
+          </a:prstGeom>
+        </p:spPr>
+      </p:pic>
+      <p:sp>
+        <p:nvSpPr>
+          <p:cNvPr id="11" name="Rectangle 1"/>
+          <p:cNvSpPr>
+            <a:spLocks noChangeArrowheads="1"/>
+          </p:cNvSpPr>
+          <p:nvPr/>
+        </p:nvSpPr>
+        <p:spPr bwMode="auto">
+          <a:xfrm>
+            <a:off x="3505200" y="5410200"/>
+            <a:ext cx="5105400" cy="738664"/>
+          </a:xfrm>
+          <a:prstGeom prst="rect">
+            <a:avLst/>
+          </a:prstGeom>
+          <a:noFill/>
+          <a:ln w="9525">
+            <a:noFill/>
+            <a:miter lim="800000"/>
+            <a:headEnd/>
+            <a:tailEnd/>
+          </a:ln>
+          <a:effectLst/>
+        </p:spPr>
+        <p:txBody>
+          <a:bodyPr vert="horz" wrap="square" lIns="91440" tIns="45720" rIns="91440" bIns="45720" numCol="1" anchor="ctr" anchorCtr="0" compatLnSpc="1">
+            <a:prstTxWarp prst="textNoShape">
+              <a:avLst/>
+            </a:prstTxWarp>
+            <a:spAutoFit/>
+          </a:bodyPr>
+          <a:lstStyle/>
+          <a:p>
+            <a:pPr lvl="0" algn="r" eaLnBrk="0" fontAlgn="base" hangingPunct="0">
+              <a:spcBef>
+                <a:spcPct val="0"/>
+              </a:spcBef>
+              <a:spcAft>
+                <a:spcPct val="0"/>
+              </a:spcAft>
+            </a:pPr>
+            <a:r>
+              <a:rPr lang="en-US" sz="2100" dirty="0" smtClean="0">
+                <a:solidFill>
+                  <a:srgbClr val="0070C0"/>
+                </a:solidFill>
+                <a:ea typeface="Calibri" pitchFamily="34" charset="0"/>
+                <a:cs typeface="Arial" pitchFamily="34" charset="0"/>
+              </a:rPr>
+              <a:t>volaresystems.com/blog</a:t>
+            </a:r>
+            <a:endParaRPr lang="en-US" sz="2100" dirty="0">
+              <a:solidFill>
+                <a:srgbClr val="0070C0"/>
+              </a:solidFill>
+              <a:ea typeface="Calibri" pitchFamily="34" charset="0"/>
+              <a:cs typeface="Arial" pitchFamily="34" charset="0"/>
+            </a:endParaRPr>
+          </a:p>
+          <a:p>
+            <a:pPr lvl="0" algn="r" eaLnBrk="0" fontAlgn="base" hangingPunct="0">
+              <a:spcBef>
+                <a:spcPct val="0"/>
+              </a:spcBef>
+              <a:spcAft>
+                <a:spcPct val="0"/>
+              </a:spcAft>
+            </a:pPr>
+            <a:r>
+              <a:rPr lang="en-US" sz="2100" dirty="0" smtClean="0">
+                <a:solidFill>
+                  <a:srgbClr val="0070C0"/>
+                </a:solidFill>
+                <a:ea typeface="Calibri" pitchFamily="34" charset="0"/>
+                <a:cs typeface="Arial" pitchFamily="34" charset="0"/>
+              </a:rPr>
+              <a:t>@joe_in_denver</a:t>
+            </a:r>
+            <a:r>
+              <a:rPr lang="en-US" sz="2100" dirty="0" smtClean="0">
+                <a:solidFill>
+                  <a:srgbClr val="0070C0"/>
+                </a:solidFill>
+                <a:cs typeface="Arial" pitchFamily="34" charset="0"/>
+              </a:rPr>
+              <a:t> </a:t>
+            </a:r>
+            <a:endParaRPr lang="en-US" sz="2100" dirty="0">
+              <a:solidFill>
+                <a:srgbClr val="0070C0"/>
+              </a:solidFill>
+              <a:cs typeface="Arial" pitchFamily="34" charset="0"/>
+            </a:endParaRPr>
+          </a:p>
+        </p:txBody>
+      </p:sp>
+    </p:spTree>
+  </p:cSld>
+  <p:clrMapOvr>
+    <a:masterClrMapping/>
+  </p:clrMapOvr>
+  <p:transition>
+    <p:fade/>
+  </p:transition>
+  <p:timing>
+    <p:tnLst>
+      <p:par>
+        <p:cTn id="1" dur="indefinite" restart="never" nodeType="tmRoot"/>
+      </p:par>
+    </p:tnLst>
+  </p:timing>
+</p:sld>
+</file>
+
+<file path=ppt/slides/slide4.xml><?xml version="1.0" encoding="utf-8"?>
 <p:sld xmlns:a="http://schemas.openxmlformats.org/drawingml/2006/main" xmlns:r="http://schemas.openxmlformats.org/officeDocument/2006/relationships" xmlns:p="http://schemas.openxmlformats.org/presentationml/2006/main">
   <p:cSld>
     <p:spTree>
@@ -14902,675 +16848,7 @@
 </p:sld>
 </file>
 
-<file path=ppt/slides/slide30.xml><?xml version="1.0" encoding="utf-8"?>
-<p:sld xmlns:a="http://schemas.openxmlformats.org/drawingml/2006/main" xmlns:r="http://schemas.openxmlformats.org/officeDocument/2006/relationships" xmlns:p="http://schemas.openxmlformats.org/presentationml/2006/main">
-  <p:cSld>
-    <p:spTree>
-      <p:nvGrpSpPr>
-        <p:cNvPr id="1" name=""/>
-        <p:cNvGrpSpPr/>
-        <p:nvPr/>
-      </p:nvGrpSpPr>
-      <p:grpSpPr>
-        <a:xfrm>
-          <a:off x="0" y="0"/>
-          <a:ext cx="0" cy="0"/>
-          <a:chOff x="0" y="0"/>
-          <a:chExt cx="0" cy="0"/>
-        </a:xfrm>
-      </p:grpSpPr>
-      <p:sp>
-        <p:nvSpPr>
-          <p:cNvPr id="2" name="Title 1"/>
-          <p:cNvSpPr>
-            <a:spLocks noGrp="1"/>
-          </p:cNvSpPr>
-          <p:nvPr>
-            <p:ph type="title"/>
-          </p:nvPr>
-        </p:nvSpPr>
-        <p:spPr/>
-        <p:txBody>
-          <a:bodyPr/>
-          <a:lstStyle/>
-          <a:p>
-            <a:r>
-              <a:rPr lang="en-US" sz="3200" dirty="0"/>
-              <a:t>MVC: The good parts</a:t>
-            </a:r>
-            <a:endParaRPr lang="en-US" dirty="0"/>
-          </a:p>
-        </p:txBody>
-      </p:sp>
-      <p:sp>
-        <p:nvSpPr>
-          <p:cNvPr id="3" name="Subtitle 2"/>
-          <p:cNvSpPr>
-            <a:spLocks noGrp="1"/>
-          </p:cNvSpPr>
-          <p:nvPr>
-            <p:ph idx="1"/>
-          </p:nvPr>
-        </p:nvSpPr>
-        <p:spPr/>
-        <p:txBody>
-          <a:bodyPr>
-            <a:normAutofit/>
-          </a:bodyPr>
-          <a:lstStyle/>
-          <a:p>
-            <a:pPr marL="0" indent="0">
-              <a:buNone/>
-            </a:pPr>
-            <a:r>
-              <a:rPr lang="en-US" sz="2400" dirty="0" smtClean="0">
-                <a:solidFill>
-                  <a:srgbClr val="0070C0"/>
-                </a:solidFill>
-              </a:rPr>
-              <a:t>Headroom</a:t>
-            </a:r>
-          </a:p>
-          <a:p>
-            <a:endParaRPr lang="en-US" sz="2400" dirty="0" smtClean="0"/>
-          </a:p>
-          <a:p>
-            <a:r>
-              <a:rPr lang="en-US" sz="2400" dirty="0" smtClean="0"/>
-              <a:t>Extensible</a:t>
-            </a:r>
-          </a:p>
-          <a:p>
-            <a:pPr lvl="1"/>
-            <a:r>
-              <a:rPr lang="en-US" sz="2000" dirty="0" smtClean="0"/>
-              <a:t>Custom Routing</a:t>
-            </a:r>
-          </a:p>
-          <a:p>
-            <a:pPr lvl="1"/>
-            <a:r>
-              <a:rPr lang="en-US" sz="2000" dirty="0" smtClean="0"/>
-              <a:t>Custom View Engine</a:t>
-            </a:r>
-          </a:p>
-          <a:p>
-            <a:pPr lvl="1"/>
-            <a:r>
-              <a:rPr lang="en-US" sz="2000" dirty="0" smtClean="0"/>
-              <a:t>Custom Model/Parameter Binders</a:t>
-            </a:r>
-          </a:p>
-          <a:p>
-            <a:pPr lvl="1"/>
-            <a:r>
-              <a:rPr lang="en-US" sz="2000" dirty="0" smtClean="0"/>
-              <a:t>Custom Action Filters</a:t>
-            </a:r>
-          </a:p>
-          <a:p>
-            <a:pPr lvl="1"/>
-            <a:r>
-              <a:rPr lang="en-US" sz="2000" dirty="0" smtClean="0"/>
-              <a:t>Custom Formatters</a:t>
-            </a:r>
-          </a:p>
-          <a:p>
-            <a:pPr lvl="1"/>
-            <a:endParaRPr lang="en-US" sz="2000" dirty="0" smtClean="0"/>
-          </a:p>
-          <a:p>
-            <a:r>
-              <a:rPr lang="en-US" sz="2400" dirty="0" smtClean="0"/>
-              <a:t>All code is released as open source</a:t>
-            </a:r>
-          </a:p>
-        </p:txBody>
-      </p:sp>
-    </p:spTree>
-    <p:extLst>
-      <p:ext uri="{BB962C8B-B14F-4D97-AF65-F5344CB8AC3E}">
-        <p14:creationId xmlns:p14="http://schemas.microsoft.com/office/powerpoint/2010/main" val="573997567"/>
-      </p:ext>
-    </p:extLst>
-  </p:cSld>
-  <p:clrMapOvr>
-    <a:masterClrMapping/>
-  </p:clrMapOvr>
-  <p:transition>
-    <p:fade/>
-  </p:transition>
-  <p:timing>
-    <p:tnLst>
-      <p:par>
-        <p:cTn id="1" dur="indefinite" restart="never" nodeType="tmRoot"/>
-      </p:par>
-    </p:tnLst>
-  </p:timing>
-</p:sld>
-</file>
-
-<file path=ppt/slides/slide31.xml><?xml version="1.0" encoding="utf-8"?>
-<p:sld xmlns:a="http://schemas.openxmlformats.org/drawingml/2006/main" xmlns:r="http://schemas.openxmlformats.org/officeDocument/2006/relationships" xmlns:p="http://schemas.openxmlformats.org/presentationml/2006/main">
-  <p:cSld>
-    <p:spTree>
-      <p:nvGrpSpPr>
-        <p:cNvPr id="1" name=""/>
-        <p:cNvGrpSpPr/>
-        <p:nvPr/>
-      </p:nvGrpSpPr>
-      <p:grpSpPr>
-        <a:xfrm>
-          <a:off x="0" y="0"/>
-          <a:ext cx="0" cy="0"/>
-          <a:chOff x="0" y="0"/>
-          <a:chExt cx="0" cy="0"/>
-        </a:xfrm>
-      </p:grpSpPr>
-      <p:sp>
-        <p:nvSpPr>
-          <p:cNvPr id="2" name="Title 1"/>
-          <p:cNvSpPr>
-            <a:spLocks noGrp="1"/>
-          </p:cNvSpPr>
-          <p:nvPr>
-            <p:ph type="title"/>
-          </p:nvPr>
-        </p:nvSpPr>
-        <p:spPr/>
-        <p:txBody>
-          <a:bodyPr/>
-          <a:lstStyle/>
-          <a:p>
-            <a:r>
-              <a:rPr lang="en-US" sz="3200" dirty="0"/>
-              <a:t>MVC: The good parts</a:t>
-            </a:r>
-            <a:endParaRPr lang="en-US" dirty="0"/>
-          </a:p>
-        </p:txBody>
-      </p:sp>
-      <p:sp>
-        <p:nvSpPr>
-          <p:cNvPr id="3" name="Subtitle 2"/>
-          <p:cNvSpPr>
-            <a:spLocks noGrp="1"/>
-          </p:cNvSpPr>
-          <p:nvPr>
-            <p:ph idx="1"/>
-          </p:nvPr>
-        </p:nvSpPr>
-        <p:spPr/>
-        <p:txBody>
-          <a:bodyPr>
-            <a:normAutofit/>
-          </a:bodyPr>
-          <a:lstStyle/>
-          <a:p>
-            <a:r>
-              <a:rPr lang="en-US" sz="2400" dirty="0" smtClean="0"/>
-              <a:t>Part of ASP.NET, same security model</a:t>
-            </a:r>
-          </a:p>
-          <a:p>
-            <a:endParaRPr lang="en-US" sz="2400" dirty="0" smtClean="0"/>
-          </a:p>
-          <a:p>
-            <a:r>
-              <a:rPr lang="en-US" sz="2400" dirty="0" smtClean="0"/>
-              <a:t>Can run side-by-side with Web Forms, SignalR, etc.</a:t>
-            </a:r>
-          </a:p>
-          <a:p>
-            <a:endParaRPr lang="en-US" sz="2400" dirty="0" smtClean="0"/>
-          </a:p>
-          <a:p>
-            <a:r>
-              <a:rPr lang="en-US" sz="2400" dirty="0" smtClean="0"/>
-              <a:t>Cookies, Session, Caching, etc. still work the same</a:t>
-            </a:r>
-          </a:p>
-        </p:txBody>
-      </p:sp>
-    </p:spTree>
-  </p:cSld>
-  <p:clrMapOvr>
-    <a:masterClrMapping/>
-  </p:clrMapOvr>
-  <p:transition>
-    <p:fade/>
-  </p:transition>
-  <p:timing>
-    <p:tnLst>
-      <p:par>
-        <p:cTn id="1" dur="indefinite" restart="never" nodeType="tmRoot"/>
-      </p:par>
-    </p:tnLst>
-  </p:timing>
-</p:sld>
-</file>
-
-<file path=ppt/slides/slide32.xml><?xml version="1.0" encoding="utf-8"?>
-<p:sld xmlns:a="http://schemas.openxmlformats.org/drawingml/2006/main" xmlns:r="http://schemas.openxmlformats.org/officeDocument/2006/relationships" xmlns:p="http://schemas.openxmlformats.org/presentationml/2006/main">
-  <p:cSld>
-    <p:spTree>
-      <p:nvGrpSpPr>
-        <p:cNvPr id="1" name=""/>
-        <p:cNvGrpSpPr/>
-        <p:nvPr/>
-      </p:nvGrpSpPr>
-      <p:grpSpPr>
-        <a:xfrm>
-          <a:off x="0" y="0"/>
-          <a:ext cx="0" cy="0"/>
-          <a:chOff x="0" y="0"/>
-          <a:chExt cx="0" cy="0"/>
-        </a:xfrm>
-      </p:grpSpPr>
-      <p:sp>
-        <p:nvSpPr>
-          <p:cNvPr id="3" name="Title 2"/>
-          <p:cNvSpPr>
-            <a:spLocks noGrp="1"/>
-          </p:cNvSpPr>
-          <p:nvPr>
-            <p:ph type="title"/>
-          </p:nvPr>
-        </p:nvSpPr>
-        <p:spPr/>
-        <p:txBody>
-          <a:bodyPr/>
-          <a:lstStyle/>
-          <a:p>
-            <a:r>
-              <a:rPr lang="en-US" dirty="0" smtClean="0"/>
-              <a:t>Today’s web, where does MVC fit?</a:t>
-            </a:r>
-            <a:endParaRPr lang="en-US" dirty="0"/>
-          </a:p>
-        </p:txBody>
-      </p:sp>
-      <p:sp>
-        <p:nvSpPr>
-          <p:cNvPr id="5" name="Content Placeholder 4"/>
-          <p:cNvSpPr>
-            <a:spLocks noGrp="1"/>
-          </p:cNvSpPr>
-          <p:nvPr>
-            <p:ph idx="1"/>
-          </p:nvPr>
-        </p:nvSpPr>
-        <p:spPr/>
-        <p:txBody>
-          <a:bodyPr>
-            <a:normAutofit/>
-          </a:bodyPr>
-          <a:lstStyle/>
-          <a:p>
-            <a:r>
-              <a:rPr lang="en-US" sz="2600" dirty="0" smtClean="0"/>
-              <a:t>ASP.NET security for pages</a:t>
-            </a:r>
-          </a:p>
-          <a:p>
-            <a:endParaRPr lang="en-US" sz="2600" dirty="0"/>
-          </a:p>
-          <a:p>
-            <a:r>
-              <a:rPr lang="en-US" sz="2600" dirty="0"/>
-              <a:t>Consistent look with a Layout </a:t>
-            </a:r>
-            <a:r>
-              <a:rPr lang="en-US" sz="2600" dirty="0" smtClean="0"/>
-              <a:t>page</a:t>
-            </a:r>
-          </a:p>
-          <a:p>
-            <a:endParaRPr lang="en-US" sz="2600" dirty="0"/>
-          </a:p>
-          <a:p>
-            <a:r>
-              <a:rPr lang="en-US" sz="2600" dirty="0" smtClean="0"/>
-              <a:t>Model </a:t>
-            </a:r>
-            <a:r>
-              <a:rPr lang="en-US" sz="2600" dirty="0" smtClean="0"/>
-              <a:t>binding, server-side validation</a:t>
-            </a:r>
-          </a:p>
-          <a:p>
-            <a:endParaRPr lang="en-US" sz="2600" dirty="0" smtClean="0"/>
-          </a:p>
-          <a:p>
-            <a:r>
-              <a:rPr lang="en-US" sz="2600" dirty="0" smtClean="0"/>
-              <a:t>Easy to send data from the server with the </a:t>
-            </a:r>
-            <a:r>
-              <a:rPr lang="en-US" sz="2600" dirty="0" smtClean="0"/>
-              <a:t>view</a:t>
-            </a:r>
-            <a:endParaRPr lang="en-US" sz="2600" dirty="0" smtClean="0"/>
-          </a:p>
-        </p:txBody>
-      </p:sp>
-    </p:spTree>
-    <p:extLst>
-      <p:ext uri="{BB962C8B-B14F-4D97-AF65-F5344CB8AC3E}">
-        <p14:creationId xmlns:p14="http://schemas.microsoft.com/office/powerpoint/2010/main" val="207232992"/>
-      </p:ext>
-    </p:extLst>
-  </p:cSld>
-  <p:clrMapOvr>
-    <a:masterClrMapping/>
-  </p:clrMapOvr>
-  <p:timing>
-    <p:tnLst>
-      <p:par>
-        <p:cTn id="1" dur="indefinite" restart="never" nodeType="tmRoot"/>
-      </p:par>
-    </p:tnLst>
-  </p:timing>
-</p:sld>
-</file>
-
-<file path=ppt/slides/slide33.xml><?xml version="1.0" encoding="utf-8"?>
-<p:sld xmlns:a="http://schemas.openxmlformats.org/drawingml/2006/main" xmlns:r="http://schemas.openxmlformats.org/officeDocument/2006/relationships" xmlns:p="http://schemas.openxmlformats.org/presentationml/2006/main">
-  <p:cSld>
-    <p:spTree>
-      <p:nvGrpSpPr>
-        <p:cNvPr id="1" name=""/>
-        <p:cNvGrpSpPr/>
-        <p:nvPr/>
-      </p:nvGrpSpPr>
-      <p:grpSpPr>
-        <a:xfrm>
-          <a:off x="0" y="0"/>
-          <a:ext cx="0" cy="0"/>
-          <a:chOff x="0" y="0"/>
-          <a:chExt cx="0" cy="0"/>
-        </a:xfrm>
-      </p:grpSpPr>
-      <p:sp>
-        <p:nvSpPr>
-          <p:cNvPr id="2" name="Title 1"/>
-          <p:cNvSpPr>
-            <a:spLocks noGrp="1"/>
-          </p:cNvSpPr>
-          <p:nvPr>
-            <p:ph type="title"/>
-          </p:nvPr>
-        </p:nvSpPr>
-        <p:spPr/>
-        <p:txBody>
-          <a:bodyPr/>
-          <a:lstStyle/>
-          <a:p>
-            <a:r>
-              <a:rPr lang="en-US" dirty="0" smtClean="0"/>
-              <a:t>Resources</a:t>
-            </a:r>
-            <a:endParaRPr lang="en-US" dirty="0"/>
-          </a:p>
-        </p:txBody>
-      </p:sp>
-      <p:sp>
-        <p:nvSpPr>
-          <p:cNvPr id="3" name="Subtitle 2"/>
-          <p:cNvSpPr>
-            <a:spLocks noGrp="1"/>
-          </p:cNvSpPr>
-          <p:nvPr>
-            <p:ph idx="1"/>
-          </p:nvPr>
-        </p:nvSpPr>
-        <p:spPr/>
-        <p:txBody>
-          <a:bodyPr>
-            <a:normAutofit/>
-          </a:bodyPr>
-          <a:lstStyle/>
-          <a:p>
-            <a:r>
-              <a:rPr lang="en-US" sz="2800" dirty="0" smtClean="0"/>
-              <a:t>Microsoft site for MVC - </a:t>
-            </a:r>
-            <a:r>
-              <a:rPr lang="en-US" sz="2800" dirty="0" smtClean="0">
-                <a:solidFill>
-                  <a:srgbClr val="0070C0"/>
-                </a:solidFill>
-                <a:latin typeface="Consolas" panose="020B0609020204030204" pitchFamily="49" charset="0"/>
-                <a:cs typeface="Consolas" panose="020B0609020204030204" pitchFamily="49" charset="0"/>
-              </a:rPr>
-              <a:t>asp.net/</a:t>
-            </a:r>
-            <a:r>
-              <a:rPr lang="en-US" sz="2800" dirty="0" err="1" smtClean="0">
-                <a:solidFill>
-                  <a:srgbClr val="0070C0"/>
-                </a:solidFill>
-                <a:latin typeface="Consolas" panose="020B0609020204030204" pitchFamily="49" charset="0"/>
-                <a:cs typeface="Consolas" panose="020B0609020204030204" pitchFamily="49" charset="0"/>
-              </a:rPr>
-              <a:t>mvc</a:t>
-            </a:r>
-            <a:endParaRPr lang="en-US" sz="2800" dirty="0" smtClean="0">
-              <a:solidFill>
-                <a:srgbClr val="0070C0"/>
-              </a:solidFill>
-              <a:latin typeface="Consolas" panose="020B0609020204030204" pitchFamily="49" charset="0"/>
-              <a:cs typeface="Consolas" panose="020B0609020204030204" pitchFamily="49" charset="0"/>
-            </a:endParaRPr>
-          </a:p>
-          <a:p>
-            <a:endParaRPr lang="en-US" sz="2800" dirty="0" smtClean="0"/>
-          </a:p>
-          <a:p>
-            <a:r>
-              <a:rPr lang="en-US" sz="2800" dirty="0" smtClean="0"/>
-              <a:t>Microsoft site for Web API - </a:t>
-            </a:r>
-            <a:r>
-              <a:rPr lang="en-US" sz="2800" dirty="0">
-                <a:solidFill>
-                  <a:srgbClr val="0070C0"/>
-                </a:solidFill>
-                <a:latin typeface="Consolas" panose="020B0609020204030204" pitchFamily="49" charset="0"/>
-                <a:cs typeface="Consolas" panose="020B0609020204030204" pitchFamily="49" charset="0"/>
-              </a:rPr>
-              <a:t>asp.net/web-</a:t>
-            </a:r>
-            <a:r>
-              <a:rPr lang="en-US" sz="2800" dirty="0" err="1">
-                <a:solidFill>
-                  <a:srgbClr val="0070C0"/>
-                </a:solidFill>
-                <a:latin typeface="Consolas" panose="020B0609020204030204" pitchFamily="49" charset="0"/>
-                <a:cs typeface="Consolas" panose="020B0609020204030204" pitchFamily="49" charset="0"/>
-              </a:rPr>
-              <a:t>api</a:t>
-            </a:r>
-            <a:endParaRPr lang="en-US" sz="2800" dirty="0">
-              <a:solidFill>
-                <a:srgbClr val="0070C0"/>
-              </a:solidFill>
-              <a:latin typeface="Consolas" panose="020B0609020204030204" pitchFamily="49" charset="0"/>
-              <a:cs typeface="Consolas" panose="020B0609020204030204" pitchFamily="49" charset="0"/>
-            </a:endParaRPr>
-          </a:p>
-          <a:p>
-            <a:endParaRPr lang="en-US" sz="2800" dirty="0" smtClean="0"/>
-          </a:p>
-          <a:p>
-            <a:r>
-              <a:rPr lang="en-US" sz="2800" dirty="0" err="1" smtClean="0"/>
-              <a:t>Pluralsight</a:t>
-            </a:r>
-            <a:r>
-              <a:rPr lang="en-US" sz="2800" dirty="0" smtClean="0"/>
-              <a:t> - </a:t>
-            </a:r>
-            <a:r>
-              <a:rPr lang="en-US" sz="2800" dirty="0">
-                <a:solidFill>
-                  <a:srgbClr val="0070C0"/>
-                </a:solidFill>
-                <a:latin typeface="Consolas" panose="020B0609020204030204" pitchFamily="49" charset="0"/>
-                <a:cs typeface="Consolas" panose="020B0609020204030204" pitchFamily="49" charset="0"/>
-              </a:rPr>
-              <a:t>pluralsight.com</a:t>
-            </a:r>
-            <a:endParaRPr lang="en-US" sz="2400" dirty="0">
-              <a:solidFill>
-                <a:srgbClr val="0070C0"/>
-              </a:solidFill>
-              <a:latin typeface="Consolas" panose="020B0609020204030204" pitchFamily="49" charset="0"/>
-              <a:cs typeface="Consolas" panose="020B0609020204030204" pitchFamily="49" charset="0"/>
-            </a:endParaRPr>
-          </a:p>
-        </p:txBody>
-      </p:sp>
-      <p:pic>
-        <p:nvPicPr>
-          <p:cNvPr id="10" name="Picture 9" descr="Logo_175px_High.jpg"/>
-          <p:cNvPicPr>
-            <a:picLocks noChangeAspect="1"/>
-          </p:cNvPicPr>
-          <p:nvPr/>
-        </p:nvPicPr>
-        <p:blipFill>
-          <a:blip r:embed="rId2" cstate="print"/>
-          <a:stretch>
-            <a:fillRect/>
-          </a:stretch>
-        </p:blipFill>
-        <p:spPr>
-          <a:xfrm>
-            <a:off x="609600" y="5181600"/>
-            <a:ext cx="1447800" cy="1021632"/>
-          </a:xfrm>
-          <a:prstGeom prst="rect">
-            <a:avLst/>
-          </a:prstGeom>
-        </p:spPr>
-      </p:pic>
-      <p:sp>
-        <p:nvSpPr>
-          <p:cNvPr id="11" name="Rectangle 1"/>
-          <p:cNvSpPr>
-            <a:spLocks noChangeArrowheads="1"/>
-          </p:cNvSpPr>
-          <p:nvPr/>
-        </p:nvSpPr>
-        <p:spPr bwMode="auto">
-          <a:xfrm>
-            <a:off x="3505200" y="5410200"/>
-            <a:ext cx="5105400" cy="738664"/>
-          </a:xfrm>
-          <a:prstGeom prst="rect">
-            <a:avLst/>
-          </a:prstGeom>
-          <a:noFill/>
-          <a:ln w="9525">
-            <a:noFill/>
-            <a:miter lim="800000"/>
-            <a:headEnd/>
-            <a:tailEnd/>
-          </a:ln>
-          <a:effectLst/>
-        </p:spPr>
-        <p:txBody>
-          <a:bodyPr vert="horz" wrap="square" lIns="91440" tIns="45720" rIns="91440" bIns="45720" numCol="1" anchor="ctr" anchorCtr="0" compatLnSpc="1">
-            <a:prstTxWarp prst="textNoShape">
-              <a:avLst/>
-            </a:prstTxWarp>
-            <a:spAutoFit/>
-          </a:bodyPr>
-          <a:lstStyle/>
-          <a:p>
-            <a:pPr lvl="0" algn="r" eaLnBrk="0" fontAlgn="base" hangingPunct="0">
-              <a:spcBef>
-                <a:spcPct val="0"/>
-              </a:spcBef>
-              <a:spcAft>
-                <a:spcPct val="0"/>
-              </a:spcAft>
-            </a:pPr>
-            <a:r>
-              <a:rPr lang="en-US" sz="2100" dirty="0" smtClean="0">
-                <a:solidFill>
-                  <a:srgbClr val="0070C0"/>
-                </a:solidFill>
-                <a:ea typeface="Calibri" pitchFamily="34" charset="0"/>
-                <a:cs typeface="Arial" pitchFamily="34" charset="0"/>
-              </a:rPr>
-              <a:t>volaresystems.com/blog</a:t>
-            </a:r>
-            <a:endParaRPr lang="en-US" sz="2100" dirty="0">
-              <a:solidFill>
-                <a:srgbClr val="0070C0"/>
-              </a:solidFill>
-              <a:ea typeface="Calibri" pitchFamily="34" charset="0"/>
-              <a:cs typeface="Arial" pitchFamily="34" charset="0"/>
-            </a:endParaRPr>
-          </a:p>
-          <a:p>
-            <a:pPr lvl="0" algn="r" eaLnBrk="0" fontAlgn="base" hangingPunct="0">
-              <a:spcBef>
-                <a:spcPct val="0"/>
-              </a:spcBef>
-              <a:spcAft>
-                <a:spcPct val="0"/>
-              </a:spcAft>
-            </a:pPr>
-            <a:r>
-              <a:rPr lang="en-US" sz="2100" dirty="0" smtClean="0">
-                <a:solidFill>
-                  <a:srgbClr val="0070C0"/>
-                </a:solidFill>
-                <a:ea typeface="Calibri" pitchFamily="34" charset="0"/>
-                <a:cs typeface="Arial" pitchFamily="34" charset="0"/>
-              </a:rPr>
-              <a:t>@joe_in_denver</a:t>
-            </a:r>
-            <a:r>
-              <a:rPr lang="en-US" sz="2100" dirty="0" smtClean="0">
-                <a:solidFill>
-                  <a:srgbClr val="0070C0"/>
-                </a:solidFill>
-                <a:cs typeface="Arial" pitchFamily="34" charset="0"/>
-              </a:rPr>
-              <a:t> </a:t>
-            </a:r>
-            <a:endParaRPr lang="en-US" sz="2100" dirty="0">
-              <a:solidFill>
-                <a:srgbClr val="0070C0"/>
-              </a:solidFill>
-              <a:cs typeface="Arial" pitchFamily="34" charset="0"/>
-            </a:endParaRPr>
-          </a:p>
-        </p:txBody>
-      </p:sp>
-    </p:spTree>
-  </p:cSld>
-  <p:clrMapOvr>
-    <a:masterClrMapping/>
-  </p:clrMapOvr>
-  <p:transition>
-    <p:fade/>
-  </p:transition>
-  <p:timing>
-    <p:tnLst>
-      <p:par>
-        <p:cTn id="1" dur="indefinite" restart="never" nodeType="tmRoot"/>
-      </p:par>
-    </p:tnLst>
-  </p:timing>
-</p:sld>
-</file>
-
-<file path=ppt/slides/slide4.xml><?xml version="1.0" encoding="utf-8"?>
+<file path=ppt/slides/slide5.xml><?xml version="1.0" encoding="utf-8"?>
 <p:sld xmlns:a="http://schemas.openxmlformats.org/drawingml/2006/main" xmlns:r="http://schemas.openxmlformats.org/officeDocument/2006/relationships" xmlns:p="http://schemas.openxmlformats.org/presentationml/2006/main">
   <p:cSld>
     <p:spTree>
@@ -17082,7 +18360,7 @@
 </p:sld>
 </file>
 
-<file path=ppt/slides/slide5.xml><?xml version="1.0" encoding="utf-8"?>
+<file path=ppt/slides/slide6.xml><?xml version="1.0" encoding="utf-8"?>
 <p:sld xmlns:a="http://schemas.openxmlformats.org/drawingml/2006/main" xmlns:r="http://schemas.openxmlformats.org/officeDocument/2006/relationships" xmlns:p="http://schemas.openxmlformats.org/presentationml/2006/main">
   <p:cSld>
     <p:spTree>
@@ -17259,7 +18537,7 @@
 </p:sld>
 </file>
 
-<file path=ppt/slides/slide6.xml><?xml version="1.0" encoding="utf-8"?>
+<file path=ppt/slides/slide7.xml><?xml version="1.0" encoding="utf-8"?>
 <p:sld xmlns:a="http://schemas.openxmlformats.org/drawingml/2006/main" xmlns:r="http://schemas.openxmlformats.org/officeDocument/2006/relationships" xmlns:p="http://schemas.openxmlformats.org/presentationml/2006/main">
   <p:cSld>
     <p:spTree>
@@ -18613,7 +19891,7 @@
 </p:sld>
 </file>
 
-<file path=ppt/slides/slide7.xml><?xml version="1.0" encoding="utf-8"?>
+<file path=ppt/slides/slide8.xml><?xml version="1.0" encoding="utf-8"?>
 <p:sld xmlns:a="http://schemas.openxmlformats.org/drawingml/2006/main" xmlns:r="http://schemas.openxmlformats.org/officeDocument/2006/relationships" xmlns:p="http://schemas.openxmlformats.org/presentationml/2006/main">
   <p:cSld>
     <p:spTree>
@@ -19820,7 +21098,7 @@
 </p:sld>
 </file>
 
-<file path=ppt/slides/slide8.xml><?xml version="1.0" encoding="utf-8"?>
+<file path=ppt/slides/slide9.xml><?xml version="1.0" encoding="utf-8"?>
 <p:sld xmlns:a="http://schemas.openxmlformats.org/drawingml/2006/main" xmlns:r="http://schemas.openxmlformats.org/officeDocument/2006/relationships" xmlns:p="http://schemas.openxmlformats.org/presentationml/2006/main">
   <p:cSld>
     <p:spTree>
@@ -21256,90 +22534,6 @@
       <p:bldP spid="32" grpId="0"/>
       <p:bldP spid="33" grpId="0"/>
     </p:bldLst>
-  </p:timing>
-</p:sld>
-</file>
-
-<file path=ppt/slides/slide9.xml><?xml version="1.0" encoding="utf-8"?>
-<p:sld xmlns:a="http://schemas.openxmlformats.org/drawingml/2006/main" xmlns:r="http://schemas.openxmlformats.org/officeDocument/2006/relationships" xmlns:p="http://schemas.openxmlformats.org/presentationml/2006/main">
-  <p:cSld>
-    <p:spTree>
-      <p:nvGrpSpPr>
-        <p:cNvPr id="1" name=""/>
-        <p:cNvGrpSpPr/>
-        <p:nvPr/>
-      </p:nvGrpSpPr>
-      <p:grpSpPr>
-        <a:xfrm>
-          <a:off x="0" y="0"/>
-          <a:ext cx="0" cy="0"/>
-          <a:chOff x="0" y="0"/>
-          <a:chExt cx="0" cy="0"/>
-        </a:xfrm>
-      </p:grpSpPr>
-      <p:sp>
-        <p:nvSpPr>
-          <p:cNvPr id="2" name="Title 1"/>
-          <p:cNvSpPr>
-            <a:spLocks noGrp="1"/>
-          </p:cNvSpPr>
-          <p:nvPr>
-            <p:ph type="title"/>
-          </p:nvPr>
-        </p:nvSpPr>
-        <p:spPr/>
-        <p:txBody>
-          <a:bodyPr/>
-          <a:lstStyle/>
-          <a:p>
-            <a:r>
-              <a:rPr lang="en-US" dirty="0" smtClean="0"/>
-              <a:t>Basics of MVC – Routing (Default route)</a:t>
-            </a:r>
-            <a:endParaRPr lang="en-US" dirty="0"/>
-          </a:p>
-        </p:txBody>
-      </p:sp>
-      <p:pic>
-        <p:nvPicPr>
-          <p:cNvPr id="5" name="Picture 4"/>
-          <p:cNvPicPr>
-            <a:picLocks noChangeAspect="1"/>
-          </p:cNvPicPr>
-          <p:nvPr/>
-        </p:nvPicPr>
-        <p:blipFill>
-          <a:blip r:embed="rId2"/>
-          <a:stretch>
-            <a:fillRect/>
-          </a:stretch>
-        </p:blipFill>
-        <p:spPr>
-          <a:xfrm>
-            <a:off x="416856" y="1690688"/>
-            <a:ext cx="8526088" cy="2576511"/>
-          </a:xfrm>
-          <a:prstGeom prst="rect">
-            <a:avLst/>
-          </a:prstGeom>
-        </p:spPr>
-      </p:pic>
-    </p:spTree>
-    <p:extLst>
-      <p:ext uri="{BB962C8B-B14F-4D97-AF65-F5344CB8AC3E}">
-        <p14:creationId xmlns:p14="http://schemas.microsoft.com/office/powerpoint/2010/main" val="2046609888"/>
-      </p:ext>
-    </p:extLst>
-  </p:cSld>
-  <p:clrMapOvr>
-    <a:masterClrMapping/>
-  </p:clrMapOvr>
-  <p:timing>
-    <p:tnLst>
-      <p:par>
-        <p:cTn id="1" dur="indefinite" restart="never" nodeType="tmRoot"/>
-      </p:par>
-    </p:tnLst>
   </p:timing>
 </p:sld>
 </file>

--- a/Introduction to ASP.NET MVC - Denver Dev Days/Introduction to ASP.NET MVC.pptx
+++ b/Introduction to ASP.NET MVC - Denver Dev Days/Introduction to ASP.NET MVC.pptx
@@ -5291,6 +5291,11 @@
           <a:solidFill>
             <a:schemeClr val="tx1"/>
           </a:solidFill>
+          <a:ln>
+            <a:solidFill>
+              <a:schemeClr val="tx1"/>
+            </a:solidFill>
+          </a:ln>
         </p:spPr>
         <p:style>
           <a:lnRef idx="2">
